--- a/Theory Class-Notes/New.pptx
+++ b/Theory Class-Notes/New.pptx
@@ -4,47 +4,65 @@
   <p:sldMasterIdLst>
     <p:sldMasterId id="2147483648" r:id="rId1"/>
   </p:sldMasterIdLst>
+  <p:notesMasterIdLst>
+    <p:notesMasterId r:id="rId57"/>
+  </p:notesMasterIdLst>
   <p:sldIdLst>
     <p:sldId id="258" r:id="rId2"/>
-    <p:sldId id="260" r:id="rId3"/>
-    <p:sldId id="375" r:id="rId4"/>
-    <p:sldId id="376" r:id="rId5"/>
-    <p:sldId id="377" r:id="rId6"/>
-    <p:sldId id="378" r:id="rId7"/>
-    <p:sldId id="379" r:id="rId8"/>
-    <p:sldId id="380" r:id="rId9"/>
-    <p:sldId id="381" r:id="rId10"/>
-    <p:sldId id="386" r:id="rId11"/>
-    <p:sldId id="382" r:id="rId12"/>
-    <p:sldId id="384" r:id="rId13"/>
-    <p:sldId id="387" r:id="rId14"/>
-    <p:sldId id="388" r:id="rId15"/>
-    <p:sldId id="385" r:id="rId16"/>
-    <p:sldId id="389" r:id="rId17"/>
-    <p:sldId id="390" r:id="rId18"/>
-    <p:sldId id="395" r:id="rId19"/>
-    <p:sldId id="397" r:id="rId20"/>
-    <p:sldId id="396" r:id="rId21"/>
-    <p:sldId id="399" r:id="rId22"/>
-    <p:sldId id="398" r:id="rId23"/>
-    <p:sldId id="400" r:id="rId24"/>
-    <p:sldId id="401" r:id="rId25"/>
-    <p:sldId id="391" r:id="rId26"/>
-    <p:sldId id="392" r:id="rId27"/>
-    <p:sldId id="402" r:id="rId28"/>
-    <p:sldId id="403" r:id="rId29"/>
-    <p:sldId id="404" r:id="rId30"/>
-    <p:sldId id="405" r:id="rId31"/>
-    <p:sldId id="406" r:id="rId32"/>
-    <p:sldId id="407" r:id="rId33"/>
-    <p:sldId id="393" r:id="rId34"/>
-    <p:sldId id="394" r:id="rId35"/>
-    <p:sldId id="408" r:id="rId36"/>
-    <p:sldId id="409" r:id="rId37"/>
-    <p:sldId id="410" r:id="rId38"/>
-    <p:sldId id="411" r:id="rId39"/>
-    <p:sldId id="412" r:id="rId40"/>
-    <p:sldId id="413" r:id="rId41"/>
+    <p:sldId id="375" r:id="rId3"/>
+    <p:sldId id="376" r:id="rId4"/>
+    <p:sldId id="377" r:id="rId5"/>
+    <p:sldId id="378" r:id="rId6"/>
+    <p:sldId id="379" r:id="rId7"/>
+    <p:sldId id="425" r:id="rId8"/>
+    <p:sldId id="424" r:id="rId9"/>
+    <p:sldId id="426" r:id="rId10"/>
+    <p:sldId id="428" r:id="rId11"/>
+    <p:sldId id="381" r:id="rId12"/>
+    <p:sldId id="386" r:id="rId13"/>
+    <p:sldId id="382" r:id="rId14"/>
+    <p:sldId id="384" r:id="rId15"/>
+    <p:sldId id="387" r:id="rId16"/>
+    <p:sldId id="388" r:id="rId17"/>
+    <p:sldId id="385" r:id="rId18"/>
+    <p:sldId id="389" r:id="rId19"/>
+    <p:sldId id="390" r:id="rId20"/>
+    <p:sldId id="395" r:id="rId21"/>
+    <p:sldId id="397" r:id="rId22"/>
+    <p:sldId id="396" r:id="rId23"/>
+    <p:sldId id="399" r:id="rId24"/>
+    <p:sldId id="398" r:id="rId25"/>
+    <p:sldId id="400" r:id="rId26"/>
+    <p:sldId id="380" r:id="rId27"/>
+    <p:sldId id="401" r:id="rId28"/>
+    <p:sldId id="391" r:id="rId29"/>
+    <p:sldId id="392" r:id="rId30"/>
+    <p:sldId id="402" r:id="rId31"/>
+    <p:sldId id="403" r:id="rId32"/>
+    <p:sldId id="404" r:id="rId33"/>
+    <p:sldId id="405" r:id="rId34"/>
+    <p:sldId id="406" r:id="rId35"/>
+    <p:sldId id="407" r:id="rId36"/>
+    <p:sldId id="393" r:id="rId37"/>
+    <p:sldId id="394" r:id="rId38"/>
+    <p:sldId id="408" r:id="rId39"/>
+    <p:sldId id="409" r:id="rId40"/>
+    <p:sldId id="427" r:id="rId41"/>
+    <p:sldId id="410" r:id="rId42"/>
+    <p:sldId id="411" r:id="rId43"/>
+    <p:sldId id="412" r:id="rId44"/>
+    <p:sldId id="260" r:id="rId45"/>
+    <p:sldId id="413" r:id="rId46"/>
+    <p:sldId id="414" r:id="rId47"/>
+    <p:sldId id="415" r:id="rId48"/>
+    <p:sldId id="416" r:id="rId49"/>
+    <p:sldId id="417" r:id="rId50"/>
+    <p:sldId id="418" r:id="rId51"/>
+    <p:sldId id="419" r:id="rId52"/>
+    <p:sldId id="420" r:id="rId53"/>
+    <p:sldId id="421" r:id="rId54"/>
+    <p:sldId id="422" r:id="rId55"/>
+    <p:sldId id="423" r:id="rId56"/>
   </p:sldIdLst>
   <p:sldSz cx="12192000" cy="6858000"/>
   <p:notesSz cx="6858000" cy="9144000"/>
@@ -143,7 +161,446 @@
       </a:defRPr>
     </a:lvl9pPr>
   </p:defaultTextStyle>
+  <p:extLst>
+    <p:ext uri="{EFAFB233-063F-42B5-8137-9DF3F51BA10A}">
+      <p15:sldGuideLst xmlns:p15="http://schemas.microsoft.com/office/powerpoint/2012/main"/>
+    </p:ext>
+  </p:extLst>
 </p:presentation>
+</file>
+
+<file path=ppt/notesMasters/notesMaster1.xml><?xml version="1.0" encoding="utf-8"?>
+<p:notesMaster xmlns:a="http://schemas.openxmlformats.org/drawingml/2006/main" xmlns:r="http://schemas.openxmlformats.org/officeDocument/2006/relationships" xmlns:p="http://schemas.openxmlformats.org/presentationml/2006/main">
+  <p:cSld>
+    <p:bg>
+      <p:bgRef idx="1001">
+        <a:schemeClr val="bg1"/>
+      </p:bgRef>
+    </p:bg>
+    <p:spTree>
+      <p:nvGrpSpPr>
+        <p:cNvPr id="1" name=""/>
+        <p:cNvGrpSpPr/>
+        <p:nvPr/>
+      </p:nvGrpSpPr>
+      <p:grpSpPr>
+        <a:xfrm>
+          <a:off x="0" y="0"/>
+          <a:ext cx="0" cy="0"/>
+          <a:chOff x="0" y="0"/>
+          <a:chExt cx="0" cy="0"/>
+        </a:xfrm>
+      </p:grpSpPr>
+      <p:sp>
+        <p:nvSpPr>
+          <p:cNvPr id="2" name="Header Placeholder 1"/>
+          <p:cNvSpPr>
+            <a:spLocks noGrp="1"/>
+          </p:cNvSpPr>
+          <p:nvPr>
+            <p:ph type="hdr" sz="quarter"/>
+          </p:nvPr>
+        </p:nvSpPr>
+        <p:spPr>
+          <a:xfrm>
+            <a:off x="0" y="0"/>
+            <a:ext cx="2971800" cy="458788"/>
+          </a:xfrm>
+          <a:prstGeom prst="rect">
+            <a:avLst/>
+          </a:prstGeom>
+        </p:spPr>
+        <p:txBody>
+          <a:bodyPr vert="horz" lIns="91440" tIns="45720" rIns="91440" bIns="45720" rtlCol="0"/>
+          <a:lstStyle>
+            <a:lvl1pPr algn="l">
+              <a:defRPr sz="1200"/>
+            </a:lvl1pPr>
+          </a:lstStyle>
+          <a:p>
+            <a:endParaRPr lang="en-IN"/>
+          </a:p>
+        </p:txBody>
+      </p:sp>
+      <p:sp>
+        <p:nvSpPr>
+          <p:cNvPr id="3" name="Date Placeholder 2"/>
+          <p:cNvSpPr>
+            <a:spLocks noGrp="1"/>
+          </p:cNvSpPr>
+          <p:nvPr>
+            <p:ph type="dt" idx="1"/>
+          </p:nvPr>
+        </p:nvSpPr>
+        <p:spPr>
+          <a:xfrm>
+            <a:off x="3884613" y="0"/>
+            <a:ext cx="2971800" cy="458788"/>
+          </a:xfrm>
+          <a:prstGeom prst="rect">
+            <a:avLst/>
+          </a:prstGeom>
+        </p:spPr>
+        <p:txBody>
+          <a:bodyPr vert="horz" lIns="91440" tIns="45720" rIns="91440" bIns="45720" rtlCol="0"/>
+          <a:lstStyle>
+            <a:lvl1pPr algn="r">
+              <a:defRPr sz="1200"/>
+            </a:lvl1pPr>
+          </a:lstStyle>
+          <a:p>
+            <a:fld id="{4C842A85-C2C7-43CA-B2C9-B6DE744799DC}" type="datetimeFigureOut">
+              <a:rPr lang="en-IN" smtClean="0"/>
+              <a:t>29-08-2024</a:t>
+            </a:fld>
+            <a:endParaRPr lang="en-IN"/>
+          </a:p>
+        </p:txBody>
+      </p:sp>
+      <p:sp>
+        <p:nvSpPr>
+          <p:cNvPr id="4" name="Slide Image Placeholder 3"/>
+          <p:cNvSpPr>
+            <a:spLocks noGrp="1" noRot="1" noChangeAspect="1"/>
+          </p:cNvSpPr>
+          <p:nvPr>
+            <p:ph type="sldImg" idx="2"/>
+          </p:nvPr>
+        </p:nvSpPr>
+        <p:spPr>
+          <a:xfrm>
+            <a:off x="685800" y="1143000"/>
+            <a:ext cx="5486400" cy="3086100"/>
+          </a:xfrm>
+          <a:prstGeom prst="rect">
+            <a:avLst/>
+          </a:prstGeom>
+          <a:noFill/>
+          <a:ln w="12700">
+            <a:solidFill>
+              <a:prstClr val="black"/>
+            </a:solidFill>
+          </a:ln>
+        </p:spPr>
+        <p:txBody>
+          <a:bodyPr vert="horz" lIns="91440" tIns="45720" rIns="91440" bIns="45720" rtlCol="0" anchor="ctr"/>
+          <a:lstStyle/>
+          <a:p>
+            <a:endParaRPr lang="en-IN"/>
+          </a:p>
+        </p:txBody>
+      </p:sp>
+      <p:sp>
+        <p:nvSpPr>
+          <p:cNvPr id="5" name="Notes Placeholder 4"/>
+          <p:cNvSpPr>
+            <a:spLocks noGrp="1"/>
+          </p:cNvSpPr>
+          <p:nvPr>
+            <p:ph type="body" sz="quarter" idx="3"/>
+          </p:nvPr>
+        </p:nvSpPr>
+        <p:spPr>
+          <a:xfrm>
+            <a:off x="685800" y="4400550"/>
+            <a:ext cx="5486400" cy="3600450"/>
+          </a:xfrm>
+          <a:prstGeom prst="rect">
+            <a:avLst/>
+          </a:prstGeom>
+        </p:spPr>
+        <p:txBody>
+          <a:bodyPr vert="horz" lIns="91440" tIns="45720" rIns="91440" bIns="45720" rtlCol="0"/>
+          <a:lstStyle/>
+          <a:p>
+            <a:pPr lvl="0"/>
+            <a:r>
+              <a:rPr lang="en-US"/>
+              <a:t>Click to edit Master text styles</a:t>
+            </a:r>
+          </a:p>
+          <a:p>
+            <a:pPr lvl="1"/>
+            <a:r>
+              <a:rPr lang="en-US"/>
+              <a:t>Second level</a:t>
+            </a:r>
+          </a:p>
+          <a:p>
+            <a:pPr lvl="2"/>
+            <a:r>
+              <a:rPr lang="en-US"/>
+              <a:t>Third level</a:t>
+            </a:r>
+          </a:p>
+          <a:p>
+            <a:pPr lvl="3"/>
+            <a:r>
+              <a:rPr lang="en-US"/>
+              <a:t>Fourth level</a:t>
+            </a:r>
+          </a:p>
+          <a:p>
+            <a:pPr lvl="4"/>
+            <a:r>
+              <a:rPr lang="en-US"/>
+              <a:t>Fifth level</a:t>
+            </a:r>
+            <a:endParaRPr lang="en-IN"/>
+          </a:p>
+        </p:txBody>
+      </p:sp>
+      <p:sp>
+        <p:nvSpPr>
+          <p:cNvPr id="6" name="Footer Placeholder 5"/>
+          <p:cNvSpPr>
+            <a:spLocks noGrp="1"/>
+          </p:cNvSpPr>
+          <p:nvPr>
+            <p:ph type="ftr" sz="quarter" idx="4"/>
+          </p:nvPr>
+        </p:nvSpPr>
+        <p:spPr>
+          <a:xfrm>
+            <a:off x="0" y="8685213"/>
+            <a:ext cx="2971800" cy="458787"/>
+          </a:xfrm>
+          <a:prstGeom prst="rect">
+            <a:avLst/>
+          </a:prstGeom>
+        </p:spPr>
+        <p:txBody>
+          <a:bodyPr vert="horz" lIns="91440" tIns="45720" rIns="91440" bIns="45720" rtlCol="0" anchor="b"/>
+          <a:lstStyle>
+            <a:lvl1pPr algn="l">
+              <a:defRPr sz="1200"/>
+            </a:lvl1pPr>
+          </a:lstStyle>
+          <a:p>
+            <a:endParaRPr lang="en-IN"/>
+          </a:p>
+        </p:txBody>
+      </p:sp>
+      <p:sp>
+        <p:nvSpPr>
+          <p:cNvPr id="7" name="Slide Number Placeholder 6"/>
+          <p:cNvSpPr>
+            <a:spLocks noGrp="1"/>
+          </p:cNvSpPr>
+          <p:nvPr>
+            <p:ph type="sldNum" sz="quarter" idx="5"/>
+          </p:nvPr>
+        </p:nvSpPr>
+        <p:spPr>
+          <a:xfrm>
+            <a:off x="3884613" y="8685213"/>
+            <a:ext cx="2971800" cy="458787"/>
+          </a:xfrm>
+          <a:prstGeom prst="rect">
+            <a:avLst/>
+          </a:prstGeom>
+        </p:spPr>
+        <p:txBody>
+          <a:bodyPr vert="horz" lIns="91440" tIns="45720" rIns="91440" bIns="45720" rtlCol="0" anchor="b"/>
+          <a:lstStyle>
+            <a:lvl1pPr algn="r">
+              <a:defRPr sz="1200"/>
+            </a:lvl1pPr>
+          </a:lstStyle>
+          <a:p>
+            <a:fld id="{AA254B83-83DE-4D83-A0E0-5039A4F93272}" type="slidenum">
+              <a:rPr lang="en-IN" smtClean="0"/>
+              <a:t>‹#›</a:t>
+            </a:fld>
+            <a:endParaRPr lang="en-IN"/>
+          </a:p>
+        </p:txBody>
+      </p:sp>
+    </p:spTree>
+    <p:extLst>
+      <p:ext uri="{BB962C8B-B14F-4D97-AF65-F5344CB8AC3E}">
+        <p14:creationId xmlns:p14="http://schemas.microsoft.com/office/powerpoint/2010/main" val="2341335088"/>
+      </p:ext>
+    </p:extLst>
+  </p:cSld>
+  <p:clrMap bg1="lt1" tx1="dk1" bg2="lt2" tx2="dk2" accent1="accent1" accent2="accent2" accent3="accent3" accent4="accent4" accent5="accent5" accent6="accent6" hlink="hlink" folHlink="folHlink"/>
+  <p:notesStyle>
+    <a:lvl1pPr marL="0" algn="l" defTabSz="914400" rtl="0" eaLnBrk="1" latinLnBrk="0" hangingPunct="1">
+      <a:defRPr sz="1200" kern="1200">
+        <a:solidFill>
+          <a:schemeClr val="tx1"/>
+        </a:solidFill>
+        <a:latin typeface="+mn-lt"/>
+        <a:ea typeface="+mn-ea"/>
+        <a:cs typeface="+mn-cs"/>
+      </a:defRPr>
+    </a:lvl1pPr>
+    <a:lvl2pPr marL="457200" algn="l" defTabSz="914400" rtl="0" eaLnBrk="1" latinLnBrk="0" hangingPunct="1">
+      <a:defRPr sz="1200" kern="1200">
+        <a:solidFill>
+          <a:schemeClr val="tx1"/>
+        </a:solidFill>
+        <a:latin typeface="+mn-lt"/>
+        <a:ea typeface="+mn-ea"/>
+        <a:cs typeface="+mn-cs"/>
+      </a:defRPr>
+    </a:lvl2pPr>
+    <a:lvl3pPr marL="914400" algn="l" defTabSz="914400" rtl="0" eaLnBrk="1" latinLnBrk="0" hangingPunct="1">
+      <a:defRPr sz="1200" kern="1200">
+        <a:solidFill>
+          <a:schemeClr val="tx1"/>
+        </a:solidFill>
+        <a:latin typeface="+mn-lt"/>
+        <a:ea typeface="+mn-ea"/>
+        <a:cs typeface="+mn-cs"/>
+      </a:defRPr>
+    </a:lvl3pPr>
+    <a:lvl4pPr marL="1371600" algn="l" defTabSz="914400" rtl="0" eaLnBrk="1" latinLnBrk="0" hangingPunct="1">
+      <a:defRPr sz="1200" kern="1200">
+        <a:solidFill>
+          <a:schemeClr val="tx1"/>
+        </a:solidFill>
+        <a:latin typeface="+mn-lt"/>
+        <a:ea typeface="+mn-ea"/>
+        <a:cs typeface="+mn-cs"/>
+      </a:defRPr>
+    </a:lvl4pPr>
+    <a:lvl5pPr marL="1828800" algn="l" defTabSz="914400" rtl="0" eaLnBrk="1" latinLnBrk="0" hangingPunct="1">
+      <a:defRPr sz="1200" kern="1200">
+        <a:solidFill>
+          <a:schemeClr val="tx1"/>
+        </a:solidFill>
+        <a:latin typeface="+mn-lt"/>
+        <a:ea typeface="+mn-ea"/>
+        <a:cs typeface="+mn-cs"/>
+      </a:defRPr>
+    </a:lvl5pPr>
+    <a:lvl6pPr marL="2286000" algn="l" defTabSz="914400" rtl="0" eaLnBrk="1" latinLnBrk="0" hangingPunct="1">
+      <a:defRPr sz="1200" kern="1200">
+        <a:solidFill>
+          <a:schemeClr val="tx1"/>
+        </a:solidFill>
+        <a:latin typeface="+mn-lt"/>
+        <a:ea typeface="+mn-ea"/>
+        <a:cs typeface="+mn-cs"/>
+      </a:defRPr>
+    </a:lvl6pPr>
+    <a:lvl7pPr marL="2743200" algn="l" defTabSz="914400" rtl="0" eaLnBrk="1" latinLnBrk="0" hangingPunct="1">
+      <a:defRPr sz="1200" kern="1200">
+        <a:solidFill>
+          <a:schemeClr val="tx1"/>
+        </a:solidFill>
+        <a:latin typeface="+mn-lt"/>
+        <a:ea typeface="+mn-ea"/>
+        <a:cs typeface="+mn-cs"/>
+      </a:defRPr>
+    </a:lvl7pPr>
+    <a:lvl8pPr marL="3200400" algn="l" defTabSz="914400" rtl="0" eaLnBrk="1" latinLnBrk="0" hangingPunct="1">
+      <a:defRPr sz="1200" kern="1200">
+        <a:solidFill>
+          <a:schemeClr val="tx1"/>
+        </a:solidFill>
+        <a:latin typeface="+mn-lt"/>
+        <a:ea typeface="+mn-ea"/>
+        <a:cs typeface="+mn-cs"/>
+      </a:defRPr>
+    </a:lvl8pPr>
+    <a:lvl9pPr marL="3657600" algn="l" defTabSz="914400" rtl="0" eaLnBrk="1" latinLnBrk="0" hangingPunct="1">
+      <a:defRPr sz="1200" kern="1200">
+        <a:solidFill>
+          <a:schemeClr val="tx1"/>
+        </a:solidFill>
+        <a:latin typeface="+mn-lt"/>
+        <a:ea typeface="+mn-ea"/>
+        <a:cs typeface="+mn-cs"/>
+      </a:defRPr>
+    </a:lvl9pPr>
+  </p:notesStyle>
+</p:notesMaster>
+</file>
+
+<file path=ppt/notesSlides/notesSlide1.xml><?xml version="1.0" encoding="utf-8"?>
+<p:notes xmlns:a="http://schemas.openxmlformats.org/drawingml/2006/main" xmlns:r="http://schemas.openxmlformats.org/officeDocument/2006/relationships" xmlns:p="http://schemas.openxmlformats.org/presentationml/2006/main">
+  <p:cSld>
+    <p:spTree>
+      <p:nvGrpSpPr>
+        <p:cNvPr id="1" name=""/>
+        <p:cNvGrpSpPr/>
+        <p:nvPr/>
+      </p:nvGrpSpPr>
+      <p:grpSpPr>
+        <a:xfrm>
+          <a:off x="0" y="0"/>
+          <a:ext cx="0" cy="0"/>
+          <a:chOff x="0" y="0"/>
+          <a:chExt cx="0" cy="0"/>
+        </a:xfrm>
+      </p:grpSpPr>
+      <p:sp>
+        <p:nvSpPr>
+          <p:cNvPr id="2" name="Slide Image Placeholder 1"/>
+          <p:cNvSpPr>
+            <a:spLocks noGrp="1" noRot="1" noChangeAspect="1"/>
+          </p:cNvSpPr>
+          <p:nvPr>
+            <p:ph type="sldImg"/>
+          </p:nvPr>
+        </p:nvSpPr>
+        <p:spPr/>
+      </p:sp>
+      <p:sp>
+        <p:nvSpPr>
+          <p:cNvPr id="3" name="Notes Placeholder 2"/>
+          <p:cNvSpPr>
+            <a:spLocks noGrp="1"/>
+          </p:cNvSpPr>
+          <p:nvPr>
+            <p:ph type="body" idx="1"/>
+          </p:nvPr>
+        </p:nvSpPr>
+        <p:spPr/>
+        <p:txBody>
+          <a:bodyPr/>
+          <a:lstStyle/>
+          <a:p>
+            <a:endParaRPr lang="en-IN"/>
+          </a:p>
+        </p:txBody>
+      </p:sp>
+      <p:sp>
+        <p:nvSpPr>
+          <p:cNvPr id="4" name="Slide Number Placeholder 3"/>
+          <p:cNvSpPr>
+            <a:spLocks noGrp="1"/>
+          </p:cNvSpPr>
+          <p:nvPr>
+            <p:ph type="sldNum" sz="quarter" idx="5"/>
+          </p:nvPr>
+        </p:nvSpPr>
+        <p:spPr/>
+        <p:txBody>
+          <a:bodyPr/>
+          <a:lstStyle/>
+          <a:p>
+            <a:fld id="{AA254B83-83DE-4D83-A0E0-5039A4F93272}" type="slidenum">
+              <a:rPr lang="en-IN" smtClean="0"/>
+              <a:t>32</a:t>
+            </a:fld>
+            <a:endParaRPr lang="en-IN"/>
+          </a:p>
+        </p:txBody>
+      </p:sp>
+    </p:spTree>
+    <p:extLst>
+      <p:ext uri="{BB962C8B-B14F-4D97-AF65-F5344CB8AC3E}">
+        <p14:creationId xmlns:p14="http://schemas.microsoft.com/office/powerpoint/2010/main" val="2235250817"/>
+      </p:ext>
+    </p:extLst>
+  </p:cSld>
+  <p:clrMapOvr>
+    <a:masterClrMapping/>
+  </p:clrMapOvr>
+</p:notes>
 </file>
 
 <file path=ppt/slideLayouts/slideLayout1.xml><?xml version="1.0" encoding="utf-8"?>
@@ -293,7 +750,7 @@
           <a:p>
             <a:fld id="{C9ABAD96-8FBF-4EF9-8FD8-E285C4552F98}" type="datetimeFigureOut">
               <a:rPr lang="en-US" smtClean="0"/>
-              <a:t>8/28/2024</a:t>
+              <a:t>8/29/2024</a:t>
             </a:fld>
             <a:endParaRPr lang="en-US"/>
           </a:p>
@@ -491,7 +948,7 @@
           <a:p>
             <a:fld id="{C9ABAD96-8FBF-4EF9-8FD8-E285C4552F98}" type="datetimeFigureOut">
               <a:rPr lang="en-US" smtClean="0"/>
-              <a:t>8/28/2024</a:t>
+              <a:t>8/29/2024</a:t>
             </a:fld>
             <a:endParaRPr lang="en-US"/>
           </a:p>
@@ -699,7 +1156,7 @@
           <a:p>
             <a:fld id="{C9ABAD96-8FBF-4EF9-8FD8-E285C4552F98}" type="datetimeFigureOut">
               <a:rPr lang="en-US" smtClean="0"/>
-              <a:t>8/28/2024</a:t>
+              <a:t>8/29/2024</a:t>
             </a:fld>
             <a:endParaRPr lang="en-US"/>
           </a:p>
@@ -897,7 +1354,7 @@
           <a:p>
             <a:fld id="{C9ABAD96-8FBF-4EF9-8FD8-E285C4552F98}" type="datetimeFigureOut">
               <a:rPr lang="en-US" smtClean="0"/>
-              <a:t>8/28/2024</a:t>
+              <a:t>8/29/2024</a:t>
             </a:fld>
             <a:endParaRPr lang="en-US"/>
           </a:p>
@@ -1172,7 +1629,7 @@
           <a:p>
             <a:fld id="{C9ABAD96-8FBF-4EF9-8FD8-E285C4552F98}" type="datetimeFigureOut">
               <a:rPr lang="en-US" smtClean="0"/>
-              <a:t>8/28/2024</a:t>
+              <a:t>8/29/2024</a:t>
             </a:fld>
             <a:endParaRPr lang="en-US"/>
           </a:p>
@@ -1437,7 +1894,7 @@
           <a:p>
             <a:fld id="{C9ABAD96-8FBF-4EF9-8FD8-E285C4552F98}" type="datetimeFigureOut">
               <a:rPr lang="en-US" smtClean="0"/>
-              <a:t>8/28/2024</a:t>
+              <a:t>8/29/2024</a:t>
             </a:fld>
             <a:endParaRPr lang="en-US"/>
           </a:p>
@@ -1849,7 +2306,7 @@
           <a:p>
             <a:fld id="{C9ABAD96-8FBF-4EF9-8FD8-E285C4552F98}" type="datetimeFigureOut">
               <a:rPr lang="en-US" smtClean="0"/>
-              <a:t>8/28/2024</a:t>
+              <a:t>8/29/2024</a:t>
             </a:fld>
             <a:endParaRPr lang="en-US"/>
           </a:p>
@@ -1990,7 +2447,7 @@
           <a:p>
             <a:fld id="{C9ABAD96-8FBF-4EF9-8FD8-E285C4552F98}" type="datetimeFigureOut">
               <a:rPr lang="en-US" smtClean="0"/>
-              <a:t>8/28/2024</a:t>
+              <a:t>8/29/2024</a:t>
             </a:fld>
             <a:endParaRPr lang="en-US"/>
           </a:p>
@@ -2103,7 +2560,7 @@
           <a:p>
             <a:fld id="{C9ABAD96-8FBF-4EF9-8FD8-E285C4552F98}" type="datetimeFigureOut">
               <a:rPr lang="en-US" smtClean="0"/>
-              <a:t>8/28/2024</a:t>
+              <a:t>8/29/2024</a:t>
             </a:fld>
             <a:endParaRPr lang="en-US"/>
           </a:p>
@@ -2414,7 +2871,7 @@
           <a:p>
             <a:fld id="{C9ABAD96-8FBF-4EF9-8FD8-E285C4552F98}" type="datetimeFigureOut">
               <a:rPr lang="en-US" smtClean="0"/>
-              <a:t>8/28/2024</a:t>
+              <a:t>8/29/2024</a:t>
             </a:fld>
             <a:endParaRPr lang="en-US"/>
           </a:p>
@@ -2702,7 +3159,7 @@
           <a:p>
             <a:fld id="{C9ABAD96-8FBF-4EF9-8FD8-E285C4552F98}" type="datetimeFigureOut">
               <a:rPr lang="en-US" smtClean="0"/>
-              <a:t>8/28/2024</a:t>
+              <a:t>8/29/2024</a:t>
             </a:fld>
             <a:endParaRPr lang="en-US"/>
           </a:p>
@@ -2943,7 +3400,7 @@
           <a:p>
             <a:fld id="{C9ABAD96-8FBF-4EF9-8FD8-E285C4552F98}" type="datetimeFigureOut">
               <a:rPr lang="en-US" smtClean="0"/>
-              <a:t>8/28/2024</a:t>
+              <a:t>8/29/2024</a:t>
             </a:fld>
             <a:endParaRPr lang="en-US"/>
           </a:p>
@@ -3452,6 +3909,233 @@
 <file path=ppt/slides/slide10.xml><?xml version="1.0" encoding="utf-8"?>
 <p:sld xmlns:a="http://schemas.openxmlformats.org/drawingml/2006/main" xmlns:r="http://schemas.openxmlformats.org/officeDocument/2006/relationships" xmlns:p="http://schemas.openxmlformats.org/presentationml/2006/main">
   <p:cSld>
+    <p:spTree>
+      <p:nvGrpSpPr>
+        <p:cNvPr id="1" name=""/>
+        <p:cNvGrpSpPr/>
+        <p:nvPr/>
+      </p:nvGrpSpPr>
+      <p:grpSpPr>
+        <a:xfrm>
+          <a:off x="0" y="0"/>
+          <a:ext cx="0" cy="0"/>
+          <a:chOff x="0" y="0"/>
+          <a:chExt cx="0" cy="0"/>
+        </a:xfrm>
+      </p:grpSpPr>
+      <p:sp>
+        <p:nvSpPr>
+          <p:cNvPr id="3" name="Content Placeholder 2">
+            <a:extLst>
+              <a:ext uri="{FF2B5EF4-FFF2-40B4-BE49-F238E27FC236}">
+                <a16:creationId xmlns:a16="http://schemas.microsoft.com/office/drawing/2014/main" id="{E42FB284-DAF2-8CB9-9090-285BF2A5822E}"/>
+              </a:ext>
+            </a:extLst>
+          </p:cNvPr>
+          <p:cNvSpPr>
+            <a:spLocks noGrp="1"/>
+          </p:cNvSpPr>
+          <p:nvPr>
+            <p:ph idx="1"/>
+          </p:nvPr>
+        </p:nvSpPr>
+        <p:spPr>
+          <a:xfrm>
+            <a:off x="694403" y="3019373"/>
+            <a:ext cx="10803193" cy="819253"/>
+          </a:xfrm>
+        </p:spPr>
+        <p:txBody>
+          <a:bodyPr>
+            <a:normAutofit/>
+          </a:bodyPr>
+          <a:lstStyle/>
+          <a:p>
+            <a:pPr marL="0" indent="0" algn="ctr">
+              <a:buNone/>
+            </a:pPr>
+            <a:r>
+              <a:rPr lang="en-US" sz="4800" b="1" dirty="0">
+                <a:solidFill>
+                  <a:srgbClr val="C00000"/>
+                </a:solidFill>
+              </a:rPr>
+              <a:t>How to Prevent Method Overriding</a:t>
+            </a:r>
+            <a:endParaRPr lang="en-IN" sz="4800" b="1" dirty="0">
+              <a:solidFill>
+                <a:srgbClr val="C00000"/>
+              </a:solidFill>
+            </a:endParaRPr>
+          </a:p>
+        </p:txBody>
+      </p:sp>
+    </p:spTree>
+    <p:extLst>
+      <p:ext uri="{BB962C8B-B14F-4D97-AF65-F5344CB8AC3E}">
+        <p14:creationId xmlns:p14="http://schemas.microsoft.com/office/powerpoint/2010/main" val="518196506"/>
+      </p:ext>
+    </p:extLst>
+  </p:cSld>
+  <p:clrMapOvr>
+    <a:masterClrMapping/>
+  </p:clrMapOvr>
+</p:sld>
+</file>
+
+<file path=ppt/slides/slide11.xml><?xml version="1.0" encoding="utf-8"?>
+<p:sld xmlns:a="http://schemas.openxmlformats.org/drawingml/2006/main" xmlns:r="http://schemas.openxmlformats.org/officeDocument/2006/relationships" xmlns:p="http://schemas.openxmlformats.org/presentationml/2006/main">
+  <p:cSld>
+    <p:spTree>
+      <p:nvGrpSpPr>
+        <p:cNvPr id="1" name=""/>
+        <p:cNvGrpSpPr/>
+        <p:nvPr/>
+      </p:nvGrpSpPr>
+      <p:grpSpPr>
+        <a:xfrm>
+          <a:off x="0" y="0"/>
+          <a:ext cx="0" cy="0"/>
+          <a:chOff x="0" y="0"/>
+          <a:chExt cx="0" cy="0"/>
+        </a:xfrm>
+      </p:grpSpPr>
+      <p:sp>
+        <p:nvSpPr>
+          <p:cNvPr id="3" name="Content Placeholder 2">
+            <a:extLst>
+              <a:ext uri="{FF2B5EF4-FFF2-40B4-BE49-F238E27FC236}">
+                <a16:creationId xmlns:a16="http://schemas.microsoft.com/office/drawing/2014/main" id="{E42FB284-DAF2-8CB9-9090-285BF2A5822E}"/>
+              </a:ext>
+            </a:extLst>
+          </p:cNvPr>
+          <p:cNvSpPr>
+            <a:spLocks noGrp="1"/>
+          </p:cNvSpPr>
+          <p:nvPr>
+            <p:ph idx="1"/>
+          </p:nvPr>
+        </p:nvSpPr>
+        <p:spPr>
+          <a:xfrm>
+            <a:off x="370289" y="1466046"/>
+            <a:ext cx="11451421" cy="2398384"/>
+          </a:xfrm>
+        </p:spPr>
+        <p:txBody>
+          <a:bodyPr>
+            <a:normAutofit/>
+          </a:bodyPr>
+          <a:lstStyle/>
+          <a:p>
+            <a:pPr marL="0" indent="0">
+              <a:buNone/>
+            </a:pPr>
+            <a:r>
+              <a:rPr lang="en-IN" sz="3600" b="1" dirty="0">
+                <a:solidFill>
+                  <a:srgbClr val="C00000"/>
+                </a:solidFill>
+              </a:rPr>
+              <a:t>Type conversion and Casting:</a:t>
+            </a:r>
+          </a:p>
+          <a:p>
+            <a:pPr marL="0" indent="0">
+              <a:buNone/>
+            </a:pPr>
+            <a:r>
+              <a:rPr lang="en-US" sz="3200" b="1" dirty="0"/>
+              <a:t>Type Conversion</a:t>
+            </a:r>
+            <a:r>
+              <a:rPr lang="en-US" sz="3200" dirty="0"/>
+              <a:t> and </a:t>
+            </a:r>
+            <a:r>
+              <a:rPr lang="en-US" sz="3200" b="1" dirty="0"/>
+              <a:t>Casting</a:t>
+            </a:r>
+            <a:r>
+              <a:rPr lang="en-US" sz="3200" dirty="0"/>
+              <a:t> in Java are processes that allow you to </a:t>
+            </a:r>
+            <a:r>
+              <a:rPr lang="en-US" sz="3200" b="1" dirty="0">
+                <a:solidFill>
+                  <a:srgbClr val="C00000"/>
+                </a:solidFill>
+              </a:rPr>
+              <a:t>convert one data type into another</a:t>
+            </a:r>
+            <a:r>
+              <a:rPr lang="en-US" sz="3200" dirty="0"/>
+              <a:t>. These operations are essential when you need to work with </a:t>
+            </a:r>
+            <a:r>
+              <a:rPr lang="en-US" sz="3200" b="1" dirty="0"/>
+              <a:t>different types of data together.</a:t>
+            </a:r>
+          </a:p>
+          <a:p>
+            <a:pPr marL="0" indent="0">
+              <a:buNone/>
+            </a:pPr>
+            <a:endParaRPr lang="en-IN" sz="3600" b="1" dirty="0"/>
+          </a:p>
+        </p:txBody>
+      </p:sp>
+      <p:sp>
+        <p:nvSpPr>
+          <p:cNvPr id="5" name="TextBox 4">
+            <a:extLst>
+              <a:ext uri="{FF2B5EF4-FFF2-40B4-BE49-F238E27FC236}">
+                <a16:creationId xmlns:a16="http://schemas.microsoft.com/office/drawing/2014/main" id="{4582E3AB-DCB3-1CAC-19D0-48B674C2F09C}"/>
+              </a:ext>
+            </a:extLst>
+          </p:cNvPr>
+          <p:cNvSpPr txBox="1"/>
+          <p:nvPr/>
+        </p:nvSpPr>
+        <p:spPr>
+          <a:xfrm>
+            <a:off x="0" y="6542313"/>
+            <a:ext cx="7053943" cy="215444"/>
+          </a:xfrm>
+          <a:prstGeom prst="rect">
+            <a:avLst/>
+          </a:prstGeom>
+          <a:noFill/>
+        </p:spPr>
+        <p:txBody>
+          <a:bodyPr wrap="square" rtlCol="0">
+            <a:spAutoFit/>
+          </a:bodyPr>
+          <a:lstStyle/>
+          <a:p>
+            <a:r>
+              <a:rPr lang="en-US" sz="800" dirty="0"/>
+              <a:t>https://yuvrajscorpio.medium.com/type-casting-in-java-8175fa2875ee</a:t>
+            </a:r>
+          </a:p>
+        </p:txBody>
+      </p:sp>
+    </p:spTree>
+    <p:extLst>
+      <p:ext uri="{BB962C8B-B14F-4D97-AF65-F5344CB8AC3E}">
+        <p14:creationId xmlns:p14="http://schemas.microsoft.com/office/powerpoint/2010/main" val="3369532370"/>
+      </p:ext>
+    </p:extLst>
+  </p:cSld>
+  <p:clrMapOvr>
+    <a:masterClrMapping/>
+  </p:clrMapOvr>
+</p:sld>
+</file>
+
+<file path=ppt/slides/slide12.xml><?xml version="1.0" encoding="utf-8"?>
+<p:sld xmlns:a="http://schemas.openxmlformats.org/drawingml/2006/main" xmlns:r="http://schemas.openxmlformats.org/officeDocument/2006/relationships" xmlns:p="http://schemas.openxmlformats.org/presentationml/2006/main">
+  <p:cSld>
     <p:bg>
       <p:bgPr>
         <a:solidFill>
@@ -3677,7 +4361,7 @@
 </p:sld>
 </file>
 
-<file path=ppt/slides/slide11.xml><?xml version="1.0" encoding="utf-8"?>
+<file path=ppt/slides/slide13.xml><?xml version="1.0" encoding="utf-8"?>
 <p:sld xmlns:a="http://schemas.openxmlformats.org/drawingml/2006/main" xmlns:r="http://schemas.openxmlformats.org/officeDocument/2006/relationships" xmlns:p="http://schemas.openxmlformats.org/presentationml/2006/main">
   <p:cSld>
     <p:spTree>
@@ -3820,7 +4504,7 @@
 </p:sld>
 </file>
 
-<file path=ppt/slides/slide12.xml><?xml version="1.0" encoding="utf-8"?>
+<file path=ppt/slides/slide14.xml><?xml version="1.0" encoding="utf-8"?>
 <p:sld xmlns:a="http://schemas.openxmlformats.org/drawingml/2006/main" xmlns:r="http://schemas.openxmlformats.org/officeDocument/2006/relationships" xmlns:p="http://schemas.openxmlformats.org/presentationml/2006/main">
   <p:cSld>
     <p:spTree>
@@ -4047,7 +4731,7 @@
 </p:sld>
 </file>
 
-<file path=ppt/slides/slide13.xml><?xml version="1.0" encoding="utf-8"?>
+<file path=ppt/slides/slide15.xml><?xml version="1.0" encoding="utf-8"?>
 <p:sld xmlns:a="http://schemas.openxmlformats.org/drawingml/2006/main" xmlns:r="http://schemas.openxmlformats.org/officeDocument/2006/relationships" xmlns:p="http://schemas.openxmlformats.org/presentationml/2006/main">
   <p:cSld>
     <p:spTree>
@@ -4189,7 +4873,7 @@
 </p:sld>
 </file>
 
-<file path=ppt/slides/slide14.xml><?xml version="1.0" encoding="utf-8"?>
+<file path=ppt/slides/slide16.xml><?xml version="1.0" encoding="utf-8"?>
 <p:sld xmlns:a="http://schemas.openxmlformats.org/drawingml/2006/main" xmlns:r="http://schemas.openxmlformats.org/officeDocument/2006/relationships" xmlns:p="http://schemas.openxmlformats.org/presentationml/2006/main">
   <p:cSld>
     <p:spTree>
@@ -4297,7 +4981,7 @@
 </p:sld>
 </file>
 
-<file path=ppt/slides/slide15.xml><?xml version="1.0" encoding="utf-8"?>
+<file path=ppt/slides/slide17.xml><?xml version="1.0" encoding="utf-8"?>
 <p:sld xmlns:a="http://schemas.openxmlformats.org/drawingml/2006/main" xmlns:r="http://schemas.openxmlformats.org/officeDocument/2006/relationships" xmlns:p="http://schemas.openxmlformats.org/presentationml/2006/main">
   <p:cSld>
     <p:spTree>
@@ -4607,7 +5291,7 @@
 </p:sld>
 </file>
 
-<file path=ppt/slides/slide16.xml><?xml version="1.0" encoding="utf-8"?>
+<file path=ppt/slides/slide18.xml><?xml version="1.0" encoding="utf-8"?>
 <p:sld xmlns:a="http://schemas.openxmlformats.org/drawingml/2006/main" xmlns:r="http://schemas.openxmlformats.org/officeDocument/2006/relationships" xmlns:p="http://schemas.openxmlformats.org/presentationml/2006/main">
   <p:cSld>
     <p:spTree>
@@ -4840,7 +5524,7 @@
 </p:sld>
 </file>
 
-<file path=ppt/slides/slide17.xml><?xml version="1.0" encoding="utf-8"?>
+<file path=ppt/slides/slide19.xml><?xml version="1.0" encoding="utf-8"?>
 <p:sld xmlns:a="http://schemas.openxmlformats.org/drawingml/2006/main" xmlns:r="http://schemas.openxmlformats.org/officeDocument/2006/relationships" xmlns:p="http://schemas.openxmlformats.org/presentationml/2006/main">
   <p:cSld>
     <p:spTree>
@@ -5091,7 +5775,174 @@
 </p:sld>
 </file>
 
-<file path=ppt/slides/slide18.xml><?xml version="1.0" encoding="utf-8"?>
+<file path=ppt/slides/slide2.xml><?xml version="1.0" encoding="utf-8"?>
+<p:sld xmlns:a="http://schemas.openxmlformats.org/drawingml/2006/main" xmlns:r="http://schemas.openxmlformats.org/officeDocument/2006/relationships" xmlns:p="http://schemas.openxmlformats.org/presentationml/2006/main">
+  <p:cSld>
+    <p:spTree>
+      <p:nvGrpSpPr>
+        <p:cNvPr id="1" name=""/>
+        <p:cNvGrpSpPr/>
+        <p:nvPr/>
+      </p:nvGrpSpPr>
+      <p:grpSpPr>
+        <a:xfrm>
+          <a:off x="0" y="0"/>
+          <a:ext cx="0" cy="0"/>
+          <a:chOff x="0" y="0"/>
+          <a:chExt cx="0" cy="0"/>
+        </a:xfrm>
+      </p:grpSpPr>
+      <p:sp>
+        <p:nvSpPr>
+          <p:cNvPr id="3" name="Content Placeholder 2">
+            <a:extLst>
+              <a:ext uri="{FF2B5EF4-FFF2-40B4-BE49-F238E27FC236}">
+                <a16:creationId xmlns:a16="http://schemas.microsoft.com/office/drawing/2014/main" id="{E42FB284-DAF2-8CB9-9090-285BF2A5822E}"/>
+              </a:ext>
+            </a:extLst>
+          </p:cNvPr>
+          <p:cNvSpPr>
+            <a:spLocks noGrp="1"/>
+          </p:cNvSpPr>
+          <p:nvPr>
+            <p:ph idx="1"/>
+          </p:nvPr>
+        </p:nvSpPr>
+        <p:spPr>
+          <a:xfrm>
+            <a:off x="631722" y="508102"/>
+            <a:ext cx="10803193" cy="5646891"/>
+          </a:xfrm>
+        </p:spPr>
+        <p:txBody>
+          <a:bodyPr/>
+          <a:lstStyle/>
+          <a:p>
+            <a:pPr marL="0" indent="0">
+              <a:buNone/>
+            </a:pPr>
+            <a:r>
+              <a:rPr lang="en-US" sz="3200" b="1" dirty="0">
+                <a:solidFill>
+                  <a:srgbClr val="C00000"/>
+                </a:solidFill>
+              </a:rPr>
+              <a:t>Method Overloading and Constructor Overloading:</a:t>
+            </a:r>
+          </a:p>
+          <a:p>
+            <a:pPr marL="0" indent="0">
+              <a:buNone/>
+            </a:pPr>
+            <a:r>
+              <a:rPr lang="en-US" dirty="0"/>
+              <a:t>Method Overloading and Constructor Overloading in Java are concepts that allow </a:t>
+            </a:r>
+            <a:r>
+              <a:rPr lang="en-US" b="1" dirty="0"/>
+              <a:t>multiple methods </a:t>
+            </a:r>
+            <a:r>
+              <a:rPr lang="en-US" dirty="0"/>
+              <a:t>or </a:t>
+            </a:r>
+            <a:r>
+              <a:rPr lang="en-US" b="1" dirty="0"/>
+              <a:t>constructors to have the </a:t>
+            </a:r>
+            <a:r>
+              <a:rPr lang="en-US" b="1" dirty="0">
+                <a:solidFill>
+                  <a:srgbClr val="C00000"/>
+                </a:solidFill>
+              </a:rPr>
+              <a:t>same name </a:t>
+            </a:r>
+            <a:r>
+              <a:rPr lang="en-US" b="1" dirty="0"/>
+              <a:t>but </a:t>
+            </a:r>
+            <a:r>
+              <a:rPr lang="en-US" b="1" dirty="0">
+                <a:solidFill>
+                  <a:srgbClr val="C00000"/>
+                </a:solidFill>
+              </a:rPr>
+              <a:t>different parameters</a:t>
+            </a:r>
+            <a:r>
+              <a:rPr lang="en-US" dirty="0">
+                <a:solidFill>
+                  <a:srgbClr val="C00000"/>
+                </a:solidFill>
+              </a:rPr>
+              <a:t> </a:t>
+            </a:r>
+            <a:r>
+              <a:rPr lang="en-US" dirty="0"/>
+              <a:t>within the same class. They help improve code readability and flexibility by enabling the same method or constructor to perform different tasks based on the input parameters.</a:t>
+            </a:r>
+          </a:p>
+          <a:p>
+            <a:pPr marL="0" indent="0">
+              <a:buNone/>
+            </a:pPr>
+            <a:endParaRPr lang="en-US" dirty="0"/>
+          </a:p>
+          <a:p>
+            <a:pPr marL="0" indent="0">
+              <a:buNone/>
+            </a:pPr>
+            <a:r>
+              <a:rPr lang="en-US" sz="4000" b="1" dirty="0">
+                <a:solidFill>
+                  <a:srgbClr val="002060"/>
+                </a:solidFill>
+              </a:rPr>
+              <a:t>Polymorphism </a:t>
+            </a:r>
+            <a:r>
+              <a:rPr lang="en-US" dirty="0">
+                <a:solidFill>
+                  <a:srgbClr val="C00000"/>
+                </a:solidFill>
+              </a:rPr>
+              <a:t>: </a:t>
+            </a:r>
+            <a:r>
+              <a:rPr lang="en-US" b="1" dirty="0">
+                <a:solidFill>
+                  <a:srgbClr val="C00000"/>
+                </a:solidFill>
+              </a:rPr>
+              <a:t>Compile Time </a:t>
+            </a:r>
+            <a:r>
+              <a:rPr lang="en-US" b="1" dirty="0"/>
+              <a:t>Polymorphism</a:t>
+            </a:r>
+            <a:r>
+              <a:rPr lang="en-US" dirty="0"/>
+              <a:t>.</a:t>
+            </a:r>
+            <a:endParaRPr lang="en-IN" dirty="0"/>
+          </a:p>
+        </p:txBody>
+      </p:sp>
+    </p:spTree>
+    <p:extLst>
+      <p:ext uri="{BB962C8B-B14F-4D97-AF65-F5344CB8AC3E}">
+        <p14:creationId xmlns:p14="http://schemas.microsoft.com/office/powerpoint/2010/main" val="286777536"/>
+      </p:ext>
+    </p:extLst>
+  </p:cSld>
+  <p:clrMapOvr>
+    <a:masterClrMapping/>
+  </p:clrMapOvr>
+</p:sld>
+</file>
+
+<file path=ppt/slides/slide20.xml><?xml version="1.0" encoding="utf-8"?>
 <p:sld xmlns:a="http://schemas.openxmlformats.org/drawingml/2006/main" xmlns:r="http://schemas.openxmlformats.org/officeDocument/2006/relationships" xmlns:p="http://schemas.openxmlformats.org/presentationml/2006/main">
   <p:cSld>
     <p:spTree>
@@ -5258,7 +6109,7 @@
 </p:sld>
 </file>
 
-<file path=ppt/slides/slide19.xml><?xml version="1.0" encoding="utf-8"?>
+<file path=ppt/slides/slide21.xml><?xml version="1.0" encoding="utf-8"?>
 <p:sld xmlns:a="http://schemas.openxmlformats.org/drawingml/2006/main" xmlns:r="http://schemas.openxmlformats.org/officeDocument/2006/relationships" xmlns:p="http://schemas.openxmlformats.org/presentationml/2006/main">
   <p:cSld>
     <p:spTree>
@@ -5323,7 +6174,7 @@
 </p:sld>
 </file>
 
-<file path=ppt/slides/slide2.xml><?xml version="1.0" encoding="utf-8"?>
+<file path=ppt/slides/slide22.xml><?xml version="1.0" encoding="utf-8"?>
 <p:sld xmlns:a="http://schemas.openxmlformats.org/drawingml/2006/main" xmlns:r="http://schemas.openxmlformats.org/officeDocument/2006/relationships" xmlns:p="http://schemas.openxmlformats.org/presentationml/2006/main">
   <p:cSld>
     <p:spTree>
@@ -5345,200 +6196,6 @@
           <p:cNvPr id="3" name="Content Placeholder 2">
             <a:extLst>
               <a:ext uri="{FF2B5EF4-FFF2-40B4-BE49-F238E27FC236}">
-                <a16:creationId xmlns:a16="http://schemas.microsoft.com/office/drawing/2014/main" id="{B4FE8E85-8426-4AB7-AD5A-5C275C24FF8D}"/>
-              </a:ext>
-            </a:extLst>
-          </p:cNvPr>
-          <p:cNvSpPr>
-            <a:spLocks noGrp="1"/>
-          </p:cNvSpPr>
-          <p:nvPr>
-            <p:ph idx="1"/>
-          </p:nvPr>
-        </p:nvSpPr>
-        <p:spPr>
-          <a:xfrm>
-            <a:off x="786581" y="609600"/>
-            <a:ext cx="10833919" cy="5567363"/>
-          </a:xfrm>
-        </p:spPr>
-        <p:txBody>
-          <a:bodyPr>
-            <a:normAutofit fontScale="92500" lnSpcReduction="10000"/>
-          </a:bodyPr>
-          <a:lstStyle/>
-          <a:p>
-            <a:pPr marL="0" indent="0">
-              <a:buNone/>
-            </a:pPr>
-            <a:r>
-              <a:rPr lang="en-US" b="1" dirty="0">
-                <a:solidFill>
-                  <a:schemeClr val="tx2"/>
-                </a:solidFill>
-              </a:rPr>
-              <a:t>Module-2: </a:t>
-            </a:r>
-            <a:r>
-              <a:rPr lang="en-US" b="1" dirty="0">
-                <a:solidFill>
-                  <a:srgbClr val="C00000"/>
-                </a:solidFill>
-              </a:rPr>
-              <a:t>MULTIPLE INHERITANCE </a:t>
-            </a:r>
-            <a:endParaRPr lang="en-IN" b="1" dirty="0">
-              <a:solidFill>
-                <a:srgbClr val="C00000"/>
-              </a:solidFill>
-            </a:endParaRPr>
-          </a:p>
-          <a:p>
-            <a:pPr marL="0" indent="0">
-              <a:buNone/>
-            </a:pPr>
-            <a:r>
-              <a:rPr lang="en-US" b="1" dirty="0"/>
-              <a:t>Inheritance: </a:t>
-            </a:r>
-            <a:r>
-              <a:rPr lang="en-US" dirty="0"/>
-              <a:t>Inheritance hierarchies, super and subclasses, member access rules, super keyword, </a:t>
-            </a:r>
-          </a:p>
-          <a:p>
-            <a:pPr marL="0" indent="0">
-              <a:buNone/>
-            </a:pPr>
-            <a:r>
-              <a:rPr lang="en-US" b="1" dirty="0"/>
-              <a:t>Preventing inheritance: </a:t>
-            </a:r>
-            <a:r>
-              <a:rPr lang="en-US" dirty="0"/>
-              <a:t>final classes and methods, the object class and its methods. </a:t>
-            </a:r>
-          </a:p>
-          <a:p>
-            <a:pPr marL="0" indent="0">
-              <a:buNone/>
-            </a:pPr>
-            <a:r>
-              <a:rPr lang="en-US" b="1" dirty="0"/>
-              <a:t>Polymorphism:</a:t>
-            </a:r>
-            <a:r>
-              <a:rPr lang="en-US" dirty="0"/>
-              <a:t> dynamic binding, method overriding abstract classes and methods.</a:t>
-            </a:r>
-          </a:p>
-          <a:p>
-            <a:pPr marL="0" indent="0">
-              <a:buNone/>
-            </a:pPr>
-            <a:endParaRPr lang="en-US" dirty="0"/>
-          </a:p>
-          <a:p>
-            <a:pPr marL="0" indent="0">
-              <a:buNone/>
-            </a:pPr>
-            <a:r>
-              <a:rPr lang="en-US" b="1" dirty="0">
-                <a:solidFill>
-                  <a:schemeClr val="tx2"/>
-                </a:solidFill>
-              </a:rPr>
-              <a:t>Module-3: </a:t>
-            </a:r>
-            <a:r>
-              <a:rPr lang="en-IN" b="1" dirty="0">
-                <a:solidFill>
-                  <a:srgbClr val="C00000"/>
-                </a:solidFill>
-              </a:rPr>
-              <a:t>INTERFACES AND PACKAGES</a:t>
-            </a:r>
-            <a:endParaRPr lang="en-US" b="1" dirty="0">
-              <a:solidFill>
-                <a:srgbClr val="C00000"/>
-              </a:solidFill>
-            </a:endParaRPr>
-          </a:p>
-          <a:p>
-            <a:pPr marL="0" indent="0">
-              <a:buNone/>
-            </a:pPr>
-            <a:r>
-              <a:rPr lang="en-IN" b="1" dirty="0"/>
-              <a:t>Interface: </a:t>
-            </a:r>
-            <a:r>
-              <a:rPr lang="en-IN" dirty="0"/>
-              <a:t>Interfaces VS Abstract classes, defining an interface, implement interfaces accessing implementations through interface references, extending interface. </a:t>
-            </a:r>
-          </a:p>
-          <a:p>
-            <a:pPr marL="0" indent="0">
-              <a:buNone/>
-            </a:pPr>
-            <a:r>
-              <a:rPr lang="en-IN" b="1" dirty="0"/>
-              <a:t>Packages: </a:t>
-            </a:r>
-            <a:r>
-              <a:rPr lang="en-IN" dirty="0"/>
-              <a:t>Defining creating and accessing a package, understanding CLASSPATH, importing packages</a:t>
-            </a:r>
-          </a:p>
-          <a:p>
-            <a:pPr marL="0" indent="0">
-              <a:buNone/>
-            </a:pPr>
-            <a:endParaRPr lang="en-US" dirty="0"/>
-          </a:p>
-          <a:p>
-            <a:pPr marL="0" indent="0">
-              <a:buNone/>
-            </a:pPr>
-            <a:endParaRPr lang="en-US" dirty="0"/>
-          </a:p>
-        </p:txBody>
-      </p:sp>
-    </p:spTree>
-    <p:extLst>
-      <p:ext uri="{BB962C8B-B14F-4D97-AF65-F5344CB8AC3E}">
-        <p14:creationId xmlns:p14="http://schemas.microsoft.com/office/powerpoint/2010/main" val="869854125"/>
-      </p:ext>
-    </p:extLst>
-  </p:cSld>
-  <p:clrMapOvr>
-    <a:masterClrMapping/>
-  </p:clrMapOvr>
-</p:sld>
-</file>
-
-<file path=ppt/slides/slide20.xml><?xml version="1.0" encoding="utf-8"?>
-<p:sld xmlns:a="http://schemas.openxmlformats.org/drawingml/2006/main" xmlns:r="http://schemas.openxmlformats.org/officeDocument/2006/relationships" xmlns:p="http://schemas.openxmlformats.org/presentationml/2006/main">
-  <p:cSld>
-    <p:spTree>
-      <p:nvGrpSpPr>
-        <p:cNvPr id="1" name=""/>
-        <p:cNvGrpSpPr/>
-        <p:nvPr/>
-      </p:nvGrpSpPr>
-      <p:grpSpPr>
-        <a:xfrm>
-          <a:off x="0" y="0"/>
-          <a:ext cx="0" cy="0"/>
-          <a:chOff x="0" y="0"/>
-          <a:chExt cx="0" cy="0"/>
-        </a:xfrm>
-      </p:grpSpPr>
-      <p:sp>
-        <p:nvSpPr>
-          <p:cNvPr id="3" name="Content Placeholder 2">
-            <a:extLst>
-              <a:ext uri="{FF2B5EF4-FFF2-40B4-BE49-F238E27FC236}">
                 <a16:creationId xmlns:a16="http://schemas.microsoft.com/office/drawing/2014/main" id="{E42FB284-DAF2-8CB9-9090-285BF2A5822E}"/>
               </a:ext>
             </a:extLst>
@@ -5662,7 +6319,7 @@
 </p:sld>
 </file>
 
-<file path=ppt/slides/slide21.xml><?xml version="1.0" encoding="utf-8"?>
+<file path=ppt/slides/slide23.xml><?xml version="1.0" encoding="utf-8"?>
 <p:sld xmlns:a="http://schemas.openxmlformats.org/drawingml/2006/main" xmlns:r="http://schemas.openxmlformats.org/officeDocument/2006/relationships" xmlns:p="http://schemas.openxmlformats.org/presentationml/2006/main">
   <p:cSld>
     <p:spTree>
@@ -5776,7 +6433,7 @@
 </p:sld>
 </file>
 
-<file path=ppt/slides/slide22.xml><?xml version="1.0" encoding="utf-8"?>
+<file path=ppt/slides/slide24.xml><?xml version="1.0" encoding="utf-8"?>
 <p:sld xmlns:a="http://schemas.openxmlformats.org/drawingml/2006/main" xmlns:r="http://schemas.openxmlformats.org/officeDocument/2006/relationships" xmlns:p="http://schemas.openxmlformats.org/presentationml/2006/main">
   <p:cSld>
     <p:spTree>
@@ -6091,7 +6748,7 @@
 </p:sld>
 </file>
 
-<file path=ppt/slides/slide23.xml><?xml version="1.0" encoding="utf-8"?>
+<file path=ppt/slides/slide25.xml><?xml version="1.0" encoding="utf-8"?>
 <p:sld xmlns:a="http://schemas.openxmlformats.org/drawingml/2006/main" xmlns:r="http://schemas.openxmlformats.org/officeDocument/2006/relationships" xmlns:p="http://schemas.openxmlformats.org/presentationml/2006/main">
   <p:cSld>
     <p:spTree>
@@ -6199,7 +6856,7 @@
 </p:sld>
 </file>
 
-<file path=ppt/slides/slide24.xml><?xml version="1.0" encoding="utf-8"?>
+<file path=ppt/slides/slide26.xml><?xml version="1.0" encoding="utf-8"?>
 <p:sld xmlns:a="http://schemas.openxmlformats.org/drawingml/2006/main" xmlns:r="http://schemas.openxmlformats.org/officeDocument/2006/relationships" xmlns:p="http://schemas.openxmlformats.org/presentationml/2006/main">
   <p:cSld>
     <p:spTree>
@@ -6234,58 +6891,72 @@
         </p:nvSpPr>
         <p:spPr>
           <a:xfrm>
-            <a:off x="353785" y="2284236"/>
-            <a:ext cx="11484429" cy="2289527"/>
+            <a:off x="631722" y="508102"/>
+            <a:ext cx="10803193" cy="5646891"/>
           </a:xfrm>
         </p:spPr>
         <p:txBody>
-          <a:bodyPr>
-            <a:normAutofit/>
-          </a:bodyPr>
+          <a:bodyPr/>
           <a:lstStyle/>
           <a:p>
-            <a:pPr marL="0" indent="0" algn="ctr">
-              <a:buNone/>
-            </a:pPr>
-            <a:r>
-              <a:rPr lang="en-US" sz="6600" b="1" dirty="0">
-                <a:solidFill>
-                  <a:schemeClr val="tx2"/>
-                </a:solidFill>
-              </a:rPr>
-              <a:t>Module-2: </a:t>
-            </a:r>
-          </a:p>
-          <a:p>
-            <a:pPr marL="0" indent="0" algn="ctr">
-              <a:buNone/>
-            </a:pPr>
-            <a:r>
-              <a:rPr lang="en-US" sz="6600" b="1" dirty="0">
+            <a:pPr marL="0" indent="0">
+              <a:buNone/>
+            </a:pPr>
+            <a:r>
+              <a:rPr lang="en-US" b="1" dirty="0">
                 <a:solidFill>
                   <a:srgbClr val="C00000"/>
                 </a:solidFill>
               </a:rPr>
-              <a:t>MULTIPLE INHERITANCE </a:t>
-            </a:r>
-            <a:endParaRPr lang="en-IN" sz="6600" b="1" dirty="0">
-              <a:solidFill>
-                <a:srgbClr val="C00000"/>
-              </a:solidFill>
-            </a:endParaRPr>
-          </a:p>
-          <a:p>
-            <a:pPr marL="0" indent="0" algn="ctr">
-              <a:buNone/>
-            </a:pPr>
-            <a:endParaRPr lang="en-IN" sz="6600" dirty="0"/>
+              <a:t>Garbage Collection:</a:t>
+            </a:r>
+          </a:p>
+          <a:p>
+            <a:pPr marL="0" indent="0">
+              <a:buNone/>
+            </a:pPr>
+            <a:r>
+              <a:rPr lang="en-US" b="1" dirty="0">
+                <a:solidFill>
+                  <a:srgbClr val="C00000"/>
+                </a:solidFill>
+              </a:rPr>
+              <a:t>I</a:t>
+            </a:r>
+            <a:r>
+              <a:rPr lang="en-US" dirty="0"/>
+              <a:t>n Java is an </a:t>
+            </a:r>
+            <a:r>
+              <a:rPr lang="en-US" b="1" dirty="0">
+                <a:solidFill>
+                  <a:schemeClr val="accent6">
+                    <a:lumMod val="75000"/>
+                  </a:schemeClr>
+                </a:solidFill>
+              </a:rPr>
+              <a:t>automatic memory management </a:t>
+            </a:r>
+            <a:r>
+              <a:rPr lang="en-US" dirty="0"/>
+              <a:t>process that helps </a:t>
+            </a:r>
+            <a:r>
+              <a:rPr lang="en-US" b="1" dirty="0"/>
+              <a:t>reclaim memory occupied by objects that are no longer in use</a:t>
+            </a:r>
+            <a:r>
+              <a:rPr lang="en-US" dirty="0"/>
+              <a:t>, thus preventing memory leaks and optimizing the application’s performance.</a:t>
+            </a:r>
+            <a:endParaRPr lang="en-IN" dirty="0"/>
           </a:p>
         </p:txBody>
       </p:sp>
     </p:spTree>
     <p:extLst>
       <p:ext uri="{BB962C8B-B14F-4D97-AF65-F5344CB8AC3E}">
-        <p14:creationId xmlns:p14="http://schemas.microsoft.com/office/powerpoint/2010/main" val="703384228"/>
+        <p14:creationId xmlns:p14="http://schemas.microsoft.com/office/powerpoint/2010/main" val="2559507296"/>
       </p:ext>
     </p:extLst>
   </p:cSld>
@@ -6295,7 +6966,7 @@
 </p:sld>
 </file>
 
-<file path=ppt/slides/slide25.xml><?xml version="1.0" encoding="utf-8"?>
+<file path=ppt/slides/slide27.xml><?xml version="1.0" encoding="utf-8"?>
 <p:sld xmlns:a="http://schemas.openxmlformats.org/drawingml/2006/main" xmlns:r="http://schemas.openxmlformats.org/officeDocument/2006/relationships" xmlns:p="http://schemas.openxmlformats.org/presentationml/2006/main">
   <p:cSld>
     <p:spTree>
@@ -6330,6 +7001,102 @@
         </p:nvSpPr>
         <p:spPr>
           <a:xfrm>
+            <a:off x="353785" y="2284236"/>
+            <a:ext cx="11484429" cy="2289527"/>
+          </a:xfrm>
+        </p:spPr>
+        <p:txBody>
+          <a:bodyPr>
+            <a:normAutofit/>
+          </a:bodyPr>
+          <a:lstStyle/>
+          <a:p>
+            <a:pPr marL="0" indent="0" algn="ctr">
+              <a:buNone/>
+            </a:pPr>
+            <a:r>
+              <a:rPr lang="en-US" sz="6600" b="1" dirty="0">
+                <a:solidFill>
+                  <a:schemeClr val="tx2"/>
+                </a:solidFill>
+              </a:rPr>
+              <a:t>Module-2: </a:t>
+            </a:r>
+          </a:p>
+          <a:p>
+            <a:pPr marL="0" indent="0" algn="ctr">
+              <a:buNone/>
+            </a:pPr>
+            <a:r>
+              <a:rPr lang="en-US" sz="6600" b="1" dirty="0">
+                <a:solidFill>
+                  <a:srgbClr val="C00000"/>
+                </a:solidFill>
+              </a:rPr>
+              <a:t>MULTIPLE INHERITANCE </a:t>
+            </a:r>
+            <a:endParaRPr lang="en-IN" sz="6600" b="1" dirty="0">
+              <a:solidFill>
+                <a:srgbClr val="C00000"/>
+              </a:solidFill>
+            </a:endParaRPr>
+          </a:p>
+          <a:p>
+            <a:pPr marL="0" indent="0" algn="ctr">
+              <a:buNone/>
+            </a:pPr>
+            <a:endParaRPr lang="en-IN" sz="6600" dirty="0"/>
+          </a:p>
+        </p:txBody>
+      </p:sp>
+    </p:spTree>
+    <p:extLst>
+      <p:ext uri="{BB962C8B-B14F-4D97-AF65-F5344CB8AC3E}">
+        <p14:creationId xmlns:p14="http://schemas.microsoft.com/office/powerpoint/2010/main" val="703384228"/>
+      </p:ext>
+    </p:extLst>
+  </p:cSld>
+  <p:clrMapOvr>
+    <a:masterClrMapping/>
+  </p:clrMapOvr>
+</p:sld>
+</file>
+
+<file path=ppt/slides/slide28.xml><?xml version="1.0" encoding="utf-8"?>
+<p:sld xmlns:a="http://schemas.openxmlformats.org/drawingml/2006/main" xmlns:r="http://schemas.openxmlformats.org/officeDocument/2006/relationships" xmlns:p="http://schemas.openxmlformats.org/presentationml/2006/main">
+  <p:cSld>
+    <p:spTree>
+      <p:nvGrpSpPr>
+        <p:cNvPr id="1" name=""/>
+        <p:cNvGrpSpPr/>
+        <p:nvPr/>
+      </p:nvGrpSpPr>
+      <p:grpSpPr>
+        <a:xfrm>
+          <a:off x="0" y="0"/>
+          <a:ext cx="0" cy="0"/>
+          <a:chOff x="0" y="0"/>
+          <a:chExt cx="0" cy="0"/>
+        </a:xfrm>
+      </p:grpSpPr>
+      <p:sp>
+        <p:nvSpPr>
+          <p:cNvPr id="3" name="Content Placeholder 2">
+            <a:extLst>
+              <a:ext uri="{FF2B5EF4-FFF2-40B4-BE49-F238E27FC236}">
+                <a16:creationId xmlns:a16="http://schemas.microsoft.com/office/drawing/2014/main" id="{E42FB284-DAF2-8CB9-9090-285BF2A5822E}"/>
+              </a:ext>
+            </a:extLst>
+          </p:cNvPr>
+          <p:cNvSpPr>
+            <a:spLocks noGrp="1"/>
+          </p:cNvSpPr>
+          <p:nvPr>
+            <p:ph idx="1"/>
+          </p:nvPr>
+        </p:nvSpPr>
+        <p:spPr>
+          <a:xfrm>
             <a:off x="348344" y="326572"/>
             <a:ext cx="11625942" cy="6215742"/>
           </a:xfrm>
@@ -6574,7 +7341,7 @@
 </p:sld>
 </file>
 
-<file path=ppt/slides/slide26.xml><?xml version="1.0" encoding="utf-8"?>
+<file path=ppt/slides/slide29.xml><?xml version="1.0" encoding="utf-8"?>
 <p:sld xmlns:a="http://schemas.openxmlformats.org/drawingml/2006/main" xmlns:r="http://schemas.openxmlformats.org/officeDocument/2006/relationships" xmlns:p="http://schemas.openxmlformats.org/presentationml/2006/main">
   <p:cSld>
     <p:spTree>
@@ -6640,7 +7407,196 @@
 </p:sld>
 </file>
 
-<file path=ppt/slides/slide27.xml><?xml version="1.0" encoding="utf-8"?>
+<file path=ppt/slides/slide3.xml><?xml version="1.0" encoding="utf-8"?>
+<p:sld xmlns:a="http://schemas.openxmlformats.org/drawingml/2006/main" xmlns:r="http://schemas.openxmlformats.org/officeDocument/2006/relationships" xmlns:p="http://schemas.openxmlformats.org/presentationml/2006/main">
+  <p:cSld>
+    <p:spTree>
+      <p:nvGrpSpPr>
+        <p:cNvPr id="1" name=""/>
+        <p:cNvGrpSpPr/>
+        <p:nvPr/>
+      </p:nvGrpSpPr>
+      <p:grpSpPr>
+        <a:xfrm>
+          <a:off x="0" y="0"/>
+          <a:ext cx="0" cy="0"/>
+          <a:chOff x="0" y="0"/>
+          <a:chExt cx="0" cy="0"/>
+        </a:xfrm>
+      </p:grpSpPr>
+      <p:sp>
+        <p:nvSpPr>
+          <p:cNvPr id="3" name="Content Placeholder 2">
+            <a:extLst>
+              <a:ext uri="{FF2B5EF4-FFF2-40B4-BE49-F238E27FC236}">
+                <a16:creationId xmlns:a16="http://schemas.microsoft.com/office/drawing/2014/main" id="{E42FB284-DAF2-8CB9-9090-285BF2A5822E}"/>
+              </a:ext>
+            </a:extLst>
+          </p:cNvPr>
+          <p:cNvSpPr>
+            <a:spLocks noGrp="1"/>
+          </p:cNvSpPr>
+          <p:nvPr>
+            <p:ph idx="1"/>
+          </p:nvPr>
+        </p:nvSpPr>
+        <p:spPr>
+          <a:xfrm>
+            <a:off x="631722" y="508102"/>
+            <a:ext cx="10803193" cy="5646891"/>
+          </a:xfrm>
+        </p:spPr>
+        <p:txBody>
+          <a:bodyPr/>
+          <a:lstStyle/>
+          <a:p>
+            <a:pPr marL="0" indent="0">
+              <a:buNone/>
+            </a:pPr>
+            <a:r>
+              <a:rPr lang="en-US" b="1" dirty="0">
+                <a:solidFill>
+                  <a:srgbClr val="C00000"/>
+                </a:solidFill>
+              </a:rPr>
+              <a:t>Method Overloading:</a:t>
+            </a:r>
+          </a:p>
+          <a:p>
+            <a:pPr marL="0" indent="0">
+              <a:buNone/>
+            </a:pPr>
+            <a:r>
+              <a:rPr lang="en-US" b="1" dirty="0"/>
+              <a:t>Definition:</a:t>
+            </a:r>
+            <a:r>
+              <a:rPr lang="en-US" dirty="0"/>
+              <a:t> Method overloading occurs when two or more methods in the same class have the same name but differ in the number or type of parameters.</a:t>
+            </a:r>
+          </a:p>
+          <a:p>
+            <a:pPr marL="0" indent="0">
+              <a:buNone/>
+            </a:pPr>
+            <a:r>
+              <a:rPr lang="en-US" b="1" dirty="0"/>
+              <a:t>Key Points:</a:t>
+            </a:r>
+            <a:endParaRPr lang="en-US" dirty="0"/>
+          </a:p>
+          <a:p>
+            <a:pPr marL="742950" lvl="1" indent="-285750">
+              <a:buFont typeface="Arial" panose="020B0604020202020204" pitchFamily="34" charset="0"/>
+              <a:buChar char="•"/>
+            </a:pPr>
+            <a:r>
+              <a:rPr lang="en-US" dirty="0"/>
+              <a:t>Methods must have different parameter lists (either in </a:t>
+            </a:r>
+            <a:r>
+              <a:rPr lang="en-US" b="1" dirty="0">
+                <a:solidFill>
+                  <a:srgbClr val="C00000"/>
+                </a:solidFill>
+              </a:rPr>
+              <a:t>number</a:t>
+            </a:r>
+            <a:r>
+              <a:rPr lang="en-US" dirty="0"/>
+              <a:t>, </a:t>
+            </a:r>
+            <a:r>
+              <a:rPr lang="en-US" b="1" dirty="0">
+                <a:solidFill>
+                  <a:srgbClr val="C00000"/>
+                </a:solidFill>
+              </a:rPr>
+              <a:t>type</a:t>
+            </a:r>
+            <a:r>
+              <a:rPr lang="en-US" dirty="0"/>
+              <a:t>, or </a:t>
+            </a:r>
+            <a:r>
+              <a:rPr lang="en-US" b="1" dirty="0">
+                <a:solidFill>
+                  <a:srgbClr val="C00000"/>
+                </a:solidFill>
+              </a:rPr>
+              <a:t>order</a:t>
+            </a:r>
+            <a:r>
+              <a:rPr lang="en-US" dirty="0"/>
+              <a:t> </a:t>
+            </a:r>
+            <a:r>
+              <a:rPr lang="en-US" b="1" dirty="0">
+                <a:solidFill>
+                  <a:srgbClr val="C00000"/>
+                </a:solidFill>
+              </a:rPr>
+              <a:t>of</a:t>
+            </a:r>
+            <a:r>
+              <a:rPr lang="en-US" dirty="0"/>
+              <a:t> </a:t>
+            </a:r>
+            <a:r>
+              <a:rPr lang="en-US" b="1" dirty="0">
+                <a:solidFill>
+                  <a:srgbClr val="C00000"/>
+                </a:solidFill>
+              </a:rPr>
+              <a:t>parameters</a:t>
+            </a:r>
+            <a:r>
+              <a:rPr lang="en-US" dirty="0"/>
+              <a:t>).</a:t>
+            </a:r>
+          </a:p>
+          <a:p>
+            <a:pPr marL="742950" lvl="1" indent="-285750">
+              <a:buFont typeface="Arial" panose="020B0604020202020204" pitchFamily="34" charset="0"/>
+              <a:buChar char="•"/>
+            </a:pPr>
+            <a:r>
+              <a:rPr lang="en-US" dirty="0"/>
+              <a:t>The return type can be the same or different, but it doesn't influence overloading.</a:t>
+            </a:r>
+          </a:p>
+          <a:p>
+            <a:pPr marL="742950" lvl="1" indent="-285750">
+              <a:buFont typeface="Arial" panose="020B0604020202020204" pitchFamily="34" charset="0"/>
+              <a:buChar char="•"/>
+            </a:pPr>
+            <a:r>
+              <a:rPr lang="en-US" dirty="0"/>
+              <a:t>Overloading enhances code readability and reusability.</a:t>
+            </a:r>
+          </a:p>
+          <a:p>
+            <a:pPr marL="0" indent="0">
+              <a:buNone/>
+            </a:pPr>
+            <a:endParaRPr lang="en-IN" dirty="0"/>
+          </a:p>
+        </p:txBody>
+      </p:sp>
+    </p:spTree>
+    <p:extLst>
+      <p:ext uri="{BB962C8B-B14F-4D97-AF65-F5344CB8AC3E}">
+        <p14:creationId xmlns:p14="http://schemas.microsoft.com/office/powerpoint/2010/main" val="694671666"/>
+      </p:ext>
+    </p:extLst>
+  </p:cSld>
+  <p:clrMapOvr>
+    <a:masterClrMapping/>
+  </p:clrMapOvr>
+</p:sld>
+</file>
+
+<file path=ppt/slides/slide30.xml><?xml version="1.0" encoding="utf-8"?>
 <p:sld xmlns:a="http://schemas.openxmlformats.org/drawingml/2006/main" xmlns:r="http://schemas.openxmlformats.org/officeDocument/2006/relationships" xmlns:p="http://schemas.openxmlformats.org/presentationml/2006/main">
   <p:cSld>
     <p:spTree>
@@ -6743,7 +7699,7 @@
 </p:sld>
 </file>
 
-<file path=ppt/slides/slide28.xml><?xml version="1.0" encoding="utf-8"?>
+<file path=ppt/slides/slide31.xml><?xml version="1.0" encoding="utf-8"?>
 <p:sld xmlns:a="http://schemas.openxmlformats.org/drawingml/2006/main" xmlns:r="http://schemas.openxmlformats.org/officeDocument/2006/relationships" xmlns:p="http://schemas.openxmlformats.org/presentationml/2006/main">
   <p:cSld>
     <p:spTree>
@@ -6959,7 +7915,7 @@
 </p:sld>
 </file>
 
-<file path=ppt/slides/slide29.xml><?xml version="1.0" encoding="utf-8"?>
+<file path=ppt/slides/slide32.xml><?xml version="1.0" encoding="utf-8"?>
 <p:sld xmlns:a="http://schemas.openxmlformats.org/drawingml/2006/main" xmlns:r="http://schemas.openxmlformats.org/officeDocument/2006/relationships" xmlns:p="http://schemas.openxmlformats.org/presentationml/2006/main">
   <p:cSld>
     <p:bg>
@@ -7001,7 +7957,7 @@
           </p:nvPr>
         </p:nvPicPr>
         <p:blipFill>
-          <a:blip r:embed="rId2">
+          <a:blip r:embed="rId3">
             <a:extLst>
               <a:ext uri="{28A0092B-C50C-407E-A947-70E740481C1C}">
                 <a14:useLocalDpi xmlns:a14="http://schemas.microsoft.com/office/drawing/2010/main" val="0"/>
@@ -7134,174 +8090,7 @@
 </p:sld>
 </file>
 
-<file path=ppt/slides/slide3.xml><?xml version="1.0" encoding="utf-8"?>
-<p:sld xmlns:a="http://schemas.openxmlformats.org/drawingml/2006/main" xmlns:r="http://schemas.openxmlformats.org/officeDocument/2006/relationships" xmlns:p="http://schemas.openxmlformats.org/presentationml/2006/main">
-  <p:cSld>
-    <p:spTree>
-      <p:nvGrpSpPr>
-        <p:cNvPr id="1" name=""/>
-        <p:cNvGrpSpPr/>
-        <p:nvPr/>
-      </p:nvGrpSpPr>
-      <p:grpSpPr>
-        <a:xfrm>
-          <a:off x="0" y="0"/>
-          <a:ext cx="0" cy="0"/>
-          <a:chOff x="0" y="0"/>
-          <a:chExt cx="0" cy="0"/>
-        </a:xfrm>
-      </p:grpSpPr>
-      <p:sp>
-        <p:nvSpPr>
-          <p:cNvPr id="3" name="Content Placeholder 2">
-            <a:extLst>
-              <a:ext uri="{FF2B5EF4-FFF2-40B4-BE49-F238E27FC236}">
-                <a16:creationId xmlns:a16="http://schemas.microsoft.com/office/drawing/2014/main" id="{E42FB284-DAF2-8CB9-9090-285BF2A5822E}"/>
-              </a:ext>
-            </a:extLst>
-          </p:cNvPr>
-          <p:cNvSpPr>
-            <a:spLocks noGrp="1"/>
-          </p:cNvSpPr>
-          <p:nvPr>
-            <p:ph idx="1"/>
-          </p:nvPr>
-        </p:nvSpPr>
-        <p:spPr>
-          <a:xfrm>
-            <a:off x="631722" y="508102"/>
-            <a:ext cx="10803193" cy="5646891"/>
-          </a:xfrm>
-        </p:spPr>
-        <p:txBody>
-          <a:bodyPr/>
-          <a:lstStyle/>
-          <a:p>
-            <a:pPr marL="0" indent="0">
-              <a:buNone/>
-            </a:pPr>
-            <a:r>
-              <a:rPr lang="en-US" sz="3200" b="1" dirty="0">
-                <a:solidFill>
-                  <a:srgbClr val="C00000"/>
-                </a:solidFill>
-              </a:rPr>
-              <a:t>Method Overloading and Constructor Overloading:</a:t>
-            </a:r>
-          </a:p>
-          <a:p>
-            <a:pPr marL="0" indent="0">
-              <a:buNone/>
-            </a:pPr>
-            <a:r>
-              <a:rPr lang="en-US" dirty="0"/>
-              <a:t>Method Overloading and Constructor Overloading in Java are concepts that allow </a:t>
-            </a:r>
-            <a:r>
-              <a:rPr lang="en-US" b="1" dirty="0"/>
-              <a:t>multiple methods </a:t>
-            </a:r>
-            <a:r>
-              <a:rPr lang="en-US" dirty="0"/>
-              <a:t>or </a:t>
-            </a:r>
-            <a:r>
-              <a:rPr lang="en-US" b="1" dirty="0"/>
-              <a:t>constructors to have the </a:t>
-            </a:r>
-            <a:r>
-              <a:rPr lang="en-US" b="1" dirty="0">
-                <a:solidFill>
-                  <a:srgbClr val="C00000"/>
-                </a:solidFill>
-              </a:rPr>
-              <a:t>same name </a:t>
-            </a:r>
-            <a:r>
-              <a:rPr lang="en-US" b="1" dirty="0"/>
-              <a:t>but </a:t>
-            </a:r>
-            <a:r>
-              <a:rPr lang="en-US" b="1" dirty="0">
-                <a:solidFill>
-                  <a:srgbClr val="C00000"/>
-                </a:solidFill>
-              </a:rPr>
-              <a:t>different parameters</a:t>
-            </a:r>
-            <a:r>
-              <a:rPr lang="en-US" dirty="0">
-                <a:solidFill>
-                  <a:srgbClr val="C00000"/>
-                </a:solidFill>
-              </a:rPr>
-              <a:t> </a:t>
-            </a:r>
-            <a:r>
-              <a:rPr lang="en-US" dirty="0"/>
-              <a:t>within the same class. They help improve code readability and flexibility by enabling the same method or constructor to perform different tasks based on the input parameters.</a:t>
-            </a:r>
-          </a:p>
-          <a:p>
-            <a:pPr marL="0" indent="0">
-              <a:buNone/>
-            </a:pPr>
-            <a:endParaRPr lang="en-US" dirty="0"/>
-          </a:p>
-          <a:p>
-            <a:pPr marL="0" indent="0">
-              <a:buNone/>
-            </a:pPr>
-            <a:r>
-              <a:rPr lang="en-US" sz="4000" b="1" dirty="0">
-                <a:solidFill>
-                  <a:srgbClr val="002060"/>
-                </a:solidFill>
-              </a:rPr>
-              <a:t>Polymorphism </a:t>
-            </a:r>
-            <a:r>
-              <a:rPr lang="en-US" dirty="0">
-                <a:solidFill>
-                  <a:srgbClr val="C00000"/>
-                </a:solidFill>
-              </a:rPr>
-              <a:t>: </a:t>
-            </a:r>
-            <a:r>
-              <a:rPr lang="en-US" b="1" dirty="0">
-                <a:solidFill>
-                  <a:srgbClr val="C00000"/>
-                </a:solidFill>
-              </a:rPr>
-              <a:t>Compile Time </a:t>
-            </a:r>
-            <a:r>
-              <a:rPr lang="en-US" b="1" dirty="0"/>
-              <a:t>Polymorphism</a:t>
-            </a:r>
-            <a:r>
-              <a:rPr lang="en-US" dirty="0"/>
-              <a:t>.</a:t>
-            </a:r>
-            <a:endParaRPr lang="en-IN" dirty="0"/>
-          </a:p>
-        </p:txBody>
-      </p:sp>
-    </p:spTree>
-    <p:extLst>
-      <p:ext uri="{BB962C8B-B14F-4D97-AF65-F5344CB8AC3E}">
-        <p14:creationId xmlns:p14="http://schemas.microsoft.com/office/powerpoint/2010/main" val="286777536"/>
-      </p:ext>
-    </p:extLst>
-  </p:cSld>
-  <p:clrMapOvr>
-    <a:masterClrMapping/>
-  </p:clrMapOvr>
-</p:sld>
-</file>
-
-<file path=ppt/slides/slide30.xml><?xml version="1.0" encoding="utf-8"?>
+<file path=ppt/slides/slide33.xml><?xml version="1.0" encoding="utf-8"?>
 <p:sld xmlns:a="http://schemas.openxmlformats.org/drawingml/2006/main" xmlns:r="http://schemas.openxmlformats.org/officeDocument/2006/relationships" xmlns:p="http://schemas.openxmlformats.org/presentationml/2006/main">
   <p:cSld>
     <p:spTree>
@@ -7447,7 +8236,7 @@
 </p:sld>
 </file>
 
-<file path=ppt/slides/slide31.xml><?xml version="1.0" encoding="utf-8"?>
+<file path=ppt/slides/slide34.xml><?xml version="1.0" encoding="utf-8"?>
 <p:sld xmlns:a="http://schemas.openxmlformats.org/drawingml/2006/main" xmlns:r="http://schemas.openxmlformats.org/officeDocument/2006/relationships" xmlns:p="http://schemas.openxmlformats.org/presentationml/2006/main">
   <p:cSld>
     <p:spTree>
@@ -7548,7 +8337,7 @@
 </p:sld>
 </file>
 
-<file path=ppt/slides/slide32.xml><?xml version="1.0" encoding="utf-8"?>
+<file path=ppt/slides/slide35.xml><?xml version="1.0" encoding="utf-8"?>
 <p:sld xmlns:a="http://schemas.openxmlformats.org/drawingml/2006/main" xmlns:r="http://schemas.openxmlformats.org/officeDocument/2006/relationships" xmlns:p="http://schemas.openxmlformats.org/presentationml/2006/main">
   <p:cSld>
     <p:spTree>
@@ -7604,195 +8393,6 @@
     <p:extLst>
       <p:ext uri="{BB962C8B-B14F-4D97-AF65-F5344CB8AC3E}">
         <p14:creationId xmlns:p14="http://schemas.microsoft.com/office/powerpoint/2010/main" val="3089443632"/>
-      </p:ext>
-    </p:extLst>
-  </p:cSld>
-  <p:clrMapOvr>
-    <a:masterClrMapping/>
-  </p:clrMapOvr>
-</p:sld>
-</file>
-
-<file path=ppt/slides/slide33.xml><?xml version="1.0" encoding="utf-8"?>
-<p:sld xmlns:a="http://schemas.openxmlformats.org/drawingml/2006/main" xmlns:r="http://schemas.openxmlformats.org/officeDocument/2006/relationships" xmlns:p="http://schemas.openxmlformats.org/presentationml/2006/main">
-  <p:cSld>
-    <p:spTree>
-      <p:nvGrpSpPr>
-        <p:cNvPr id="1" name=""/>
-        <p:cNvGrpSpPr/>
-        <p:nvPr/>
-      </p:nvGrpSpPr>
-      <p:grpSpPr>
-        <a:xfrm>
-          <a:off x="0" y="0"/>
-          <a:ext cx="0" cy="0"/>
-          <a:chOff x="0" y="0"/>
-          <a:chExt cx="0" cy="0"/>
-        </a:xfrm>
-      </p:grpSpPr>
-      <p:sp>
-        <p:nvSpPr>
-          <p:cNvPr id="3" name="Content Placeholder 2">
-            <a:extLst>
-              <a:ext uri="{FF2B5EF4-FFF2-40B4-BE49-F238E27FC236}">
-                <a16:creationId xmlns:a16="http://schemas.microsoft.com/office/drawing/2014/main" id="{E42FB284-DAF2-8CB9-9090-285BF2A5822E}"/>
-              </a:ext>
-            </a:extLst>
-          </p:cNvPr>
-          <p:cNvSpPr>
-            <a:spLocks noGrp="1"/>
-          </p:cNvSpPr>
-          <p:nvPr>
-            <p:ph idx="1"/>
-          </p:nvPr>
-        </p:nvSpPr>
-        <p:spPr>
-          <a:xfrm>
-            <a:off x="631722" y="508102"/>
-            <a:ext cx="10803193" cy="5646891"/>
-          </a:xfrm>
-        </p:spPr>
-        <p:txBody>
-          <a:bodyPr/>
-          <a:lstStyle/>
-          <a:p>
-            <a:pPr marL="0" indent="0">
-              <a:buNone/>
-            </a:pPr>
-            <a:endParaRPr lang="en-IN" dirty="0"/>
-          </a:p>
-        </p:txBody>
-      </p:sp>
-    </p:spTree>
-    <p:extLst>
-      <p:ext uri="{BB962C8B-B14F-4D97-AF65-F5344CB8AC3E}">
-        <p14:creationId xmlns:p14="http://schemas.microsoft.com/office/powerpoint/2010/main" val="509400602"/>
-      </p:ext>
-    </p:extLst>
-  </p:cSld>
-  <p:clrMapOvr>
-    <a:masterClrMapping/>
-  </p:clrMapOvr>
-</p:sld>
-</file>
-
-<file path=ppt/slides/slide34.xml><?xml version="1.0" encoding="utf-8"?>
-<p:sld xmlns:a="http://schemas.openxmlformats.org/drawingml/2006/main" xmlns:r="http://schemas.openxmlformats.org/officeDocument/2006/relationships" xmlns:p="http://schemas.openxmlformats.org/presentationml/2006/main">
-  <p:cSld>
-    <p:spTree>
-      <p:nvGrpSpPr>
-        <p:cNvPr id="1" name=""/>
-        <p:cNvGrpSpPr/>
-        <p:nvPr/>
-      </p:nvGrpSpPr>
-      <p:grpSpPr>
-        <a:xfrm>
-          <a:off x="0" y="0"/>
-          <a:ext cx="0" cy="0"/>
-          <a:chOff x="0" y="0"/>
-          <a:chExt cx="0" cy="0"/>
-        </a:xfrm>
-      </p:grpSpPr>
-      <p:sp>
-        <p:nvSpPr>
-          <p:cNvPr id="3" name="Content Placeholder 2">
-            <a:extLst>
-              <a:ext uri="{FF2B5EF4-FFF2-40B4-BE49-F238E27FC236}">
-                <a16:creationId xmlns:a16="http://schemas.microsoft.com/office/drawing/2014/main" id="{E42FB284-DAF2-8CB9-9090-285BF2A5822E}"/>
-              </a:ext>
-            </a:extLst>
-          </p:cNvPr>
-          <p:cNvSpPr>
-            <a:spLocks noGrp="1"/>
-          </p:cNvSpPr>
-          <p:nvPr>
-            <p:ph idx="1"/>
-          </p:nvPr>
-        </p:nvSpPr>
-        <p:spPr>
-          <a:xfrm>
-            <a:off x="631722" y="508102"/>
-            <a:ext cx="10803193" cy="5646891"/>
-          </a:xfrm>
-        </p:spPr>
-        <p:txBody>
-          <a:bodyPr/>
-          <a:lstStyle/>
-          <a:p>
-            <a:pPr marL="0" indent="0">
-              <a:buNone/>
-            </a:pPr>
-            <a:endParaRPr lang="en-IN" dirty="0"/>
-          </a:p>
-        </p:txBody>
-      </p:sp>
-    </p:spTree>
-    <p:extLst>
-      <p:ext uri="{BB962C8B-B14F-4D97-AF65-F5344CB8AC3E}">
-        <p14:creationId xmlns:p14="http://schemas.microsoft.com/office/powerpoint/2010/main" val="3012404378"/>
-      </p:ext>
-    </p:extLst>
-  </p:cSld>
-  <p:clrMapOvr>
-    <a:masterClrMapping/>
-  </p:clrMapOvr>
-</p:sld>
-</file>
-
-<file path=ppt/slides/slide35.xml><?xml version="1.0" encoding="utf-8"?>
-<p:sld xmlns:a="http://schemas.openxmlformats.org/drawingml/2006/main" xmlns:r="http://schemas.openxmlformats.org/officeDocument/2006/relationships" xmlns:p="http://schemas.openxmlformats.org/presentationml/2006/main">
-  <p:cSld>
-    <p:spTree>
-      <p:nvGrpSpPr>
-        <p:cNvPr id="1" name=""/>
-        <p:cNvGrpSpPr/>
-        <p:nvPr/>
-      </p:nvGrpSpPr>
-      <p:grpSpPr>
-        <a:xfrm>
-          <a:off x="0" y="0"/>
-          <a:ext cx="0" cy="0"/>
-          <a:chOff x="0" y="0"/>
-          <a:chExt cx="0" cy="0"/>
-        </a:xfrm>
-      </p:grpSpPr>
-      <p:sp>
-        <p:nvSpPr>
-          <p:cNvPr id="3" name="Content Placeholder 2">
-            <a:extLst>
-              <a:ext uri="{FF2B5EF4-FFF2-40B4-BE49-F238E27FC236}">
-                <a16:creationId xmlns:a16="http://schemas.microsoft.com/office/drawing/2014/main" id="{E42FB284-DAF2-8CB9-9090-285BF2A5822E}"/>
-              </a:ext>
-            </a:extLst>
-          </p:cNvPr>
-          <p:cNvSpPr>
-            <a:spLocks noGrp="1"/>
-          </p:cNvSpPr>
-          <p:nvPr>
-            <p:ph idx="1"/>
-          </p:nvPr>
-        </p:nvSpPr>
-        <p:spPr>
-          <a:xfrm>
-            <a:off x="631722" y="508102"/>
-            <a:ext cx="10803193" cy="5646891"/>
-          </a:xfrm>
-        </p:spPr>
-        <p:txBody>
-          <a:bodyPr/>
-          <a:lstStyle/>
-          <a:p>
-            <a:pPr marL="0" indent="0">
-              <a:buNone/>
-            </a:pPr>
-            <a:endParaRPr lang="en-IN" dirty="0"/>
-          </a:p>
-        </p:txBody>
-      </p:sp>
-    </p:spTree>
-    <p:extLst>
-      <p:ext uri="{BB962C8B-B14F-4D97-AF65-F5344CB8AC3E}">
-        <p14:creationId xmlns:p14="http://schemas.microsoft.com/office/powerpoint/2010/main" val="1723617941"/>
       </p:ext>
     </p:extLst>
   </p:cSld>
@@ -7837,17 +8437,226 @@
         </p:nvSpPr>
         <p:spPr>
           <a:xfrm>
-            <a:off x="631722" y="508102"/>
-            <a:ext cx="10803193" cy="5646891"/>
+            <a:off x="373626" y="383458"/>
+            <a:ext cx="11375922" cy="6105832"/>
           </a:xfrm>
         </p:spPr>
         <p:txBody>
-          <a:bodyPr/>
+          <a:bodyPr>
+            <a:normAutofit/>
+          </a:bodyPr>
           <a:lstStyle/>
           <a:p>
             <a:pPr marL="0" indent="0">
               <a:buNone/>
             </a:pPr>
+            <a:r>
+              <a:rPr lang="en-US" b="1" dirty="0">
+                <a:solidFill>
+                  <a:srgbClr val="C00000"/>
+                </a:solidFill>
+              </a:rPr>
+              <a:t>super</a:t>
+            </a:r>
+            <a:r>
+              <a:rPr lang="en-US" b="1" dirty="0"/>
+              <a:t> Keyword:</a:t>
+            </a:r>
+          </a:p>
+          <a:p>
+            <a:pPr marL="0" indent="0">
+              <a:buNone/>
+            </a:pPr>
+            <a:r>
+              <a:rPr lang="en-US" b="1" dirty="0"/>
+              <a:t>The super keyword in Java is used in three main contexts:</a:t>
+            </a:r>
+          </a:p>
+          <a:p>
+            <a:pPr marL="514350" indent="-514350">
+              <a:buAutoNum type="arabicPeriod"/>
+            </a:pPr>
+            <a:r>
+              <a:rPr lang="en-US" dirty="0"/>
+              <a:t>Accessing the </a:t>
+            </a:r>
+            <a:r>
+              <a:rPr lang="en-US" b="1" dirty="0">
+                <a:solidFill>
+                  <a:schemeClr val="accent6">
+                    <a:lumMod val="50000"/>
+                  </a:schemeClr>
+                </a:solidFill>
+              </a:rPr>
+              <a:t>Parent Class </a:t>
+            </a:r>
+            <a:r>
+              <a:rPr lang="en-US" b="1" dirty="0">
+                <a:solidFill>
+                  <a:srgbClr val="C00000"/>
+                </a:solidFill>
+              </a:rPr>
+              <a:t>Constructor</a:t>
+            </a:r>
+            <a:endParaRPr lang="en-US" dirty="0">
+              <a:solidFill>
+                <a:srgbClr val="C00000"/>
+              </a:solidFill>
+            </a:endParaRPr>
+          </a:p>
+          <a:p>
+            <a:pPr marL="514350" indent="-514350">
+              <a:buAutoNum type="arabicPeriod"/>
+            </a:pPr>
+            <a:r>
+              <a:rPr lang="en-IN" dirty="0"/>
+              <a:t>Accessing </a:t>
+            </a:r>
+            <a:r>
+              <a:rPr lang="en-IN" b="1" dirty="0">
+                <a:solidFill>
+                  <a:schemeClr val="accent6">
+                    <a:lumMod val="50000"/>
+                  </a:schemeClr>
+                </a:solidFill>
+              </a:rPr>
+              <a:t>Parent Class </a:t>
+            </a:r>
+            <a:r>
+              <a:rPr lang="en-IN" b="1" dirty="0">
+                <a:solidFill>
+                  <a:srgbClr val="C00000"/>
+                </a:solidFill>
+              </a:rPr>
+              <a:t>Methods</a:t>
+            </a:r>
+            <a:endParaRPr lang="en-US" b="1" dirty="0">
+              <a:solidFill>
+                <a:srgbClr val="C00000"/>
+              </a:solidFill>
+            </a:endParaRPr>
+          </a:p>
+          <a:p>
+            <a:pPr marL="514350" indent="-514350">
+              <a:buAutoNum type="arabicPeriod"/>
+            </a:pPr>
+            <a:r>
+              <a:rPr lang="en-IN" dirty="0"/>
+              <a:t>Accessing </a:t>
+            </a:r>
+            <a:r>
+              <a:rPr lang="en-IN" b="1" dirty="0">
+                <a:solidFill>
+                  <a:schemeClr val="accent6">
+                    <a:lumMod val="50000"/>
+                  </a:schemeClr>
+                </a:solidFill>
+              </a:rPr>
+              <a:t>Parent Class </a:t>
+            </a:r>
+            <a:r>
+              <a:rPr lang="en-IN" b="1" dirty="0">
+                <a:solidFill>
+                  <a:srgbClr val="C00000"/>
+                </a:solidFill>
+              </a:rPr>
+              <a:t>Fields</a:t>
+            </a:r>
+          </a:p>
+          <a:p>
+            <a:pPr marL="514350" indent="-514350">
+              <a:buAutoNum type="arabicPeriod"/>
+            </a:pPr>
+            <a:endParaRPr lang="en-IN" b="1" dirty="0">
+              <a:solidFill>
+                <a:srgbClr val="C00000"/>
+              </a:solidFill>
+            </a:endParaRPr>
+          </a:p>
+          <a:p>
+            <a:pPr marL="0" indent="0">
+              <a:buNone/>
+            </a:pPr>
+            <a:r>
+              <a:rPr lang="en-US" dirty="0"/>
+              <a:t>Overall, super is mainly used to </a:t>
+            </a:r>
+            <a:r>
+              <a:rPr lang="en-US" b="1" dirty="0">
+                <a:solidFill>
+                  <a:schemeClr val="accent5">
+                    <a:lumMod val="75000"/>
+                  </a:schemeClr>
+                </a:solidFill>
+              </a:rPr>
+              <a:t>differentiate</a:t>
+            </a:r>
+            <a:r>
+              <a:rPr lang="en-US" dirty="0"/>
+              <a:t> </a:t>
+            </a:r>
+            <a:r>
+              <a:rPr lang="en-US" b="1" dirty="0"/>
+              <a:t>between members of a </a:t>
+            </a:r>
+            <a:r>
+              <a:rPr lang="en-US" b="1" dirty="0">
+                <a:solidFill>
+                  <a:srgbClr val="00B050"/>
+                </a:solidFill>
+              </a:rPr>
+              <a:t>parent class </a:t>
+            </a:r>
+            <a:r>
+              <a:rPr lang="en-US" b="1" dirty="0"/>
+              <a:t>and the </a:t>
+            </a:r>
+            <a:r>
+              <a:rPr lang="en-US" b="1" dirty="0">
+                <a:solidFill>
+                  <a:srgbClr val="00B050"/>
+                </a:solidFill>
+              </a:rPr>
+              <a:t>current class</a:t>
+            </a:r>
+            <a:r>
+              <a:rPr lang="en-US" b="1" dirty="0"/>
+              <a:t>,</a:t>
+            </a:r>
+            <a:r>
+              <a:rPr lang="en-US" dirty="0"/>
+              <a:t> ensuring the correct fields, methods, or constructors are accessed.</a:t>
+            </a:r>
+          </a:p>
+          <a:p>
+            <a:pPr marL="0" indent="0">
+              <a:buNone/>
+            </a:pPr>
+            <a:r>
+              <a:rPr lang="en-US" b="1" dirty="0"/>
+              <a:t>Note:</a:t>
+            </a:r>
+          </a:p>
+          <a:p>
+            <a:pPr marL="0" indent="0">
+              <a:buNone/>
+            </a:pPr>
+            <a:r>
+              <a:rPr lang="en-US" dirty="0"/>
+              <a:t>super: The super keyword is used to refer to the immediate parent class. However, super can </a:t>
+            </a:r>
+            <a:r>
+              <a:rPr lang="en-US" b="1" dirty="0">
+                <a:solidFill>
+                  <a:srgbClr val="00B0F0"/>
+                </a:solidFill>
+              </a:rPr>
+              <a:t>only be used within a method or a constructor</a:t>
+            </a:r>
+            <a:r>
+              <a:rPr lang="en-US" dirty="0"/>
+              <a:t>. You cannot use super directly in the class body</a:t>
+            </a:r>
             <a:endParaRPr lang="en-IN" dirty="0"/>
           </a:p>
         </p:txBody>
@@ -7855,7 +8664,7 @@
     </p:spTree>
     <p:extLst>
       <p:ext uri="{BB962C8B-B14F-4D97-AF65-F5344CB8AC3E}">
-        <p14:creationId xmlns:p14="http://schemas.microsoft.com/office/powerpoint/2010/main" val="429140455"/>
+        <p14:creationId xmlns:p14="http://schemas.microsoft.com/office/powerpoint/2010/main" val="509400602"/>
       </p:ext>
     </p:extLst>
   </p:cSld>
@@ -7900,7 +8709,7 @@
         </p:nvSpPr>
         <p:spPr>
           <a:xfrm>
-            <a:off x="631722" y="508102"/>
+            <a:off x="326922" y="252463"/>
             <a:ext cx="10803193" cy="5646891"/>
           </a:xfrm>
         </p:spPr>
@@ -7911,14 +8720,79 @@
             <a:pPr marL="0" indent="0">
               <a:buNone/>
             </a:pPr>
-            <a:endParaRPr lang="en-IN" dirty="0"/>
-          </a:p>
-        </p:txBody>
-      </p:sp>
+            <a:r>
+              <a:rPr lang="en-US" b="1" dirty="0"/>
+              <a:t>1. Accessing the Parent Class Constructor:</a:t>
+            </a:r>
+          </a:p>
+          <a:p>
+            <a:pPr marL="0" indent="0">
+              <a:buNone/>
+            </a:pPr>
+            <a:r>
+              <a:rPr lang="en-US" dirty="0"/>
+              <a:t>It is used to call a constructor of the parent class from a subclass. This is typically done to </a:t>
+            </a:r>
+            <a:r>
+              <a:rPr lang="en-US" b="1" dirty="0"/>
+              <a:t>initialize the parent class's fields when an instance of the subclass is created</a:t>
+            </a:r>
+            <a:r>
+              <a:rPr lang="en-US" dirty="0"/>
+              <a:t>.</a:t>
+            </a:r>
+          </a:p>
+          <a:p>
+            <a:pPr marL="0" indent="0">
+              <a:buNone/>
+            </a:pPr>
+            <a:r>
+              <a:rPr lang="en-IN" b="1" dirty="0"/>
+              <a:t>Example:</a:t>
+            </a:r>
+          </a:p>
+        </p:txBody>
+      </p:sp>
+      <p:pic>
+        <p:nvPicPr>
+          <p:cNvPr id="4" name="Picture 3" descr="A computer screen with text on it">
+            <a:extLst>
+              <a:ext uri="{FF2B5EF4-FFF2-40B4-BE49-F238E27FC236}">
+                <a16:creationId xmlns:a16="http://schemas.microsoft.com/office/drawing/2014/main" id="{D69F05E3-CE8A-95F7-7063-A34351ECEB57}"/>
+              </a:ext>
+            </a:extLst>
+          </p:cNvPr>
+          <p:cNvPicPr>
+            <a:picLocks noChangeAspect="1"/>
+          </p:cNvPicPr>
+          <p:nvPr/>
+        </p:nvPicPr>
+        <p:blipFill>
+          <a:blip r:embed="rId2">
+            <a:extLst>
+              <a:ext uri="{28A0092B-C50C-407E-A947-70E740481C1C}">
+                <a14:useLocalDpi xmlns:a14="http://schemas.microsoft.com/office/drawing/2010/main" val="0"/>
+              </a:ext>
+            </a:extLst>
+          </a:blip>
+          <a:stretch>
+            <a:fillRect/>
+          </a:stretch>
+        </p:blipFill>
+        <p:spPr>
+          <a:xfrm>
+            <a:off x="2323524" y="2012283"/>
+            <a:ext cx="8432184" cy="4742477"/>
+          </a:xfrm>
+          <a:prstGeom prst="rect">
+            <a:avLst/>
+          </a:prstGeom>
+        </p:spPr>
+      </p:pic>
     </p:spTree>
     <p:extLst>
       <p:ext uri="{BB962C8B-B14F-4D97-AF65-F5344CB8AC3E}">
-        <p14:creationId xmlns:p14="http://schemas.microsoft.com/office/powerpoint/2010/main" val="2044243795"/>
+        <p14:creationId xmlns:p14="http://schemas.microsoft.com/office/powerpoint/2010/main" val="3012404378"/>
       </p:ext>
     </p:extLst>
   </p:cSld>
@@ -7963,8 +8837,8 @@
         </p:nvSpPr>
         <p:spPr>
           <a:xfrm>
-            <a:off x="631722" y="508102"/>
-            <a:ext cx="10803193" cy="5646891"/>
+            <a:off x="346587" y="183637"/>
+            <a:ext cx="10803193" cy="6356311"/>
           </a:xfrm>
         </p:spPr>
         <p:txBody>
@@ -7974,14 +8848,93 @@
             <a:pPr marL="0" indent="0">
               <a:buNone/>
             </a:pPr>
+            <a:r>
+              <a:rPr lang="en-US" b="1" dirty="0"/>
+              <a:t>2. Accessing Parent Class </a:t>
+            </a:r>
+            <a:r>
+              <a:rPr lang="en-US" b="1" dirty="0">
+                <a:solidFill>
+                  <a:srgbClr val="C00000"/>
+                </a:solidFill>
+              </a:rPr>
+              <a:t>Methods</a:t>
+            </a:r>
+            <a:r>
+              <a:rPr lang="en-US" b="1" dirty="0"/>
+              <a:t>:</a:t>
+            </a:r>
+          </a:p>
+          <a:p>
+            <a:pPr marL="0" indent="0">
+              <a:buNone/>
+            </a:pPr>
+            <a:r>
+              <a:rPr lang="en-US" dirty="0"/>
+              <a:t>super can be used to call a method from the parent class that has been overridden in the child class.</a:t>
+            </a:r>
+          </a:p>
+          <a:p>
+            <a:pPr marL="0" indent="0">
+              <a:buNone/>
+            </a:pPr>
+            <a:r>
+              <a:rPr lang="en-US" b="1" dirty="0"/>
+              <a:t>Example</a:t>
+            </a:r>
+            <a:r>
+              <a:rPr lang="en-US" dirty="0"/>
+              <a:t>:</a:t>
+            </a:r>
+          </a:p>
+          <a:p>
+            <a:pPr marL="0" indent="0">
+              <a:buNone/>
+            </a:pPr>
             <a:endParaRPr lang="en-IN" dirty="0"/>
           </a:p>
         </p:txBody>
       </p:sp>
+      <p:pic>
+        <p:nvPicPr>
+          <p:cNvPr id="4" name="Picture 3" descr="A computer screen with text on it&#10;&#10;Description automatically generated">
+            <a:extLst>
+              <a:ext uri="{FF2B5EF4-FFF2-40B4-BE49-F238E27FC236}">
+                <a16:creationId xmlns:a16="http://schemas.microsoft.com/office/drawing/2014/main" id="{C1318523-B8EB-3357-9469-02B118A50233}"/>
+              </a:ext>
+            </a:extLst>
+          </p:cNvPr>
+          <p:cNvPicPr>
+            <a:picLocks noChangeAspect="1"/>
+          </p:cNvPicPr>
+          <p:nvPr/>
+        </p:nvPicPr>
+        <p:blipFill>
+          <a:blip r:embed="rId2">
+            <a:extLst>
+              <a:ext uri="{28A0092B-C50C-407E-A947-70E740481C1C}">
+                <a14:useLocalDpi xmlns:a14="http://schemas.microsoft.com/office/drawing/2010/main" val="0"/>
+              </a:ext>
+            </a:extLst>
+          </a:blip>
+          <a:stretch>
+            <a:fillRect/>
+          </a:stretch>
+        </p:blipFill>
+        <p:spPr>
+          <a:xfrm>
+            <a:off x="1962469" y="1629211"/>
+            <a:ext cx="8443992" cy="5045152"/>
+          </a:xfrm>
+          <a:prstGeom prst="rect">
+            <a:avLst/>
+          </a:prstGeom>
+        </p:spPr>
+      </p:pic>
     </p:spTree>
     <p:extLst>
       <p:ext uri="{BB962C8B-B14F-4D97-AF65-F5344CB8AC3E}">
-        <p14:creationId xmlns:p14="http://schemas.microsoft.com/office/powerpoint/2010/main" val="786770016"/>
+        <p14:creationId xmlns:p14="http://schemas.microsoft.com/office/powerpoint/2010/main" val="1723617941"/>
       </p:ext>
     </p:extLst>
   </p:cSld>
@@ -8026,7 +8979,7 @@
         </p:nvSpPr>
         <p:spPr>
           <a:xfrm>
-            <a:off x="631722" y="508102"/>
+            <a:off x="333548" y="180111"/>
             <a:ext cx="10803193" cy="5646891"/>
           </a:xfrm>
         </p:spPr>
@@ -8037,14 +8990,76 @@
             <a:pPr marL="0" indent="0">
               <a:buNone/>
             </a:pPr>
-            <a:endParaRPr lang="en-IN" dirty="0"/>
-          </a:p>
-        </p:txBody>
-      </p:sp>
+            <a:r>
+              <a:rPr lang="en-US" b="1" dirty="0"/>
+              <a:t>3. Accessing Parent Class Fields:</a:t>
+            </a:r>
+          </a:p>
+          <a:p>
+            <a:pPr marL="0" indent="0">
+              <a:buNone/>
+            </a:pPr>
+            <a:r>
+              <a:rPr lang="en-US" dirty="0"/>
+              <a:t>If a field in a subclass hides a field in its superclass, super can be used to refer to the superclass's field.</a:t>
+            </a:r>
+          </a:p>
+          <a:p>
+            <a:pPr marL="0" indent="0">
+              <a:buNone/>
+            </a:pPr>
+            <a:r>
+              <a:rPr lang="en-US" b="1" dirty="0"/>
+              <a:t>Example:</a:t>
+            </a:r>
+          </a:p>
+          <a:p>
+            <a:pPr marL="0" indent="0">
+              <a:buNone/>
+            </a:pPr>
+            <a:endParaRPr lang="en-IN" b="1" dirty="0"/>
+          </a:p>
+        </p:txBody>
+      </p:sp>
+      <p:pic>
+        <p:nvPicPr>
+          <p:cNvPr id="5" name="Picture 4" descr="A screen shot of a computer program&#10;&#10;Description automatically generated">
+            <a:extLst>
+              <a:ext uri="{FF2B5EF4-FFF2-40B4-BE49-F238E27FC236}">
+                <a16:creationId xmlns:a16="http://schemas.microsoft.com/office/drawing/2014/main" id="{1F7FEC46-3E42-5CFD-90E6-B8B13759E01A}"/>
+              </a:ext>
+            </a:extLst>
+          </p:cNvPr>
+          <p:cNvPicPr>
+            <a:picLocks noChangeAspect="1"/>
+          </p:cNvPicPr>
+          <p:nvPr/>
+        </p:nvPicPr>
+        <p:blipFill rotWithShape="1">
+          <a:blip r:embed="rId2">
+            <a:extLst>
+              <a:ext uri="{28A0092B-C50C-407E-A947-70E740481C1C}">
+                <a14:useLocalDpi xmlns:a14="http://schemas.microsoft.com/office/drawing/2010/main" val="0"/>
+              </a:ext>
+            </a:extLst>
+          </a:blip>
+          <a:srcRect l="4135" t="6856" r="4203" b="7023"/>
+          <a:stretch/>
+        </p:blipFill>
+        <p:spPr>
+          <a:xfrm>
+            <a:off x="1928190" y="1559236"/>
+            <a:ext cx="8905461" cy="5118653"/>
+          </a:xfrm>
+          <a:prstGeom prst="rect">
+            <a:avLst/>
+          </a:prstGeom>
+        </p:spPr>
+      </p:pic>
     </p:spTree>
     <p:extLst>
       <p:ext uri="{BB962C8B-B14F-4D97-AF65-F5344CB8AC3E}">
-        <p14:creationId xmlns:p14="http://schemas.microsoft.com/office/powerpoint/2010/main" val="2324516305"/>
+        <p14:creationId xmlns:p14="http://schemas.microsoft.com/office/powerpoint/2010/main" val="429140455"/>
       </p:ext>
     </p:extLst>
   </p:cSld>
@@ -8055,258 +9070,6 @@
 </file>
 
 <file path=ppt/slides/slide4.xml><?xml version="1.0" encoding="utf-8"?>
-<p:sld xmlns:a="http://schemas.openxmlformats.org/drawingml/2006/main" xmlns:r="http://schemas.openxmlformats.org/officeDocument/2006/relationships" xmlns:p="http://schemas.openxmlformats.org/presentationml/2006/main">
-  <p:cSld>
-    <p:spTree>
-      <p:nvGrpSpPr>
-        <p:cNvPr id="1" name=""/>
-        <p:cNvGrpSpPr/>
-        <p:nvPr/>
-      </p:nvGrpSpPr>
-      <p:grpSpPr>
-        <a:xfrm>
-          <a:off x="0" y="0"/>
-          <a:ext cx="0" cy="0"/>
-          <a:chOff x="0" y="0"/>
-          <a:chExt cx="0" cy="0"/>
-        </a:xfrm>
-      </p:grpSpPr>
-      <p:sp>
-        <p:nvSpPr>
-          <p:cNvPr id="3" name="Content Placeholder 2">
-            <a:extLst>
-              <a:ext uri="{FF2B5EF4-FFF2-40B4-BE49-F238E27FC236}">
-                <a16:creationId xmlns:a16="http://schemas.microsoft.com/office/drawing/2014/main" id="{E42FB284-DAF2-8CB9-9090-285BF2A5822E}"/>
-              </a:ext>
-            </a:extLst>
-          </p:cNvPr>
-          <p:cNvSpPr>
-            <a:spLocks noGrp="1"/>
-          </p:cNvSpPr>
-          <p:nvPr>
-            <p:ph idx="1"/>
-          </p:nvPr>
-        </p:nvSpPr>
-        <p:spPr>
-          <a:xfrm>
-            <a:off x="631722" y="508102"/>
-            <a:ext cx="10803193" cy="5646891"/>
-          </a:xfrm>
-        </p:spPr>
-        <p:txBody>
-          <a:bodyPr/>
-          <a:lstStyle/>
-          <a:p>
-            <a:pPr marL="0" indent="0">
-              <a:buNone/>
-            </a:pPr>
-            <a:r>
-              <a:rPr lang="en-US" b="1" dirty="0">
-                <a:solidFill>
-                  <a:srgbClr val="C00000"/>
-                </a:solidFill>
-              </a:rPr>
-              <a:t>Method Overloading:</a:t>
-            </a:r>
-          </a:p>
-          <a:p>
-            <a:pPr marL="0" indent="0">
-              <a:buNone/>
-            </a:pPr>
-            <a:r>
-              <a:rPr lang="en-US" b="1" dirty="0"/>
-              <a:t>Definition:</a:t>
-            </a:r>
-            <a:r>
-              <a:rPr lang="en-US" dirty="0"/>
-              <a:t> Method overloading occurs when two or more methods in the same class have the same name but differ in the number or type of parameters.</a:t>
-            </a:r>
-          </a:p>
-          <a:p>
-            <a:pPr marL="0" indent="0">
-              <a:buNone/>
-            </a:pPr>
-            <a:r>
-              <a:rPr lang="en-US" b="1" dirty="0"/>
-              <a:t>Key Points:</a:t>
-            </a:r>
-            <a:endParaRPr lang="en-US" dirty="0"/>
-          </a:p>
-          <a:p>
-            <a:pPr marL="742950" lvl="1" indent="-285750">
-              <a:buFont typeface="Arial" panose="020B0604020202020204" pitchFamily="34" charset="0"/>
-              <a:buChar char="•"/>
-            </a:pPr>
-            <a:r>
-              <a:rPr lang="en-US" dirty="0"/>
-              <a:t>Methods must have different parameter lists (either in </a:t>
-            </a:r>
-            <a:r>
-              <a:rPr lang="en-US" b="1" dirty="0">
-                <a:solidFill>
-                  <a:srgbClr val="C00000"/>
-                </a:solidFill>
-              </a:rPr>
-              <a:t>number</a:t>
-            </a:r>
-            <a:r>
-              <a:rPr lang="en-US" dirty="0"/>
-              <a:t>, </a:t>
-            </a:r>
-            <a:r>
-              <a:rPr lang="en-US" b="1" dirty="0">
-                <a:solidFill>
-                  <a:srgbClr val="C00000"/>
-                </a:solidFill>
-              </a:rPr>
-              <a:t>type</a:t>
-            </a:r>
-            <a:r>
-              <a:rPr lang="en-US" dirty="0"/>
-              <a:t>, or </a:t>
-            </a:r>
-            <a:r>
-              <a:rPr lang="en-US" b="1" dirty="0">
-                <a:solidFill>
-                  <a:srgbClr val="C00000"/>
-                </a:solidFill>
-              </a:rPr>
-              <a:t>order</a:t>
-            </a:r>
-            <a:r>
-              <a:rPr lang="en-US" dirty="0"/>
-              <a:t> </a:t>
-            </a:r>
-            <a:r>
-              <a:rPr lang="en-US" b="1" dirty="0">
-                <a:solidFill>
-                  <a:srgbClr val="C00000"/>
-                </a:solidFill>
-              </a:rPr>
-              <a:t>of</a:t>
-            </a:r>
-            <a:r>
-              <a:rPr lang="en-US" dirty="0"/>
-              <a:t> </a:t>
-            </a:r>
-            <a:r>
-              <a:rPr lang="en-US" b="1" dirty="0">
-                <a:solidFill>
-                  <a:srgbClr val="C00000"/>
-                </a:solidFill>
-              </a:rPr>
-              <a:t>parameters</a:t>
-            </a:r>
-            <a:r>
-              <a:rPr lang="en-US" dirty="0"/>
-              <a:t>).</a:t>
-            </a:r>
-          </a:p>
-          <a:p>
-            <a:pPr marL="742950" lvl="1" indent="-285750">
-              <a:buFont typeface="Arial" panose="020B0604020202020204" pitchFamily="34" charset="0"/>
-              <a:buChar char="•"/>
-            </a:pPr>
-            <a:r>
-              <a:rPr lang="en-US" dirty="0"/>
-              <a:t>The return type can be the same or different, but it doesn't influence overloading.</a:t>
-            </a:r>
-          </a:p>
-          <a:p>
-            <a:pPr marL="742950" lvl="1" indent="-285750">
-              <a:buFont typeface="Arial" panose="020B0604020202020204" pitchFamily="34" charset="0"/>
-              <a:buChar char="•"/>
-            </a:pPr>
-            <a:r>
-              <a:rPr lang="en-US" dirty="0"/>
-              <a:t>Overloading enhances code readability and reusability.</a:t>
-            </a:r>
-          </a:p>
-          <a:p>
-            <a:pPr marL="0" indent="0">
-              <a:buNone/>
-            </a:pPr>
-            <a:endParaRPr lang="en-IN" dirty="0"/>
-          </a:p>
-        </p:txBody>
-      </p:sp>
-    </p:spTree>
-    <p:extLst>
-      <p:ext uri="{BB962C8B-B14F-4D97-AF65-F5344CB8AC3E}">
-        <p14:creationId xmlns:p14="http://schemas.microsoft.com/office/powerpoint/2010/main" val="694671666"/>
-      </p:ext>
-    </p:extLst>
-  </p:cSld>
-  <p:clrMapOvr>
-    <a:masterClrMapping/>
-  </p:clrMapOvr>
-</p:sld>
-</file>
-
-<file path=ppt/slides/slide40.xml><?xml version="1.0" encoding="utf-8"?>
-<p:sld xmlns:a="http://schemas.openxmlformats.org/drawingml/2006/main" xmlns:r="http://schemas.openxmlformats.org/officeDocument/2006/relationships" xmlns:p="http://schemas.openxmlformats.org/presentationml/2006/main">
-  <p:cSld>
-    <p:spTree>
-      <p:nvGrpSpPr>
-        <p:cNvPr id="1" name=""/>
-        <p:cNvGrpSpPr/>
-        <p:nvPr/>
-      </p:nvGrpSpPr>
-      <p:grpSpPr>
-        <a:xfrm>
-          <a:off x="0" y="0"/>
-          <a:ext cx="0" cy="0"/>
-          <a:chOff x="0" y="0"/>
-          <a:chExt cx="0" cy="0"/>
-        </a:xfrm>
-      </p:grpSpPr>
-      <p:sp>
-        <p:nvSpPr>
-          <p:cNvPr id="3" name="Content Placeholder 2">
-            <a:extLst>
-              <a:ext uri="{FF2B5EF4-FFF2-40B4-BE49-F238E27FC236}">
-                <a16:creationId xmlns:a16="http://schemas.microsoft.com/office/drawing/2014/main" id="{E42FB284-DAF2-8CB9-9090-285BF2A5822E}"/>
-              </a:ext>
-            </a:extLst>
-          </p:cNvPr>
-          <p:cNvSpPr>
-            <a:spLocks noGrp="1"/>
-          </p:cNvSpPr>
-          <p:nvPr>
-            <p:ph idx="1"/>
-          </p:nvPr>
-        </p:nvSpPr>
-        <p:spPr>
-          <a:xfrm>
-            <a:off x="631722" y="508102"/>
-            <a:ext cx="10803193" cy="5646891"/>
-          </a:xfrm>
-        </p:spPr>
-        <p:txBody>
-          <a:bodyPr/>
-          <a:lstStyle/>
-          <a:p>
-            <a:pPr marL="0" indent="0">
-              <a:buNone/>
-            </a:pPr>
-            <a:endParaRPr lang="en-IN" dirty="0"/>
-          </a:p>
-        </p:txBody>
-      </p:sp>
-    </p:spTree>
-    <p:extLst>
-      <p:ext uri="{BB962C8B-B14F-4D97-AF65-F5344CB8AC3E}">
-        <p14:creationId xmlns:p14="http://schemas.microsoft.com/office/powerpoint/2010/main" val="629586107"/>
-      </p:ext>
-    </p:extLst>
-  </p:cSld>
-  <p:clrMapOvr>
-    <a:masterClrMapping/>
-  </p:clrMapOvr>
-</p:sld>
-</file>
-
-<file path=ppt/slides/slide5.xml><?xml version="1.0" encoding="utf-8"?>
 <p:sld xmlns:a="http://schemas.openxmlformats.org/drawingml/2006/main" xmlns:r="http://schemas.openxmlformats.org/officeDocument/2006/relationships" xmlns:p="http://schemas.openxmlformats.org/presentationml/2006/main">
   <p:cSld>
     <p:bg>
@@ -8484,7 +9247,7 @@
 </p:sld>
 </file>
 
-<file path=ppt/slides/slide6.xml><?xml version="1.0" encoding="utf-8"?>
+<file path=ppt/slides/slide40.xml><?xml version="1.0" encoding="utf-8"?>
 <p:sld xmlns:a="http://schemas.openxmlformats.org/drawingml/2006/main" xmlns:r="http://schemas.openxmlformats.org/officeDocument/2006/relationships" xmlns:p="http://schemas.openxmlformats.org/presentationml/2006/main">
   <p:cSld>
     <p:spTree>
@@ -8519,6 +9282,1055 @@
         </p:nvSpPr>
         <p:spPr>
           <a:xfrm>
+            <a:off x="710381" y="1520824"/>
+            <a:ext cx="11068664" cy="2638221"/>
+          </a:xfrm>
+        </p:spPr>
+        <p:txBody>
+          <a:bodyPr>
+            <a:normAutofit/>
+          </a:bodyPr>
+          <a:lstStyle/>
+          <a:p>
+            <a:pPr marL="0" indent="0">
+              <a:buNone/>
+            </a:pPr>
+            <a:r>
+              <a:rPr lang="en-US" sz="4000" b="1" dirty="0"/>
+              <a:t>Preventing inheritance:</a:t>
+            </a:r>
+          </a:p>
+          <a:p>
+            <a:pPr marL="0" indent="0">
+              <a:buNone/>
+            </a:pPr>
+            <a:r>
+              <a:rPr lang="en-US" sz="3200" b="1" dirty="0">
+                <a:solidFill>
+                  <a:srgbClr val="C00000"/>
+                </a:solidFill>
+              </a:rPr>
+              <a:t>final</a:t>
+            </a:r>
+            <a:r>
+              <a:rPr lang="en-US" sz="3200" b="1" dirty="0"/>
+              <a:t> Keyword:</a:t>
+            </a:r>
+          </a:p>
+          <a:p>
+            <a:pPr marL="0" indent="0">
+              <a:buNone/>
+            </a:pPr>
+            <a:r>
+              <a:rPr lang="en-US" sz="3200" dirty="0"/>
+              <a:t>In Java, the final keyword can be applied to </a:t>
+            </a:r>
+            <a:r>
+              <a:rPr lang="en-US" sz="3200" b="1" dirty="0">
+                <a:solidFill>
+                  <a:srgbClr val="C00000"/>
+                </a:solidFill>
+              </a:rPr>
+              <a:t>classes</a:t>
+            </a:r>
+            <a:r>
+              <a:rPr lang="en-US" sz="3200" dirty="0"/>
+              <a:t> and </a:t>
+            </a:r>
+            <a:r>
+              <a:rPr lang="en-US" sz="3200" b="1" dirty="0">
+                <a:solidFill>
+                  <a:srgbClr val="C00000"/>
+                </a:solidFill>
+              </a:rPr>
+              <a:t>methods</a:t>
+            </a:r>
+            <a:r>
+              <a:rPr lang="en-US" sz="3200" dirty="0"/>
+              <a:t> to restrict their usage or modification. </a:t>
+            </a:r>
+          </a:p>
+          <a:p>
+            <a:pPr marL="0" indent="0">
+              <a:buNone/>
+            </a:pPr>
+            <a:endParaRPr lang="en-IN" sz="3200" dirty="0"/>
+          </a:p>
+        </p:txBody>
+      </p:sp>
+    </p:spTree>
+    <p:extLst>
+      <p:ext uri="{BB962C8B-B14F-4D97-AF65-F5344CB8AC3E}">
+        <p14:creationId xmlns:p14="http://schemas.microsoft.com/office/powerpoint/2010/main" val="1104994087"/>
+      </p:ext>
+    </p:extLst>
+  </p:cSld>
+  <p:clrMapOvr>
+    <a:masterClrMapping/>
+  </p:clrMapOvr>
+</p:sld>
+</file>
+
+<file path=ppt/slides/slide41.xml><?xml version="1.0" encoding="utf-8"?>
+<p:sld xmlns:a="http://schemas.openxmlformats.org/drawingml/2006/main" xmlns:r="http://schemas.openxmlformats.org/officeDocument/2006/relationships" xmlns:p="http://schemas.openxmlformats.org/presentationml/2006/main">
+  <p:cSld>
+    <p:spTree>
+      <p:nvGrpSpPr>
+        <p:cNvPr id="1" name=""/>
+        <p:cNvGrpSpPr/>
+        <p:nvPr/>
+      </p:nvGrpSpPr>
+      <p:grpSpPr>
+        <a:xfrm>
+          <a:off x="0" y="0"/>
+          <a:ext cx="0" cy="0"/>
+          <a:chOff x="0" y="0"/>
+          <a:chExt cx="0" cy="0"/>
+        </a:xfrm>
+      </p:grpSpPr>
+      <p:sp>
+        <p:nvSpPr>
+          <p:cNvPr id="3" name="Content Placeholder 2">
+            <a:extLst>
+              <a:ext uri="{FF2B5EF4-FFF2-40B4-BE49-F238E27FC236}">
+                <a16:creationId xmlns:a16="http://schemas.microsoft.com/office/drawing/2014/main" id="{E42FB284-DAF2-8CB9-9090-285BF2A5822E}"/>
+              </a:ext>
+            </a:extLst>
+          </p:cNvPr>
+          <p:cNvSpPr>
+            <a:spLocks noGrp="1"/>
+          </p:cNvSpPr>
+          <p:nvPr>
+            <p:ph idx="1"/>
+          </p:nvPr>
+        </p:nvSpPr>
+        <p:spPr>
+          <a:xfrm>
+            <a:off x="412956" y="363794"/>
+            <a:ext cx="11021960" cy="5791199"/>
+          </a:xfrm>
+        </p:spPr>
+        <p:txBody>
+          <a:bodyPr/>
+          <a:lstStyle/>
+          <a:p>
+            <a:pPr marL="514350" indent="-514350">
+              <a:buAutoNum type="arabicPeriod"/>
+            </a:pPr>
+            <a:r>
+              <a:rPr lang="en-US" b="1" dirty="0">
+                <a:solidFill>
+                  <a:srgbClr val="C00000"/>
+                </a:solidFill>
+              </a:rPr>
+              <a:t>final</a:t>
+            </a:r>
+            <a:r>
+              <a:rPr lang="en-US" b="1" dirty="0"/>
+              <a:t> Classes:</a:t>
+            </a:r>
+          </a:p>
+          <a:p>
+            <a:pPr marL="0" indent="0">
+              <a:buNone/>
+            </a:pPr>
+            <a:r>
+              <a:rPr lang="en-US" dirty="0"/>
+              <a:t>A </a:t>
+            </a:r>
+            <a:r>
+              <a:rPr lang="en-US" b="1" dirty="0"/>
+              <a:t>final class</a:t>
+            </a:r>
+            <a:r>
+              <a:rPr lang="en-US" dirty="0"/>
+              <a:t> is a class that cannot be subclassed or extended. This is useful when you want to prevent other classes from inheriting your class, ensuring that its implementation remains unchanged.</a:t>
+            </a:r>
+          </a:p>
+          <a:p>
+            <a:pPr marL="0" indent="0">
+              <a:buNone/>
+            </a:pPr>
+            <a:r>
+              <a:rPr lang="en-US" b="1" dirty="0"/>
+              <a:t>Example:</a:t>
+            </a:r>
+          </a:p>
+          <a:p>
+            <a:pPr marL="0" indent="0">
+              <a:buNone/>
+            </a:pPr>
+            <a:endParaRPr lang="en-US" b="1" dirty="0"/>
+          </a:p>
+          <a:p>
+            <a:pPr marL="0" indent="0">
+              <a:buNone/>
+            </a:pPr>
+            <a:endParaRPr lang="en-IN" dirty="0"/>
+          </a:p>
+        </p:txBody>
+      </p:sp>
+      <p:pic>
+        <p:nvPicPr>
+          <p:cNvPr id="4" name="Picture 3" descr="A computer screen shot of a program code&#10;&#10;Description automatically generated">
+            <a:extLst>
+              <a:ext uri="{FF2B5EF4-FFF2-40B4-BE49-F238E27FC236}">
+                <a16:creationId xmlns:a16="http://schemas.microsoft.com/office/drawing/2014/main" id="{CE88B966-CE18-AA5D-6DB7-CC01335A48B5}"/>
+              </a:ext>
+            </a:extLst>
+          </p:cNvPr>
+          <p:cNvPicPr>
+            <a:picLocks noChangeAspect="1"/>
+          </p:cNvPicPr>
+          <p:nvPr/>
+        </p:nvPicPr>
+        <p:blipFill rotWithShape="1">
+          <a:blip r:embed="rId2">
+            <a:extLst>
+              <a:ext uri="{28A0092B-C50C-407E-A947-70E740481C1C}">
+                <a14:useLocalDpi xmlns:a14="http://schemas.microsoft.com/office/drawing/2010/main" val="0"/>
+              </a:ext>
+            </a:extLst>
+          </a:blip>
+          <a:srcRect l="3387" t="8244" r="3387" b="8670"/>
+          <a:stretch/>
+        </p:blipFill>
+        <p:spPr>
+          <a:xfrm>
+            <a:off x="954156" y="2743199"/>
+            <a:ext cx="10904401" cy="3737880"/>
+          </a:xfrm>
+          <a:prstGeom prst="rect">
+            <a:avLst/>
+          </a:prstGeom>
+        </p:spPr>
+      </p:pic>
+    </p:spTree>
+    <p:extLst>
+      <p:ext uri="{BB962C8B-B14F-4D97-AF65-F5344CB8AC3E}">
+        <p14:creationId xmlns:p14="http://schemas.microsoft.com/office/powerpoint/2010/main" val="2044243795"/>
+      </p:ext>
+    </p:extLst>
+  </p:cSld>
+  <p:clrMapOvr>
+    <a:masterClrMapping/>
+  </p:clrMapOvr>
+</p:sld>
+</file>
+
+<file path=ppt/slides/slide42.xml><?xml version="1.0" encoding="utf-8"?>
+<p:sld xmlns:a="http://schemas.openxmlformats.org/drawingml/2006/main" xmlns:r="http://schemas.openxmlformats.org/officeDocument/2006/relationships" xmlns:p="http://schemas.openxmlformats.org/presentationml/2006/main">
+  <p:cSld>
+    <p:spTree>
+      <p:nvGrpSpPr>
+        <p:cNvPr id="1" name=""/>
+        <p:cNvGrpSpPr/>
+        <p:nvPr/>
+      </p:nvGrpSpPr>
+      <p:grpSpPr>
+        <a:xfrm>
+          <a:off x="0" y="0"/>
+          <a:ext cx="0" cy="0"/>
+          <a:chOff x="0" y="0"/>
+          <a:chExt cx="0" cy="0"/>
+        </a:xfrm>
+      </p:grpSpPr>
+      <p:sp>
+        <p:nvSpPr>
+          <p:cNvPr id="3" name="Content Placeholder 2">
+            <a:extLst>
+              <a:ext uri="{FF2B5EF4-FFF2-40B4-BE49-F238E27FC236}">
+                <a16:creationId xmlns:a16="http://schemas.microsoft.com/office/drawing/2014/main" id="{E42FB284-DAF2-8CB9-9090-285BF2A5822E}"/>
+              </a:ext>
+            </a:extLst>
+          </p:cNvPr>
+          <p:cNvSpPr>
+            <a:spLocks noGrp="1"/>
+          </p:cNvSpPr>
+          <p:nvPr>
+            <p:ph idx="1"/>
+          </p:nvPr>
+        </p:nvSpPr>
+        <p:spPr>
+          <a:xfrm>
+            <a:off x="631722" y="508102"/>
+            <a:ext cx="10803193" cy="5646891"/>
+          </a:xfrm>
+        </p:spPr>
+        <p:txBody>
+          <a:bodyPr/>
+          <a:lstStyle/>
+          <a:p>
+            <a:pPr marL="0" indent="0">
+              <a:buNone/>
+            </a:pPr>
+            <a:r>
+              <a:rPr lang="en-US" b="1" dirty="0">
+                <a:solidFill>
+                  <a:srgbClr val="C00000"/>
+                </a:solidFill>
+              </a:rPr>
+              <a:t>final</a:t>
+            </a:r>
+            <a:r>
+              <a:rPr lang="en-US" b="1" dirty="0"/>
+              <a:t> Methods:</a:t>
+            </a:r>
+          </a:p>
+          <a:p>
+            <a:pPr marL="0" indent="0">
+              <a:buNone/>
+            </a:pPr>
+            <a:r>
+              <a:rPr lang="en-US" dirty="0"/>
+              <a:t>A </a:t>
+            </a:r>
+            <a:r>
+              <a:rPr lang="en-US" b="1" dirty="0"/>
+              <a:t>final method</a:t>
+            </a:r>
+            <a:r>
+              <a:rPr lang="en-US" dirty="0"/>
+              <a:t> is a method that cannot be </a:t>
+            </a:r>
+            <a:r>
+              <a:rPr lang="en-US" b="1" dirty="0">
+                <a:solidFill>
+                  <a:srgbClr val="C00000"/>
+                </a:solidFill>
+              </a:rPr>
+              <a:t>overridden by subclasses</a:t>
+            </a:r>
+            <a:r>
+              <a:rPr lang="en-US" dirty="0"/>
+              <a:t>. This is useful when you want to ensure that a method's implementation remains unchanged in any subclass.</a:t>
+            </a:r>
+          </a:p>
+          <a:p>
+            <a:pPr marL="0" indent="0">
+              <a:buNone/>
+            </a:pPr>
+            <a:r>
+              <a:rPr lang="en-US" b="1" dirty="0"/>
+              <a:t>Syntax:</a:t>
+            </a:r>
+          </a:p>
+          <a:p>
+            <a:pPr marL="0" indent="0">
+              <a:buNone/>
+            </a:pPr>
+            <a:endParaRPr lang="en-IN" dirty="0"/>
+          </a:p>
+        </p:txBody>
+      </p:sp>
+      <p:pic>
+        <p:nvPicPr>
+          <p:cNvPr id="4" name="Picture 3" descr="A screen shot of a computer program&#10;&#10;Description automatically generated">
+            <a:extLst>
+              <a:ext uri="{FF2B5EF4-FFF2-40B4-BE49-F238E27FC236}">
+                <a16:creationId xmlns:a16="http://schemas.microsoft.com/office/drawing/2014/main" id="{A88EFEF4-BF02-E144-3287-B530D6EB78DB}"/>
+              </a:ext>
+            </a:extLst>
+          </p:cNvPr>
+          <p:cNvPicPr>
+            <a:picLocks noChangeAspect="1"/>
+          </p:cNvPicPr>
+          <p:nvPr/>
+        </p:nvPicPr>
+        <p:blipFill>
+          <a:blip r:embed="rId2">
+            <a:extLst>
+              <a:ext uri="{28A0092B-C50C-407E-A947-70E740481C1C}">
+                <a14:useLocalDpi xmlns:a14="http://schemas.microsoft.com/office/drawing/2010/main" val="0"/>
+              </a:ext>
+            </a:extLst>
+          </a:blip>
+          <a:stretch>
+            <a:fillRect/>
+          </a:stretch>
+        </p:blipFill>
+        <p:spPr>
+          <a:xfrm>
+            <a:off x="2032726" y="2830213"/>
+            <a:ext cx="9002703" cy="3668910"/>
+          </a:xfrm>
+          <a:prstGeom prst="rect">
+            <a:avLst/>
+          </a:prstGeom>
+        </p:spPr>
+      </p:pic>
+    </p:spTree>
+    <p:extLst>
+      <p:ext uri="{BB962C8B-B14F-4D97-AF65-F5344CB8AC3E}">
+        <p14:creationId xmlns:p14="http://schemas.microsoft.com/office/powerpoint/2010/main" val="786770016"/>
+      </p:ext>
+    </p:extLst>
+  </p:cSld>
+  <p:clrMapOvr>
+    <a:masterClrMapping/>
+  </p:clrMapOvr>
+</p:sld>
+</file>
+
+<file path=ppt/slides/slide43.xml><?xml version="1.0" encoding="utf-8"?>
+<p:sld xmlns:a="http://schemas.openxmlformats.org/drawingml/2006/main" xmlns:r="http://schemas.openxmlformats.org/officeDocument/2006/relationships" xmlns:p="http://schemas.openxmlformats.org/presentationml/2006/main">
+  <p:cSld>
+    <p:spTree>
+      <p:nvGrpSpPr>
+        <p:cNvPr id="1" name=""/>
+        <p:cNvGrpSpPr/>
+        <p:nvPr/>
+      </p:nvGrpSpPr>
+      <p:grpSpPr>
+        <a:xfrm>
+          <a:off x="0" y="0"/>
+          <a:ext cx="0" cy="0"/>
+          <a:chOff x="0" y="0"/>
+          <a:chExt cx="0" cy="0"/>
+        </a:xfrm>
+      </p:grpSpPr>
+      <p:sp>
+        <p:nvSpPr>
+          <p:cNvPr id="3" name="Content Placeholder 2">
+            <a:extLst>
+              <a:ext uri="{FF2B5EF4-FFF2-40B4-BE49-F238E27FC236}">
+                <a16:creationId xmlns:a16="http://schemas.microsoft.com/office/drawing/2014/main" id="{E42FB284-DAF2-8CB9-9090-285BF2A5822E}"/>
+              </a:ext>
+            </a:extLst>
+          </p:cNvPr>
+          <p:cNvSpPr>
+            <a:spLocks noGrp="1"/>
+          </p:cNvSpPr>
+          <p:nvPr>
+            <p:ph idx="1"/>
+          </p:nvPr>
+        </p:nvSpPr>
+        <p:spPr>
+          <a:xfrm>
+            <a:off x="631722" y="508102"/>
+            <a:ext cx="10803193" cy="5646891"/>
+          </a:xfrm>
+        </p:spPr>
+        <p:txBody>
+          <a:bodyPr/>
+          <a:lstStyle/>
+          <a:p>
+            <a:pPr marL="0" indent="0">
+              <a:buNone/>
+            </a:pPr>
+            <a:r>
+              <a:rPr lang="en-US" b="1" dirty="0"/>
+              <a:t>Example:</a:t>
+            </a:r>
+          </a:p>
+          <a:p>
+            <a:pPr marL="0" indent="0">
+              <a:buNone/>
+            </a:pPr>
+            <a:endParaRPr lang="en-IN" b="1" dirty="0"/>
+          </a:p>
+        </p:txBody>
+      </p:sp>
+      <p:pic>
+        <p:nvPicPr>
+          <p:cNvPr id="6" name="Picture 5" descr="A screen shot of a computer program&#10;&#10;Description automatically generated">
+            <a:extLst>
+              <a:ext uri="{FF2B5EF4-FFF2-40B4-BE49-F238E27FC236}">
+                <a16:creationId xmlns:a16="http://schemas.microsoft.com/office/drawing/2014/main" id="{7408E760-C0EC-776D-C49B-998893252D6B}"/>
+              </a:ext>
+            </a:extLst>
+          </p:cNvPr>
+          <p:cNvPicPr>
+            <a:picLocks noChangeAspect="1"/>
+          </p:cNvPicPr>
+          <p:nvPr/>
+        </p:nvPicPr>
+        <p:blipFill rotWithShape="1">
+          <a:blip r:embed="rId2">
+            <a:extLst>
+              <a:ext uri="{28A0092B-C50C-407E-A947-70E740481C1C}">
+                <a14:useLocalDpi xmlns:a14="http://schemas.microsoft.com/office/drawing/2010/main" val="0"/>
+              </a:ext>
+            </a:extLst>
+          </a:blip>
+          <a:srcRect l="2731" t="7193" r="2901" b="6982"/>
+          <a:stretch/>
+        </p:blipFill>
+        <p:spPr>
+          <a:xfrm>
+            <a:off x="200256" y="1276658"/>
+            <a:ext cx="11757393" cy="4199803"/>
+          </a:xfrm>
+          <a:prstGeom prst="rect">
+            <a:avLst/>
+          </a:prstGeom>
+        </p:spPr>
+      </p:pic>
+    </p:spTree>
+    <p:extLst>
+      <p:ext uri="{BB962C8B-B14F-4D97-AF65-F5344CB8AC3E}">
+        <p14:creationId xmlns:p14="http://schemas.microsoft.com/office/powerpoint/2010/main" val="2324516305"/>
+      </p:ext>
+    </p:extLst>
+  </p:cSld>
+  <p:clrMapOvr>
+    <a:masterClrMapping/>
+  </p:clrMapOvr>
+</p:sld>
+</file>
+
+<file path=ppt/slides/slide44.xml><?xml version="1.0" encoding="utf-8"?>
+<p:sld xmlns:a="http://schemas.openxmlformats.org/drawingml/2006/main" xmlns:r="http://schemas.openxmlformats.org/officeDocument/2006/relationships" xmlns:p="http://schemas.openxmlformats.org/presentationml/2006/main">
+  <p:cSld>
+    <p:spTree>
+      <p:nvGrpSpPr>
+        <p:cNvPr id="1" name=""/>
+        <p:cNvGrpSpPr/>
+        <p:nvPr/>
+      </p:nvGrpSpPr>
+      <p:grpSpPr>
+        <a:xfrm>
+          <a:off x="0" y="0"/>
+          <a:ext cx="0" cy="0"/>
+          <a:chOff x="0" y="0"/>
+          <a:chExt cx="0" cy="0"/>
+        </a:xfrm>
+      </p:grpSpPr>
+      <p:sp>
+        <p:nvSpPr>
+          <p:cNvPr id="3" name="Content Placeholder 2">
+            <a:extLst>
+              <a:ext uri="{FF2B5EF4-FFF2-40B4-BE49-F238E27FC236}">
+                <a16:creationId xmlns:a16="http://schemas.microsoft.com/office/drawing/2014/main" id="{B4FE8E85-8426-4AB7-AD5A-5C275C24FF8D}"/>
+              </a:ext>
+            </a:extLst>
+          </p:cNvPr>
+          <p:cNvSpPr>
+            <a:spLocks noGrp="1"/>
+          </p:cNvSpPr>
+          <p:nvPr>
+            <p:ph idx="1"/>
+          </p:nvPr>
+        </p:nvSpPr>
+        <p:spPr>
+          <a:xfrm>
+            <a:off x="786581" y="609600"/>
+            <a:ext cx="10833919" cy="5567363"/>
+          </a:xfrm>
+        </p:spPr>
+        <p:txBody>
+          <a:bodyPr>
+            <a:normAutofit fontScale="92500" lnSpcReduction="10000"/>
+          </a:bodyPr>
+          <a:lstStyle/>
+          <a:p>
+            <a:pPr marL="0" indent="0">
+              <a:buNone/>
+            </a:pPr>
+            <a:r>
+              <a:rPr lang="en-US" b="1" dirty="0">
+                <a:solidFill>
+                  <a:schemeClr val="tx2"/>
+                </a:solidFill>
+              </a:rPr>
+              <a:t>Module-2: </a:t>
+            </a:r>
+            <a:r>
+              <a:rPr lang="en-US" b="1" dirty="0">
+                <a:solidFill>
+                  <a:srgbClr val="C00000"/>
+                </a:solidFill>
+              </a:rPr>
+              <a:t>MULTIPLE INHERITANCE </a:t>
+            </a:r>
+            <a:endParaRPr lang="en-IN" b="1" dirty="0">
+              <a:solidFill>
+                <a:srgbClr val="C00000"/>
+              </a:solidFill>
+            </a:endParaRPr>
+          </a:p>
+          <a:p>
+            <a:pPr marL="0" indent="0">
+              <a:buNone/>
+            </a:pPr>
+            <a:r>
+              <a:rPr lang="en-US" b="1" dirty="0"/>
+              <a:t>Inheritance: Inheritance hierarchies, super and subclasses</a:t>
+            </a:r>
+            <a:r>
+              <a:rPr lang="en-US" dirty="0"/>
+              <a:t>, member access rules, </a:t>
+            </a:r>
+            <a:r>
+              <a:rPr lang="en-US" b="1" dirty="0"/>
+              <a:t>super keyword</a:t>
+            </a:r>
+            <a:r>
+              <a:rPr lang="en-US" dirty="0"/>
+              <a:t>, </a:t>
+            </a:r>
+          </a:p>
+          <a:p>
+            <a:pPr marL="0" indent="0">
+              <a:buNone/>
+            </a:pPr>
+            <a:r>
+              <a:rPr lang="en-US" b="1" dirty="0"/>
+              <a:t>Preventing inheritance: final classes and methods</a:t>
+            </a:r>
+            <a:r>
+              <a:rPr lang="en-US" dirty="0"/>
+              <a:t>, the object class and its methods. </a:t>
+            </a:r>
+          </a:p>
+          <a:p>
+            <a:pPr marL="0" indent="0">
+              <a:buNone/>
+            </a:pPr>
+            <a:r>
+              <a:rPr lang="en-US" b="1" dirty="0"/>
+              <a:t>Polymorphism:</a:t>
+            </a:r>
+            <a:r>
+              <a:rPr lang="en-US" dirty="0"/>
+              <a:t> dynamic binding, method overriding abstract classes and methods.</a:t>
+            </a:r>
+          </a:p>
+          <a:p>
+            <a:pPr marL="0" indent="0">
+              <a:buNone/>
+            </a:pPr>
+            <a:endParaRPr lang="en-US" dirty="0"/>
+          </a:p>
+          <a:p>
+            <a:pPr marL="0" indent="0">
+              <a:buNone/>
+            </a:pPr>
+            <a:r>
+              <a:rPr lang="en-US" b="1" dirty="0">
+                <a:solidFill>
+                  <a:schemeClr val="tx2"/>
+                </a:solidFill>
+              </a:rPr>
+              <a:t>Module-3: </a:t>
+            </a:r>
+            <a:r>
+              <a:rPr lang="en-IN" b="1" dirty="0">
+                <a:solidFill>
+                  <a:srgbClr val="C00000"/>
+                </a:solidFill>
+              </a:rPr>
+              <a:t>INTERFACES AND PACKAGES</a:t>
+            </a:r>
+            <a:endParaRPr lang="en-US" b="1" dirty="0">
+              <a:solidFill>
+                <a:srgbClr val="C00000"/>
+              </a:solidFill>
+            </a:endParaRPr>
+          </a:p>
+          <a:p>
+            <a:pPr marL="0" indent="0">
+              <a:buNone/>
+            </a:pPr>
+            <a:r>
+              <a:rPr lang="en-IN" b="1" dirty="0"/>
+              <a:t>Interface: </a:t>
+            </a:r>
+            <a:r>
+              <a:rPr lang="en-IN" dirty="0"/>
+              <a:t>Interfaces VS Abstract classes, defining an interface, implement interfaces accessing implementations through interface references, extending interface. </a:t>
+            </a:r>
+          </a:p>
+          <a:p>
+            <a:pPr marL="0" indent="0">
+              <a:buNone/>
+            </a:pPr>
+            <a:r>
+              <a:rPr lang="en-IN" b="1" dirty="0"/>
+              <a:t>Packages: </a:t>
+            </a:r>
+            <a:r>
+              <a:rPr lang="en-IN" dirty="0"/>
+              <a:t>Defining creating and accessing a package, understanding CLASSPATH, importing packages</a:t>
+            </a:r>
+          </a:p>
+          <a:p>
+            <a:pPr marL="0" indent="0">
+              <a:buNone/>
+            </a:pPr>
+            <a:endParaRPr lang="en-US" dirty="0"/>
+          </a:p>
+          <a:p>
+            <a:pPr marL="0" indent="0">
+              <a:buNone/>
+            </a:pPr>
+            <a:endParaRPr lang="en-US" dirty="0"/>
+          </a:p>
+        </p:txBody>
+      </p:sp>
+    </p:spTree>
+    <p:extLst>
+      <p:ext uri="{BB962C8B-B14F-4D97-AF65-F5344CB8AC3E}">
+        <p14:creationId xmlns:p14="http://schemas.microsoft.com/office/powerpoint/2010/main" val="1851906442"/>
+      </p:ext>
+    </p:extLst>
+  </p:cSld>
+  <p:clrMapOvr>
+    <a:masterClrMapping/>
+  </p:clrMapOvr>
+</p:sld>
+</file>
+
+<file path=ppt/slides/slide45.xml><?xml version="1.0" encoding="utf-8"?>
+<p:sld xmlns:a="http://schemas.openxmlformats.org/drawingml/2006/main" xmlns:r="http://schemas.openxmlformats.org/officeDocument/2006/relationships" xmlns:p="http://schemas.openxmlformats.org/presentationml/2006/main">
+  <p:cSld>
+    <p:spTree>
+      <p:nvGrpSpPr>
+        <p:cNvPr id="1" name=""/>
+        <p:cNvGrpSpPr/>
+        <p:nvPr/>
+      </p:nvGrpSpPr>
+      <p:grpSpPr>
+        <a:xfrm>
+          <a:off x="0" y="0"/>
+          <a:ext cx="0" cy="0"/>
+          <a:chOff x="0" y="0"/>
+          <a:chExt cx="0" cy="0"/>
+        </a:xfrm>
+      </p:grpSpPr>
+      <p:sp>
+        <p:nvSpPr>
+          <p:cNvPr id="3" name="Content Placeholder 2">
+            <a:extLst>
+              <a:ext uri="{FF2B5EF4-FFF2-40B4-BE49-F238E27FC236}">
+                <a16:creationId xmlns:a16="http://schemas.microsoft.com/office/drawing/2014/main" id="{E42FB284-DAF2-8CB9-9090-285BF2A5822E}"/>
+              </a:ext>
+            </a:extLst>
+          </p:cNvPr>
+          <p:cNvSpPr>
+            <a:spLocks noGrp="1"/>
+          </p:cNvSpPr>
+          <p:nvPr>
+            <p:ph idx="1"/>
+          </p:nvPr>
+        </p:nvSpPr>
+        <p:spPr>
+          <a:xfrm>
+            <a:off x="631722" y="508102"/>
+            <a:ext cx="10803193" cy="5646891"/>
+          </a:xfrm>
+        </p:spPr>
+        <p:txBody>
+          <a:bodyPr/>
+          <a:lstStyle/>
+          <a:p>
+            <a:pPr marL="0" indent="0">
+              <a:buNone/>
+            </a:pPr>
+            <a:endParaRPr lang="en-IN" dirty="0"/>
+          </a:p>
+        </p:txBody>
+      </p:sp>
+    </p:spTree>
+    <p:extLst>
+      <p:ext uri="{BB962C8B-B14F-4D97-AF65-F5344CB8AC3E}">
+        <p14:creationId xmlns:p14="http://schemas.microsoft.com/office/powerpoint/2010/main" val="629586107"/>
+      </p:ext>
+    </p:extLst>
+  </p:cSld>
+  <p:clrMapOvr>
+    <a:masterClrMapping/>
+  </p:clrMapOvr>
+</p:sld>
+</file>
+
+<file path=ppt/slides/slide46.xml><?xml version="1.0" encoding="utf-8"?>
+<p:sld xmlns:a="http://schemas.openxmlformats.org/drawingml/2006/main" xmlns:r="http://schemas.openxmlformats.org/officeDocument/2006/relationships" xmlns:p="http://schemas.openxmlformats.org/presentationml/2006/main">
+  <p:cSld>
+    <p:spTree>
+      <p:nvGrpSpPr>
+        <p:cNvPr id="1" name=""/>
+        <p:cNvGrpSpPr/>
+        <p:nvPr/>
+      </p:nvGrpSpPr>
+      <p:grpSpPr>
+        <a:xfrm>
+          <a:off x="0" y="0"/>
+          <a:ext cx="0" cy="0"/>
+          <a:chOff x="0" y="0"/>
+          <a:chExt cx="0" cy="0"/>
+        </a:xfrm>
+      </p:grpSpPr>
+      <p:sp>
+        <p:nvSpPr>
+          <p:cNvPr id="3" name="Content Placeholder 2">
+            <a:extLst>
+              <a:ext uri="{FF2B5EF4-FFF2-40B4-BE49-F238E27FC236}">
+                <a16:creationId xmlns:a16="http://schemas.microsoft.com/office/drawing/2014/main" id="{E42FB284-DAF2-8CB9-9090-285BF2A5822E}"/>
+              </a:ext>
+            </a:extLst>
+          </p:cNvPr>
+          <p:cNvSpPr>
+            <a:spLocks noGrp="1"/>
+          </p:cNvSpPr>
+          <p:nvPr>
+            <p:ph idx="1"/>
+          </p:nvPr>
+        </p:nvSpPr>
+        <p:spPr>
+          <a:xfrm>
+            <a:off x="631722" y="508102"/>
+            <a:ext cx="10803193" cy="5646891"/>
+          </a:xfrm>
+        </p:spPr>
+        <p:txBody>
+          <a:bodyPr/>
+          <a:lstStyle/>
+          <a:p>
+            <a:pPr marL="0" indent="0">
+              <a:buNone/>
+            </a:pPr>
+            <a:endParaRPr lang="en-IN" dirty="0"/>
+          </a:p>
+        </p:txBody>
+      </p:sp>
+    </p:spTree>
+    <p:extLst>
+      <p:ext uri="{BB962C8B-B14F-4D97-AF65-F5344CB8AC3E}">
+        <p14:creationId xmlns:p14="http://schemas.microsoft.com/office/powerpoint/2010/main" val="1851530638"/>
+      </p:ext>
+    </p:extLst>
+  </p:cSld>
+  <p:clrMapOvr>
+    <a:masterClrMapping/>
+  </p:clrMapOvr>
+</p:sld>
+</file>
+
+<file path=ppt/slides/slide47.xml><?xml version="1.0" encoding="utf-8"?>
+<p:sld xmlns:a="http://schemas.openxmlformats.org/drawingml/2006/main" xmlns:r="http://schemas.openxmlformats.org/officeDocument/2006/relationships" xmlns:p="http://schemas.openxmlformats.org/presentationml/2006/main">
+  <p:cSld>
+    <p:spTree>
+      <p:nvGrpSpPr>
+        <p:cNvPr id="1" name=""/>
+        <p:cNvGrpSpPr/>
+        <p:nvPr/>
+      </p:nvGrpSpPr>
+      <p:grpSpPr>
+        <a:xfrm>
+          <a:off x="0" y="0"/>
+          <a:ext cx="0" cy="0"/>
+          <a:chOff x="0" y="0"/>
+          <a:chExt cx="0" cy="0"/>
+        </a:xfrm>
+      </p:grpSpPr>
+      <p:sp>
+        <p:nvSpPr>
+          <p:cNvPr id="3" name="Content Placeholder 2">
+            <a:extLst>
+              <a:ext uri="{FF2B5EF4-FFF2-40B4-BE49-F238E27FC236}">
+                <a16:creationId xmlns:a16="http://schemas.microsoft.com/office/drawing/2014/main" id="{E42FB284-DAF2-8CB9-9090-285BF2A5822E}"/>
+              </a:ext>
+            </a:extLst>
+          </p:cNvPr>
+          <p:cNvSpPr>
+            <a:spLocks noGrp="1"/>
+          </p:cNvSpPr>
+          <p:nvPr>
+            <p:ph idx="1"/>
+          </p:nvPr>
+        </p:nvSpPr>
+        <p:spPr>
+          <a:xfrm>
+            <a:off x="631722" y="508102"/>
+            <a:ext cx="10803193" cy="5646891"/>
+          </a:xfrm>
+        </p:spPr>
+        <p:txBody>
+          <a:bodyPr/>
+          <a:lstStyle/>
+          <a:p>
+            <a:pPr marL="0" indent="0">
+              <a:buNone/>
+            </a:pPr>
+            <a:endParaRPr lang="en-IN" dirty="0"/>
+          </a:p>
+        </p:txBody>
+      </p:sp>
+    </p:spTree>
+    <p:extLst>
+      <p:ext uri="{BB962C8B-B14F-4D97-AF65-F5344CB8AC3E}">
+        <p14:creationId xmlns:p14="http://schemas.microsoft.com/office/powerpoint/2010/main" val="3524844079"/>
+      </p:ext>
+    </p:extLst>
+  </p:cSld>
+  <p:clrMapOvr>
+    <a:masterClrMapping/>
+  </p:clrMapOvr>
+</p:sld>
+</file>
+
+<file path=ppt/slides/slide48.xml><?xml version="1.0" encoding="utf-8"?>
+<p:sld xmlns:a="http://schemas.openxmlformats.org/drawingml/2006/main" xmlns:r="http://schemas.openxmlformats.org/officeDocument/2006/relationships" xmlns:p="http://schemas.openxmlformats.org/presentationml/2006/main">
+  <p:cSld>
+    <p:spTree>
+      <p:nvGrpSpPr>
+        <p:cNvPr id="1" name=""/>
+        <p:cNvGrpSpPr/>
+        <p:nvPr/>
+      </p:nvGrpSpPr>
+      <p:grpSpPr>
+        <a:xfrm>
+          <a:off x="0" y="0"/>
+          <a:ext cx="0" cy="0"/>
+          <a:chOff x="0" y="0"/>
+          <a:chExt cx="0" cy="0"/>
+        </a:xfrm>
+      </p:grpSpPr>
+      <p:sp>
+        <p:nvSpPr>
+          <p:cNvPr id="3" name="Content Placeholder 2">
+            <a:extLst>
+              <a:ext uri="{FF2B5EF4-FFF2-40B4-BE49-F238E27FC236}">
+                <a16:creationId xmlns:a16="http://schemas.microsoft.com/office/drawing/2014/main" id="{E42FB284-DAF2-8CB9-9090-285BF2A5822E}"/>
+              </a:ext>
+            </a:extLst>
+          </p:cNvPr>
+          <p:cNvSpPr>
+            <a:spLocks noGrp="1"/>
+          </p:cNvSpPr>
+          <p:nvPr>
+            <p:ph idx="1"/>
+          </p:nvPr>
+        </p:nvSpPr>
+        <p:spPr>
+          <a:xfrm>
+            <a:off x="631722" y="508102"/>
+            <a:ext cx="10803193" cy="5646891"/>
+          </a:xfrm>
+        </p:spPr>
+        <p:txBody>
+          <a:bodyPr/>
+          <a:lstStyle/>
+          <a:p>
+            <a:pPr marL="0" indent="0">
+              <a:buNone/>
+            </a:pPr>
+            <a:endParaRPr lang="en-IN" dirty="0"/>
+          </a:p>
+        </p:txBody>
+      </p:sp>
+    </p:spTree>
+    <p:extLst>
+      <p:ext uri="{BB962C8B-B14F-4D97-AF65-F5344CB8AC3E}">
+        <p14:creationId xmlns:p14="http://schemas.microsoft.com/office/powerpoint/2010/main" val="3931334818"/>
+      </p:ext>
+    </p:extLst>
+  </p:cSld>
+  <p:clrMapOvr>
+    <a:masterClrMapping/>
+  </p:clrMapOvr>
+</p:sld>
+</file>
+
+<file path=ppt/slides/slide49.xml><?xml version="1.0" encoding="utf-8"?>
+<p:sld xmlns:a="http://schemas.openxmlformats.org/drawingml/2006/main" xmlns:r="http://schemas.openxmlformats.org/officeDocument/2006/relationships" xmlns:p="http://schemas.openxmlformats.org/presentationml/2006/main">
+  <p:cSld>
+    <p:spTree>
+      <p:nvGrpSpPr>
+        <p:cNvPr id="1" name=""/>
+        <p:cNvGrpSpPr/>
+        <p:nvPr/>
+      </p:nvGrpSpPr>
+      <p:grpSpPr>
+        <a:xfrm>
+          <a:off x="0" y="0"/>
+          <a:ext cx="0" cy="0"/>
+          <a:chOff x="0" y="0"/>
+          <a:chExt cx="0" cy="0"/>
+        </a:xfrm>
+      </p:grpSpPr>
+      <p:sp>
+        <p:nvSpPr>
+          <p:cNvPr id="3" name="Content Placeholder 2">
+            <a:extLst>
+              <a:ext uri="{FF2B5EF4-FFF2-40B4-BE49-F238E27FC236}">
+                <a16:creationId xmlns:a16="http://schemas.microsoft.com/office/drawing/2014/main" id="{E42FB284-DAF2-8CB9-9090-285BF2A5822E}"/>
+              </a:ext>
+            </a:extLst>
+          </p:cNvPr>
+          <p:cNvSpPr>
+            <a:spLocks noGrp="1"/>
+          </p:cNvSpPr>
+          <p:nvPr>
+            <p:ph idx="1"/>
+          </p:nvPr>
+        </p:nvSpPr>
+        <p:spPr>
+          <a:xfrm>
+            <a:off x="631722" y="508102"/>
+            <a:ext cx="10803193" cy="5646891"/>
+          </a:xfrm>
+        </p:spPr>
+        <p:txBody>
+          <a:bodyPr/>
+          <a:lstStyle/>
+          <a:p>
+            <a:pPr marL="0" indent="0">
+              <a:buNone/>
+            </a:pPr>
+            <a:endParaRPr lang="en-IN" dirty="0"/>
+          </a:p>
+        </p:txBody>
+      </p:sp>
+    </p:spTree>
+    <p:extLst>
+      <p:ext uri="{BB962C8B-B14F-4D97-AF65-F5344CB8AC3E}">
+        <p14:creationId xmlns:p14="http://schemas.microsoft.com/office/powerpoint/2010/main" val="1902812414"/>
+      </p:ext>
+    </p:extLst>
+  </p:cSld>
+  <p:clrMapOvr>
+    <a:masterClrMapping/>
+  </p:clrMapOvr>
+</p:sld>
+</file>
+
+<file path=ppt/slides/slide5.xml><?xml version="1.0" encoding="utf-8"?>
+<p:sld xmlns:a="http://schemas.openxmlformats.org/drawingml/2006/main" xmlns:r="http://schemas.openxmlformats.org/officeDocument/2006/relationships" xmlns:p="http://schemas.openxmlformats.org/presentationml/2006/main">
+  <p:cSld>
+    <p:spTree>
+      <p:nvGrpSpPr>
+        <p:cNvPr id="1" name=""/>
+        <p:cNvGrpSpPr/>
+        <p:nvPr/>
+      </p:nvGrpSpPr>
+      <p:grpSpPr>
+        <a:xfrm>
+          <a:off x="0" y="0"/>
+          <a:ext cx="0" cy="0"/>
+          <a:chOff x="0" y="0"/>
+          <a:chExt cx="0" cy="0"/>
+        </a:xfrm>
+      </p:grpSpPr>
+      <p:sp>
+        <p:nvSpPr>
+          <p:cNvPr id="3" name="Content Placeholder 2">
+            <a:extLst>
+              <a:ext uri="{FF2B5EF4-FFF2-40B4-BE49-F238E27FC236}">
+                <a16:creationId xmlns:a16="http://schemas.microsoft.com/office/drawing/2014/main" id="{E42FB284-DAF2-8CB9-9090-285BF2A5822E}"/>
+              </a:ext>
+            </a:extLst>
+          </p:cNvPr>
+          <p:cNvSpPr>
+            <a:spLocks noGrp="1"/>
+          </p:cNvSpPr>
+          <p:nvPr>
+            <p:ph idx="1"/>
+          </p:nvPr>
+        </p:nvSpPr>
+        <p:spPr>
+          <a:xfrm>
             <a:off x="631722" y="508102"/>
             <a:ext cx="10803193" cy="5646891"/>
           </a:xfrm>
@@ -8715,7 +10527,385 @@
 </p:sld>
 </file>
 
-<file path=ppt/slides/slide7.xml><?xml version="1.0" encoding="utf-8"?>
+<file path=ppt/slides/slide50.xml><?xml version="1.0" encoding="utf-8"?>
+<p:sld xmlns:a="http://schemas.openxmlformats.org/drawingml/2006/main" xmlns:r="http://schemas.openxmlformats.org/officeDocument/2006/relationships" xmlns:p="http://schemas.openxmlformats.org/presentationml/2006/main">
+  <p:cSld>
+    <p:spTree>
+      <p:nvGrpSpPr>
+        <p:cNvPr id="1" name=""/>
+        <p:cNvGrpSpPr/>
+        <p:nvPr/>
+      </p:nvGrpSpPr>
+      <p:grpSpPr>
+        <a:xfrm>
+          <a:off x="0" y="0"/>
+          <a:ext cx="0" cy="0"/>
+          <a:chOff x="0" y="0"/>
+          <a:chExt cx="0" cy="0"/>
+        </a:xfrm>
+      </p:grpSpPr>
+      <p:sp>
+        <p:nvSpPr>
+          <p:cNvPr id="3" name="Content Placeholder 2">
+            <a:extLst>
+              <a:ext uri="{FF2B5EF4-FFF2-40B4-BE49-F238E27FC236}">
+                <a16:creationId xmlns:a16="http://schemas.microsoft.com/office/drawing/2014/main" id="{E42FB284-DAF2-8CB9-9090-285BF2A5822E}"/>
+              </a:ext>
+            </a:extLst>
+          </p:cNvPr>
+          <p:cNvSpPr>
+            <a:spLocks noGrp="1"/>
+          </p:cNvSpPr>
+          <p:nvPr>
+            <p:ph idx="1"/>
+          </p:nvPr>
+        </p:nvSpPr>
+        <p:spPr>
+          <a:xfrm>
+            <a:off x="631722" y="508102"/>
+            <a:ext cx="10803193" cy="5646891"/>
+          </a:xfrm>
+        </p:spPr>
+        <p:txBody>
+          <a:bodyPr/>
+          <a:lstStyle/>
+          <a:p>
+            <a:pPr marL="0" indent="0">
+              <a:buNone/>
+            </a:pPr>
+            <a:endParaRPr lang="en-IN" dirty="0"/>
+          </a:p>
+        </p:txBody>
+      </p:sp>
+    </p:spTree>
+    <p:extLst>
+      <p:ext uri="{BB962C8B-B14F-4D97-AF65-F5344CB8AC3E}">
+        <p14:creationId xmlns:p14="http://schemas.microsoft.com/office/powerpoint/2010/main" val="2367894735"/>
+      </p:ext>
+    </p:extLst>
+  </p:cSld>
+  <p:clrMapOvr>
+    <a:masterClrMapping/>
+  </p:clrMapOvr>
+</p:sld>
+</file>
+
+<file path=ppt/slides/slide51.xml><?xml version="1.0" encoding="utf-8"?>
+<p:sld xmlns:a="http://schemas.openxmlformats.org/drawingml/2006/main" xmlns:r="http://schemas.openxmlformats.org/officeDocument/2006/relationships" xmlns:p="http://schemas.openxmlformats.org/presentationml/2006/main">
+  <p:cSld>
+    <p:spTree>
+      <p:nvGrpSpPr>
+        <p:cNvPr id="1" name=""/>
+        <p:cNvGrpSpPr/>
+        <p:nvPr/>
+      </p:nvGrpSpPr>
+      <p:grpSpPr>
+        <a:xfrm>
+          <a:off x="0" y="0"/>
+          <a:ext cx="0" cy="0"/>
+          <a:chOff x="0" y="0"/>
+          <a:chExt cx="0" cy="0"/>
+        </a:xfrm>
+      </p:grpSpPr>
+      <p:sp>
+        <p:nvSpPr>
+          <p:cNvPr id="3" name="Content Placeholder 2">
+            <a:extLst>
+              <a:ext uri="{FF2B5EF4-FFF2-40B4-BE49-F238E27FC236}">
+                <a16:creationId xmlns:a16="http://schemas.microsoft.com/office/drawing/2014/main" id="{E42FB284-DAF2-8CB9-9090-285BF2A5822E}"/>
+              </a:ext>
+            </a:extLst>
+          </p:cNvPr>
+          <p:cNvSpPr>
+            <a:spLocks noGrp="1"/>
+          </p:cNvSpPr>
+          <p:nvPr>
+            <p:ph idx="1"/>
+          </p:nvPr>
+        </p:nvSpPr>
+        <p:spPr>
+          <a:xfrm>
+            <a:off x="631722" y="508102"/>
+            <a:ext cx="10803193" cy="5646891"/>
+          </a:xfrm>
+        </p:spPr>
+        <p:txBody>
+          <a:bodyPr/>
+          <a:lstStyle/>
+          <a:p>
+            <a:pPr marL="0" indent="0">
+              <a:buNone/>
+            </a:pPr>
+            <a:endParaRPr lang="en-IN" dirty="0"/>
+          </a:p>
+        </p:txBody>
+      </p:sp>
+    </p:spTree>
+    <p:extLst>
+      <p:ext uri="{BB962C8B-B14F-4D97-AF65-F5344CB8AC3E}">
+        <p14:creationId xmlns:p14="http://schemas.microsoft.com/office/powerpoint/2010/main" val="1458084884"/>
+      </p:ext>
+    </p:extLst>
+  </p:cSld>
+  <p:clrMapOvr>
+    <a:masterClrMapping/>
+  </p:clrMapOvr>
+</p:sld>
+</file>
+
+<file path=ppt/slides/slide52.xml><?xml version="1.0" encoding="utf-8"?>
+<p:sld xmlns:a="http://schemas.openxmlformats.org/drawingml/2006/main" xmlns:r="http://schemas.openxmlformats.org/officeDocument/2006/relationships" xmlns:p="http://schemas.openxmlformats.org/presentationml/2006/main">
+  <p:cSld>
+    <p:spTree>
+      <p:nvGrpSpPr>
+        <p:cNvPr id="1" name=""/>
+        <p:cNvGrpSpPr/>
+        <p:nvPr/>
+      </p:nvGrpSpPr>
+      <p:grpSpPr>
+        <a:xfrm>
+          <a:off x="0" y="0"/>
+          <a:ext cx="0" cy="0"/>
+          <a:chOff x="0" y="0"/>
+          <a:chExt cx="0" cy="0"/>
+        </a:xfrm>
+      </p:grpSpPr>
+      <p:sp>
+        <p:nvSpPr>
+          <p:cNvPr id="3" name="Content Placeholder 2">
+            <a:extLst>
+              <a:ext uri="{FF2B5EF4-FFF2-40B4-BE49-F238E27FC236}">
+                <a16:creationId xmlns:a16="http://schemas.microsoft.com/office/drawing/2014/main" id="{E42FB284-DAF2-8CB9-9090-285BF2A5822E}"/>
+              </a:ext>
+            </a:extLst>
+          </p:cNvPr>
+          <p:cNvSpPr>
+            <a:spLocks noGrp="1"/>
+          </p:cNvSpPr>
+          <p:nvPr>
+            <p:ph idx="1"/>
+          </p:nvPr>
+        </p:nvSpPr>
+        <p:spPr>
+          <a:xfrm>
+            <a:off x="631722" y="508102"/>
+            <a:ext cx="10803193" cy="5646891"/>
+          </a:xfrm>
+        </p:spPr>
+        <p:txBody>
+          <a:bodyPr/>
+          <a:lstStyle/>
+          <a:p>
+            <a:pPr marL="0" indent="0">
+              <a:buNone/>
+            </a:pPr>
+            <a:endParaRPr lang="en-IN" dirty="0"/>
+          </a:p>
+        </p:txBody>
+      </p:sp>
+    </p:spTree>
+    <p:extLst>
+      <p:ext uri="{BB962C8B-B14F-4D97-AF65-F5344CB8AC3E}">
+        <p14:creationId xmlns:p14="http://schemas.microsoft.com/office/powerpoint/2010/main" val="2555973706"/>
+      </p:ext>
+    </p:extLst>
+  </p:cSld>
+  <p:clrMapOvr>
+    <a:masterClrMapping/>
+  </p:clrMapOvr>
+</p:sld>
+</file>
+
+<file path=ppt/slides/slide53.xml><?xml version="1.0" encoding="utf-8"?>
+<p:sld xmlns:a="http://schemas.openxmlformats.org/drawingml/2006/main" xmlns:r="http://schemas.openxmlformats.org/officeDocument/2006/relationships" xmlns:p="http://schemas.openxmlformats.org/presentationml/2006/main">
+  <p:cSld>
+    <p:spTree>
+      <p:nvGrpSpPr>
+        <p:cNvPr id="1" name=""/>
+        <p:cNvGrpSpPr/>
+        <p:nvPr/>
+      </p:nvGrpSpPr>
+      <p:grpSpPr>
+        <a:xfrm>
+          <a:off x="0" y="0"/>
+          <a:ext cx="0" cy="0"/>
+          <a:chOff x="0" y="0"/>
+          <a:chExt cx="0" cy="0"/>
+        </a:xfrm>
+      </p:grpSpPr>
+      <p:sp>
+        <p:nvSpPr>
+          <p:cNvPr id="3" name="Content Placeholder 2">
+            <a:extLst>
+              <a:ext uri="{FF2B5EF4-FFF2-40B4-BE49-F238E27FC236}">
+                <a16:creationId xmlns:a16="http://schemas.microsoft.com/office/drawing/2014/main" id="{E42FB284-DAF2-8CB9-9090-285BF2A5822E}"/>
+              </a:ext>
+            </a:extLst>
+          </p:cNvPr>
+          <p:cNvSpPr>
+            <a:spLocks noGrp="1"/>
+          </p:cNvSpPr>
+          <p:nvPr>
+            <p:ph idx="1"/>
+          </p:nvPr>
+        </p:nvSpPr>
+        <p:spPr>
+          <a:xfrm>
+            <a:off x="631722" y="508102"/>
+            <a:ext cx="10803193" cy="5646891"/>
+          </a:xfrm>
+        </p:spPr>
+        <p:txBody>
+          <a:bodyPr/>
+          <a:lstStyle/>
+          <a:p>
+            <a:pPr marL="0" indent="0">
+              <a:buNone/>
+            </a:pPr>
+            <a:endParaRPr lang="en-IN" dirty="0"/>
+          </a:p>
+        </p:txBody>
+      </p:sp>
+    </p:spTree>
+    <p:extLst>
+      <p:ext uri="{BB962C8B-B14F-4D97-AF65-F5344CB8AC3E}">
+        <p14:creationId xmlns:p14="http://schemas.microsoft.com/office/powerpoint/2010/main" val="1014240909"/>
+      </p:ext>
+    </p:extLst>
+  </p:cSld>
+  <p:clrMapOvr>
+    <a:masterClrMapping/>
+  </p:clrMapOvr>
+</p:sld>
+</file>
+
+<file path=ppt/slides/slide54.xml><?xml version="1.0" encoding="utf-8"?>
+<p:sld xmlns:a="http://schemas.openxmlformats.org/drawingml/2006/main" xmlns:r="http://schemas.openxmlformats.org/officeDocument/2006/relationships" xmlns:p="http://schemas.openxmlformats.org/presentationml/2006/main">
+  <p:cSld>
+    <p:spTree>
+      <p:nvGrpSpPr>
+        <p:cNvPr id="1" name=""/>
+        <p:cNvGrpSpPr/>
+        <p:nvPr/>
+      </p:nvGrpSpPr>
+      <p:grpSpPr>
+        <a:xfrm>
+          <a:off x="0" y="0"/>
+          <a:ext cx="0" cy="0"/>
+          <a:chOff x="0" y="0"/>
+          <a:chExt cx="0" cy="0"/>
+        </a:xfrm>
+      </p:grpSpPr>
+      <p:sp>
+        <p:nvSpPr>
+          <p:cNvPr id="3" name="Content Placeholder 2">
+            <a:extLst>
+              <a:ext uri="{FF2B5EF4-FFF2-40B4-BE49-F238E27FC236}">
+                <a16:creationId xmlns:a16="http://schemas.microsoft.com/office/drawing/2014/main" id="{E42FB284-DAF2-8CB9-9090-285BF2A5822E}"/>
+              </a:ext>
+            </a:extLst>
+          </p:cNvPr>
+          <p:cNvSpPr>
+            <a:spLocks noGrp="1"/>
+          </p:cNvSpPr>
+          <p:nvPr>
+            <p:ph idx="1"/>
+          </p:nvPr>
+        </p:nvSpPr>
+        <p:spPr>
+          <a:xfrm>
+            <a:off x="631722" y="508102"/>
+            <a:ext cx="10803193" cy="5646891"/>
+          </a:xfrm>
+        </p:spPr>
+        <p:txBody>
+          <a:bodyPr/>
+          <a:lstStyle/>
+          <a:p>
+            <a:pPr marL="0" indent="0">
+              <a:buNone/>
+            </a:pPr>
+            <a:endParaRPr lang="en-IN" dirty="0"/>
+          </a:p>
+        </p:txBody>
+      </p:sp>
+    </p:spTree>
+    <p:extLst>
+      <p:ext uri="{BB962C8B-B14F-4D97-AF65-F5344CB8AC3E}">
+        <p14:creationId xmlns:p14="http://schemas.microsoft.com/office/powerpoint/2010/main" val="2545896226"/>
+      </p:ext>
+    </p:extLst>
+  </p:cSld>
+  <p:clrMapOvr>
+    <a:masterClrMapping/>
+  </p:clrMapOvr>
+</p:sld>
+</file>
+
+<file path=ppt/slides/slide55.xml><?xml version="1.0" encoding="utf-8"?>
+<p:sld xmlns:a="http://schemas.openxmlformats.org/drawingml/2006/main" xmlns:r="http://schemas.openxmlformats.org/officeDocument/2006/relationships" xmlns:p="http://schemas.openxmlformats.org/presentationml/2006/main">
+  <p:cSld>
+    <p:spTree>
+      <p:nvGrpSpPr>
+        <p:cNvPr id="1" name=""/>
+        <p:cNvGrpSpPr/>
+        <p:nvPr/>
+      </p:nvGrpSpPr>
+      <p:grpSpPr>
+        <a:xfrm>
+          <a:off x="0" y="0"/>
+          <a:ext cx="0" cy="0"/>
+          <a:chOff x="0" y="0"/>
+          <a:chExt cx="0" cy="0"/>
+        </a:xfrm>
+      </p:grpSpPr>
+      <p:sp>
+        <p:nvSpPr>
+          <p:cNvPr id="3" name="Content Placeholder 2">
+            <a:extLst>
+              <a:ext uri="{FF2B5EF4-FFF2-40B4-BE49-F238E27FC236}">
+                <a16:creationId xmlns:a16="http://schemas.microsoft.com/office/drawing/2014/main" id="{E42FB284-DAF2-8CB9-9090-285BF2A5822E}"/>
+              </a:ext>
+            </a:extLst>
+          </p:cNvPr>
+          <p:cNvSpPr>
+            <a:spLocks noGrp="1"/>
+          </p:cNvSpPr>
+          <p:nvPr>
+            <p:ph idx="1"/>
+          </p:nvPr>
+        </p:nvSpPr>
+        <p:spPr>
+          <a:xfrm>
+            <a:off x="631722" y="508102"/>
+            <a:ext cx="10803193" cy="5646891"/>
+          </a:xfrm>
+        </p:spPr>
+        <p:txBody>
+          <a:bodyPr/>
+          <a:lstStyle/>
+          <a:p>
+            <a:pPr marL="0" indent="0">
+              <a:buNone/>
+            </a:pPr>
+            <a:endParaRPr lang="en-IN" dirty="0"/>
+          </a:p>
+        </p:txBody>
+      </p:sp>
+    </p:spTree>
+    <p:extLst>
+      <p:ext uri="{BB962C8B-B14F-4D97-AF65-F5344CB8AC3E}">
+        <p14:creationId xmlns:p14="http://schemas.microsoft.com/office/powerpoint/2010/main" val="1112322355"/>
+      </p:ext>
+    </p:extLst>
+  </p:cSld>
+  <p:clrMapOvr>
+    <a:masterClrMapping/>
+  </p:clrMapOvr>
+</p:sld>
+</file>
+
+<file path=ppt/slides/slide6.xml><?xml version="1.0" encoding="utf-8"?>
 <p:sld xmlns:a="http://schemas.openxmlformats.org/drawingml/2006/main" xmlns:r="http://schemas.openxmlformats.org/officeDocument/2006/relationships" xmlns:p="http://schemas.openxmlformats.org/presentationml/2006/main">
   <p:cSld>
     <p:bg>
@@ -8893,6 +11083,91 @@
 </p:sld>
 </file>
 
+<file path=ppt/slides/slide7.xml><?xml version="1.0" encoding="utf-8"?>
+<p:sld xmlns:a="http://schemas.openxmlformats.org/drawingml/2006/main" xmlns:r="http://schemas.openxmlformats.org/officeDocument/2006/relationships" xmlns:p="http://schemas.openxmlformats.org/presentationml/2006/main">
+  <p:cSld>
+    <p:spTree>
+      <p:nvGrpSpPr>
+        <p:cNvPr id="1" name=""/>
+        <p:cNvGrpSpPr/>
+        <p:nvPr/>
+      </p:nvGrpSpPr>
+      <p:grpSpPr>
+        <a:xfrm>
+          <a:off x="0" y="0"/>
+          <a:ext cx="0" cy="0"/>
+          <a:chOff x="0" y="0"/>
+          <a:chExt cx="0" cy="0"/>
+        </a:xfrm>
+      </p:grpSpPr>
+      <p:sp>
+        <p:nvSpPr>
+          <p:cNvPr id="3" name="Content Placeholder 2">
+            <a:extLst>
+              <a:ext uri="{FF2B5EF4-FFF2-40B4-BE49-F238E27FC236}">
+                <a16:creationId xmlns:a16="http://schemas.microsoft.com/office/drawing/2014/main" id="{E42FB284-DAF2-8CB9-9090-285BF2A5822E}"/>
+              </a:ext>
+            </a:extLst>
+          </p:cNvPr>
+          <p:cNvSpPr>
+            <a:spLocks noGrp="1"/>
+          </p:cNvSpPr>
+          <p:nvPr>
+            <p:ph idx="1"/>
+          </p:nvPr>
+        </p:nvSpPr>
+        <p:spPr>
+          <a:xfrm>
+            <a:off x="513735" y="2081264"/>
+            <a:ext cx="10803193" cy="1065059"/>
+          </a:xfrm>
+        </p:spPr>
+        <p:txBody>
+          <a:bodyPr>
+            <a:normAutofit lnSpcReduction="10000"/>
+          </a:bodyPr>
+          <a:lstStyle/>
+          <a:p>
+            <a:pPr marL="0" indent="0" algn="ctr">
+              <a:buNone/>
+            </a:pPr>
+            <a:r>
+              <a:rPr lang="en-US" sz="7200" b="1" dirty="0">
+                <a:solidFill>
+                  <a:schemeClr val="accent5">
+                    <a:lumMod val="75000"/>
+                  </a:schemeClr>
+                </a:solidFill>
+                <a:latin typeface="Times New Roman" panose="02020603050405020304" pitchFamily="18" charset="0"/>
+                <a:cs typeface="Times New Roman" panose="02020603050405020304" pitchFamily="18" charset="0"/>
+              </a:rPr>
+              <a:t>Run-Time Polymorphism</a:t>
+            </a:r>
+            <a:endParaRPr lang="en-IN" sz="7200" b="1" dirty="0">
+              <a:solidFill>
+                <a:schemeClr val="accent5">
+                  <a:lumMod val="75000"/>
+                </a:schemeClr>
+              </a:solidFill>
+              <a:latin typeface="Times New Roman" panose="02020603050405020304" pitchFamily="18" charset="0"/>
+              <a:cs typeface="Times New Roman" panose="02020603050405020304" pitchFamily="18" charset="0"/>
+            </a:endParaRPr>
+          </a:p>
+        </p:txBody>
+      </p:sp>
+    </p:spTree>
+    <p:extLst>
+      <p:ext uri="{BB962C8B-B14F-4D97-AF65-F5344CB8AC3E}">
+        <p14:creationId xmlns:p14="http://schemas.microsoft.com/office/powerpoint/2010/main" val="2186791249"/>
+      </p:ext>
+    </p:extLst>
+  </p:cSld>
+  <p:clrMapOvr>
+    <a:masterClrMapping/>
+  </p:clrMapOvr>
+</p:sld>
+</file>
+
 <file path=ppt/slides/slide8.xml><?xml version="1.0" encoding="utf-8"?>
 <p:sld xmlns:a="http://schemas.openxmlformats.org/drawingml/2006/main" xmlns:r="http://schemas.openxmlformats.org/officeDocument/2006/relationships" xmlns:p="http://schemas.openxmlformats.org/presentationml/2006/main">
   <p:cSld>
@@ -8928,12 +11203,14 @@
         </p:nvSpPr>
         <p:spPr>
           <a:xfrm>
-            <a:off x="631722" y="508102"/>
-            <a:ext cx="10803193" cy="5646891"/>
+            <a:off x="275303" y="226142"/>
+            <a:ext cx="11582399" cy="6449961"/>
           </a:xfrm>
         </p:spPr>
         <p:txBody>
-          <a:bodyPr/>
+          <a:bodyPr>
+            <a:normAutofit lnSpcReduction="10000"/>
+          </a:bodyPr>
           <a:lstStyle/>
           <a:p>
             <a:pPr marL="0" indent="0">
@@ -8945,46 +11222,137 @@
                   <a:srgbClr val="C00000"/>
                 </a:solidFill>
               </a:rPr>
-              <a:t>Garbage Collection:</a:t>
-            </a:r>
-          </a:p>
-          <a:p>
-            <a:pPr marL="0" indent="0">
-              <a:buNone/>
-            </a:pPr>
+              <a:t>Method overriding:</a:t>
+            </a:r>
+          </a:p>
+          <a:p>
+            <a:pPr marL="0" indent="0">
+              <a:buNone/>
+            </a:pPr>
+            <a:r>
+              <a:rPr lang="en-US" b="1" dirty="0"/>
+              <a:t>Method overriding </a:t>
+            </a:r>
+            <a:r>
+              <a:rPr lang="en-US" dirty="0"/>
+              <a:t>in Java is a feature that allows a subclass to provide a specific implementation of a method that is </a:t>
+            </a:r>
+            <a:r>
+              <a:rPr lang="en-US" b="1" dirty="0"/>
+              <a:t>already defined in its superclass</a:t>
+            </a:r>
+            <a:r>
+              <a:rPr lang="en-US" dirty="0"/>
+              <a:t>. This is used to achieve runtime polymorphism and enable the subclass to customize or enhance the behavior of the inherited method.</a:t>
+            </a:r>
+          </a:p>
+          <a:p>
+            <a:pPr marL="0" indent="0">
+              <a:buNone/>
+            </a:pPr>
+            <a:r>
+              <a:rPr lang="en-US" b="1" dirty="0"/>
+              <a:t>Key Points of Method Overriding:</a:t>
+            </a:r>
+          </a:p>
+          <a:p>
+            <a:pPr marL="514350" indent="-514350">
+              <a:buFont typeface="+mj-lt"/>
+              <a:buAutoNum type="arabicPeriod"/>
+            </a:pPr>
+            <a:r>
+              <a:rPr lang="en-US" b="1" dirty="0"/>
+              <a:t>Same Method Signature: </a:t>
+            </a:r>
+            <a:r>
+              <a:rPr lang="en-US" dirty="0"/>
+              <a:t>The overriding method in the subclass must have the same name, return type, and parameters as the method in the superclass.</a:t>
+            </a:r>
+          </a:p>
+          <a:p>
+            <a:pPr marL="514350" indent="-514350">
+              <a:buFont typeface="+mj-lt"/>
+              <a:buAutoNum type="arabicPeriod"/>
+            </a:pPr>
+            <a:r>
+              <a:rPr lang="en-US" b="1" dirty="0"/>
+              <a:t>Annotation: </a:t>
+            </a:r>
+            <a:r>
+              <a:rPr lang="en-US" dirty="0"/>
+              <a:t>The</a:t>
+            </a:r>
             <a:r>
               <a:rPr lang="en-US" b="1" dirty="0">
                 <a:solidFill>
                   <a:srgbClr val="C00000"/>
                 </a:solidFill>
               </a:rPr>
-              <a:t>I</a:t>
+              <a:t> @Override </a:t>
             </a:r>
             <a:r>
               <a:rPr lang="en-US" dirty="0"/>
-              <a:t>n Java is an </a:t>
+              <a:t>annotation is often used above the method in the subclass to indicate that it is overriding a method from its superclass (though it is </a:t>
             </a:r>
             <a:r>
               <a:rPr lang="en-US" b="1" dirty="0">
                 <a:solidFill>
-                  <a:schemeClr val="accent6">
-                    <a:lumMod val="75000"/>
-                  </a:schemeClr>
-                </a:solidFill>
-              </a:rPr>
-              <a:t>automatic memory management </a:t>
+                  <a:srgbClr val="C00000"/>
+                </a:solidFill>
+              </a:rPr>
+              <a:t>optional</a:t>
             </a:r>
             <a:r>
               <a:rPr lang="en-US" dirty="0"/>
-              <a:t>process that helps </a:t>
-            </a:r>
+              <a:t>).</a:t>
+            </a:r>
+          </a:p>
+          <a:p>
+            <a:pPr marL="514350" indent="-514350">
+              <a:buFont typeface="+mj-lt"/>
+              <a:buAutoNum type="arabicPeriod"/>
+            </a:pPr>
             <a:r>
               <a:rPr lang="en-US" b="1" dirty="0"/>
-              <a:t>reclaim memory occupied by objects that are no longer in use</a:t>
+              <a:t>Access Modifiers: </a:t>
             </a:r>
             <a:r>
               <a:rPr lang="en-US" dirty="0"/>
-              <a:t>, thus preventing memory leaks and optimizing the application’s performance.</a:t>
+              <a:t>The access level of the overriding method </a:t>
+            </a:r>
+            <a:r>
+              <a:rPr lang="en-US" b="1" dirty="0"/>
+              <a:t>cannot be more restrictive </a:t>
+            </a:r>
+            <a:r>
+              <a:rPr lang="en-US" dirty="0"/>
+              <a:t>than the overridden method.</a:t>
+            </a:r>
+          </a:p>
+          <a:p>
+            <a:pPr marL="514350" indent="-514350">
+              <a:buFont typeface="+mj-lt"/>
+              <a:buAutoNum type="arabicPeriod"/>
+            </a:pPr>
+            <a:r>
+              <a:rPr lang="en-US" b="1" dirty="0"/>
+              <a:t>Instance Methods Only: </a:t>
+            </a:r>
+            <a:r>
+              <a:rPr lang="en-US" dirty="0"/>
+              <a:t>Only instance methods (</a:t>
+            </a:r>
+            <a:r>
+              <a:rPr lang="en-US" b="1" dirty="0">
+                <a:solidFill>
+                  <a:srgbClr val="C00000"/>
+                </a:solidFill>
+              </a:rPr>
+              <a:t>non-static methods</a:t>
+            </a:r>
+            <a:r>
+              <a:rPr lang="en-US" dirty="0"/>
+              <a:t>) can be overridden. Static methods are not overridden but are hidden instead.</a:t>
             </a:r>
             <a:endParaRPr lang="en-IN" dirty="0"/>
           </a:p>
@@ -8993,7 +11361,7 @@
     </p:spTree>
     <p:extLst>
       <p:ext uri="{BB962C8B-B14F-4D97-AF65-F5344CB8AC3E}">
-        <p14:creationId xmlns:p14="http://schemas.microsoft.com/office/powerpoint/2010/main" val="2559507296"/>
+        <p14:creationId xmlns:p14="http://schemas.microsoft.com/office/powerpoint/2010/main" val="3794685912"/>
       </p:ext>
     </p:extLst>
   </p:cSld>
@@ -9038,112 +11406,69 @@
         </p:nvSpPr>
         <p:spPr>
           <a:xfrm>
-            <a:off x="370289" y="1466046"/>
-            <a:ext cx="11451421" cy="2398384"/>
+            <a:off x="1287704" y="716823"/>
+            <a:ext cx="1942513" cy="595141"/>
           </a:xfrm>
         </p:spPr>
         <p:txBody>
-          <a:bodyPr>
-            <a:normAutofit/>
-          </a:bodyPr>
+          <a:bodyPr/>
           <a:lstStyle/>
           <a:p>
             <a:pPr marL="0" indent="0">
               <a:buNone/>
             </a:pPr>
             <a:r>
-              <a:rPr lang="en-IN" sz="3600" b="1" dirty="0">
-                <a:solidFill>
-                  <a:srgbClr val="C00000"/>
-                </a:solidFill>
-              </a:rPr>
-              <a:t>Type conversion and Casting:</a:t>
-            </a:r>
-          </a:p>
-          <a:p>
-            <a:pPr marL="0" indent="0">
-              <a:buNone/>
-            </a:pPr>
-            <a:r>
-              <a:rPr lang="en-US" sz="3200" b="1" dirty="0"/>
-              <a:t>Type Conversion</a:t>
-            </a:r>
-            <a:r>
-              <a:rPr lang="en-US" sz="3200" dirty="0"/>
-              <a:t> and </a:t>
-            </a:r>
-            <a:r>
-              <a:rPr lang="en-US" sz="3200" b="1" dirty="0"/>
-              <a:t>Casting</a:t>
-            </a:r>
-            <a:r>
-              <a:rPr lang="en-US" sz="3200" dirty="0"/>
-              <a:t> in Java are processes that allow you to </a:t>
-            </a:r>
-            <a:r>
-              <a:rPr lang="en-US" sz="3200" b="1" dirty="0">
-                <a:solidFill>
-                  <a:srgbClr val="C00000"/>
-                </a:solidFill>
-              </a:rPr>
-              <a:t>convert one data type into another</a:t>
-            </a:r>
-            <a:r>
-              <a:rPr lang="en-US" sz="3200" dirty="0"/>
-              <a:t>. These operations are essential when you need to work with </a:t>
-            </a:r>
-            <a:r>
-              <a:rPr lang="en-US" sz="3200" b="1" dirty="0"/>
-              <a:t>different types of data together.</a:t>
-            </a:r>
-          </a:p>
-          <a:p>
-            <a:pPr marL="0" indent="0">
-              <a:buNone/>
-            </a:pPr>
-            <a:endParaRPr lang="en-IN" sz="3600" b="1" dirty="0"/>
-          </a:p>
-        </p:txBody>
-      </p:sp>
-      <p:sp>
-        <p:nvSpPr>
-          <p:cNvPr id="5" name="TextBox 4">
-            <a:extLst>
-              <a:ext uri="{FF2B5EF4-FFF2-40B4-BE49-F238E27FC236}">
-                <a16:creationId xmlns:a16="http://schemas.microsoft.com/office/drawing/2014/main" id="{4582E3AB-DCB3-1CAC-19D0-48B674C2F09C}"/>
-              </a:ext>
-            </a:extLst>
-          </p:cNvPr>
-          <p:cNvSpPr txBox="1"/>
+              <a:rPr lang="en-US" b="1" dirty="0"/>
+              <a:t>Example:</a:t>
+            </a:r>
+          </a:p>
+          <a:p>
+            <a:pPr marL="0" indent="0">
+              <a:buNone/>
+            </a:pPr>
+            <a:endParaRPr lang="en-IN" b="1" dirty="0"/>
+          </a:p>
+        </p:txBody>
+      </p:sp>
+      <p:pic>
+        <p:nvPicPr>
+          <p:cNvPr id="4" name="Picture 3" descr="A screen shot of a computer program&#10;&#10;Description automatically generated">
+            <a:extLst>
+              <a:ext uri="{FF2B5EF4-FFF2-40B4-BE49-F238E27FC236}">
+                <a16:creationId xmlns:a16="http://schemas.microsoft.com/office/drawing/2014/main" id="{68D88D4A-0A00-CB32-8552-2AF2B50F27BE}"/>
+              </a:ext>
+            </a:extLst>
+          </p:cNvPr>
+          <p:cNvPicPr>
+            <a:picLocks noChangeAspect="1"/>
+          </p:cNvPicPr>
           <p:nvPr/>
-        </p:nvSpPr>
+        </p:nvPicPr>
+        <p:blipFill rotWithShape="1">
+          <a:blip r:embed="rId2">
+            <a:extLst>
+              <a:ext uri="{28A0092B-C50C-407E-A947-70E740481C1C}">
+                <a14:useLocalDpi xmlns:a14="http://schemas.microsoft.com/office/drawing/2010/main" val="0"/>
+              </a:ext>
+            </a:extLst>
+          </a:blip>
+          <a:srcRect l="3986" t="3623" r="4097" b="3189"/>
+          <a:stretch/>
+        </p:blipFill>
         <p:spPr>
           <a:xfrm>
-            <a:off x="0" y="6542313"/>
-            <a:ext cx="7053943" cy="215444"/>
+            <a:off x="6176584" y="0"/>
+            <a:ext cx="6015416" cy="6858000"/>
           </a:xfrm>
           <a:prstGeom prst="rect">
             <a:avLst/>
           </a:prstGeom>
-          <a:noFill/>
         </p:spPr>
-        <p:txBody>
-          <a:bodyPr wrap="square" rtlCol="0">
-            <a:spAutoFit/>
-          </a:bodyPr>
-          <a:lstStyle/>
-          <a:p>
-            <a:r>
-              <a:rPr lang="en-US" sz="800" dirty="0"/>
-              <a:t>https://yuvrajscorpio.medium.com/type-casting-in-java-8175fa2875ee</a:t>
-            </a:r>
-          </a:p>
-        </p:txBody>
-      </p:sp>
+      </p:pic>
     </p:spTree>
     <p:extLst>
       <p:ext uri="{BB962C8B-B14F-4D97-AF65-F5344CB8AC3E}">
-        <p14:creationId xmlns:p14="http://schemas.microsoft.com/office/powerpoint/2010/main" val="3369532370"/>
+        <p14:creationId xmlns:p14="http://schemas.microsoft.com/office/powerpoint/2010/main" val="463906735"/>
       </p:ext>
     </p:extLst>
   </p:cSld>
@@ -9446,4 +11771,319 @@
     </a:ext>
   </a:extLst>
 </a:theme>
+</file>
+
+<file path=ppt/theme/theme2.xml><?xml version="1.0" encoding="utf-8"?>
+<a:theme xmlns:a="http://schemas.openxmlformats.org/drawingml/2006/main" name="Office Theme">
+  <a:themeElements>
+    <a:clrScheme name="Office">
+      <a:dk1>
+        <a:sysClr val="windowText" lastClr="000000"/>
+      </a:dk1>
+      <a:lt1>
+        <a:sysClr val="window" lastClr="FFFFFF"/>
+      </a:lt1>
+      <a:dk2>
+        <a:srgbClr val="0E2841"/>
+      </a:dk2>
+      <a:lt2>
+        <a:srgbClr val="E8E8E8"/>
+      </a:lt2>
+      <a:accent1>
+        <a:srgbClr val="156082"/>
+      </a:accent1>
+      <a:accent2>
+        <a:srgbClr val="E97132"/>
+      </a:accent2>
+      <a:accent3>
+        <a:srgbClr val="196B24"/>
+      </a:accent3>
+      <a:accent4>
+        <a:srgbClr val="0F9ED5"/>
+      </a:accent4>
+      <a:accent5>
+        <a:srgbClr val="A02B93"/>
+      </a:accent5>
+      <a:accent6>
+        <a:srgbClr val="4EA72E"/>
+      </a:accent6>
+      <a:hlink>
+        <a:srgbClr val="467886"/>
+      </a:hlink>
+      <a:folHlink>
+        <a:srgbClr val="96607D"/>
+      </a:folHlink>
+    </a:clrScheme>
+    <a:fontScheme name="Office">
+      <a:majorFont>
+        <a:latin typeface="Aptos Display" panose="02110004020202020204"/>
+        <a:ea typeface=""/>
+        <a:cs typeface=""/>
+        <a:font script="Jpan" typeface="游ゴシック Light"/>
+        <a:font script="Hang" typeface="맑은 고딕"/>
+        <a:font script="Hans" typeface="等线 Light"/>
+        <a:font script="Hant" typeface="新細明體"/>
+        <a:font script="Arab" typeface="Times New Roman"/>
+        <a:font script="Hebr" typeface="Times New Roman"/>
+        <a:font script="Thai" typeface="Angsana New"/>
+        <a:font script="Ethi" typeface="Nyala"/>
+        <a:font script="Beng" typeface="Vrinda"/>
+        <a:font script="Gujr" typeface="Shruti"/>
+        <a:font script="Khmr" typeface="MoolBoran"/>
+        <a:font script="Knda" typeface="Tunga"/>
+        <a:font script="Guru" typeface="Raavi"/>
+        <a:font script="Cans" typeface="Euphemia"/>
+        <a:font script="Cher" typeface="Plantagenet Cherokee"/>
+        <a:font script="Yiii" typeface="Microsoft Yi Baiti"/>
+        <a:font script="Tibt" typeface="Microsoft Himalaya"/>
+        <a:font script="Thaa" typeface="MV Boli"/>
+        <a:font script="Deva" typeface="Mangal"/>
+        <a:font script="Telu" typeface="Gautami"/>
+        <a:font script="Taml" typeface="Latha"/>
+        <a:font script="Syrc" typeface="Estrangelo Edessa"/>
+        <a:font script="Orya" typeface="Kalinga"/>
+        <a:font script="Mlym" typeface="Kartika"/>
+        <a:font script="Laoo" typeface="DokChampa"/>
+        <a:font script="Sinh" typeface="Iskoola Pota"/>
+        <a:font script="Mong" typeface="Mongolian Baiti"/>
+        <a:font script="Viet" typeface="Times New Roman"/>
+        <a:font script="Uigh" typeface="Microsoft Uighur"/>
+        <a:font script="Geor" typeface="Sylfaen"/>
+        <a:font script="Armn" typeface="Arial"/>
+        <a:font script="Bugi" typeface="Leelawadee UI"/>
+        <a:font script="Bopo" typeface="Microsoft JhengHei"/>
+        <a:font script="Java" typeface="Javanese Text"/>
+        <a:font script="Lisu" typeface="Segoe UI"/>
+        <a:font script="Mymr" typeface="Myanmar Text"/>
+        <a:font script="Nkoo" typeface="Ebrima"/>
+        <a:font script="Olck" typeface="Nirmala UI"/>
+        <a:font script="Osma" typeface="Ebrima"/>
+        <a:font script="Phag" typeface="Phagspa"/>
+        <a:font script="Syrn" typeface="Estrangelo Edessa"/>
+        <a:font script="Syrj" typeface="Estrangelo Edessa"/>
+        <a:font script="Syre" typeface="Estrangelo Edessa"/>
+        <a:font script="Sora" typeface="Nirmala UI"/>
+        <a:font script="Tale" typeface="Microsoft Tai Le"/>
+        <a:font script="Talu" typeface="Microsoft New Tai Lue"/>
+        <a:font script="Tfng" typeface="Ebrima"/>
+      </a:majorFont>
+      <a:minorFont>
+        <a:latin typeface="Aptos" panose="02110004020202020204"/>
+        <a:ea typeface=""/>
+        <a:cs typeface=""/>
+        <a:font script="Jpan" typeface="游ゴシック"/>
+        <a:font script="Hang" typeface="맑은 고딕"/>
+        <a:font script="Hans" typeface="等线"/>
+        <a:font script="Hant" typeface="新細明體"/>
+        <a:font script="Arab" typeface="Arial"/>
+        <a:font script="Hebr" typeface="Arial"/>
+        <a:font script="Thai" typeface="Cordia New"/>
+        <a:font script="Ethi" typeface="Nyala"/>
+        <a:font script="Beng" typeface="Vrinda"/>
+        <a:font script="Gujr" typeface="Shruti"/>
+        <a:font script="Khmr" typeface="DaunPenh"/>
+        <a:font script="Knda" typeface="Tunga"/>
+        <a:font script="Guru" typeface="Raavi"/>
+        <a:font script="Cans" typeface="Euphemia"/>
+        <a:font script="Cher" typeface="Plantagenet Cherokee"/>
+        <a:font script="Yiii" typeface="Microsoft Yi Baiti"/>
+        <a:font script="Tibt" typeface="Microsoft Himalaya"/>
+        <a:font script="Thaa" typeface="MV Boli"/>
+        <a:font script="Deva" typeface="Mangal"/>
+        <a:font script="Telu" typeface="Gautami"/>
+        <a:font script="Taml" typeface="Latha"/>
+        <a:font script="Syrc" typeface="Estrangelo Edessa"/>
+        <a:font script="Orya" typeface="Kalinga"/>
+        <a:font script="Mlym" typeface="Kartika"/>
+        <a:font script="Laoo" typeface="DokChampa"/>
+        <a:font script="Sinh" typeface="Iskoola Pota"/>
+        <a:font script="Mong" typeface="Mongolian Baiti"/>
+        <a:font script="Viet" typeface="Arial"/>
+        <a:font script="Uigh" typeface="Microsoft Uighur"/>
+        <a:font script="Geor" typeface="Sylfaen"/>
+        <a:font script="Armn" typeface="Arial"/>
+        <a:font script="Bugi" typeface="Leelawadee UI"/>
+        <a:font script="Bopo" typeface="Microsoft JhengHei"/>
+        <a:font script="Java" typeface="Javanese Text"/>
+        <a:font script="Lisu" typeface="Segoe UI"/>
+        <a:font script="Mymr" typeface="Myanmar Text"/>
+        <a:font script="Nkoo" typeface="Ebrima"/>
+        <a:font script="Olck" typeface="Nirmala UI"/>
+        <a:font script="Osma" typeface="Ebrima"/>
+        <a:font script="Phag" typeface="Phagspa"/>
+        <a:font script="Syrn" typeface="Estrangelo Edessa"/>
+        <a:font script="Syrj" typeface="Estrangelo Edessa"/>
+        <a:font script="Syre" typeface="Estrangelo Edessa"/>
+        <a:font script="Sora" typeface="Nirmala UI"/>
+        <a:font script="Tale" typeface="Microsoft Tai Le"/>
+        <a:font script="Talu" typeface="Microsoft New Tai Lue"/>
+        <a:font script="Tfng" typeface="Ebrima"/>
+      </a:minorFont>
+    </a:fontScheme>
+    <a:fmtScheme name="Office">
+      <a:fillStyleLst>
+        <a:solidFill>
+          <a:schemeClr val="phClr"/>
+        </a:solidFill>
+        <a:gradFill rotWithShape="1">
+          <a:gsLst>
+            <a:gs pos="0">
+              <a:schemeClr val="phClr">
+                <a:lumMod val="110000"/>
+                <a:satMod val="105000"/>
+                <a:tint val="67000"/>
+              </a:schemeClr>
+            </a:gs>
+            <a:gs pos="50000">
+              <a:schemeClr val="phClr">
+                <a:lumMod val="105000"/>
+                <a:satMod val="103000"/>
+                <a:tint val="73000"/>
+              </a:schemeClr>
+            </a:gs>
+            <a:gs pos="100000">
+              <a:schemeClr val="phClr">
+                <a:lumMod val="105000"/>
+                <a:satMod val="109000"/>
+                <a:tint val="81000"/>
+              </a:schemeClr>
+            </a:gs>
+          </a:gsLst>
+          <a:lin ang="5400000" scaled="0"/>
+        </a:gradFill>
+        <a:gradFill rotWithShape="1">
+          <a:gsLst>
+            <a:gs pos="0">
+              <a:schemeClr val="phClr">
+                <a:satMod val="103000"/>
+                <a:lumMod val="102000"/>
+                <a:tint val="94000"/>
+              </a:schemeClr>
+            </a:gs>
+            <a:gs pos="50000">
+              <a:schemeClr val="phClr">
+                <a:satMod val="110000"/>
+                <a:lumMod val="100000"/>
+                <a:shade val="100000"/>
+              </a:schemeClr>
+            </a:gs>
+            <a:gs pos="100000">
+              <a:schemeClr val="phClr">
+                <a:lumMod val="99000"/>
+                <a:satMod val="120000"/>
+                <a:shade val="78000"/>
+              </a:schemeClr>
+            </a:gs>
+          </a:gsLst>
+          <a:lin ang="5400000" scaled="0"/>
+        </a:gradFill>
+      </a:fillStyleLst>
+      <a:lnStyleLst>
+        <a:ln w="12700" cap="flat" cmpd="sng" algn="ctr">
+          <a:solidFill>
+            <a:schemeClr val="phClr"/>
+          </a:solidFill>
+          <a:prstDash val="solid"/>
+          <a:miter lim="800000"/>
+        </a:ln>
+        <a:ln w="19050" cap="flat" cmpd="sng" algn="ctr">
+          <a:solidFill>
+            <a:schemeClr val="phClr"/>
+          </a:solidFill>
+          <a:prstDash val="solid"/>
+          <a:miter lim="800000"/>
+        </a:ln>
+        <a:ln w="25400" cap="flat" cmpd="sng" algn="ctr">
+          <a:solidFill>
+            <a:schemeClr val="phClr"/>
+          </a:solidFill>
+          <a:prstDash val="solid"/>
+          <a:miter lim="800000"/>
+        </a:ln>
+      </a:lnStyleLst>
+      <a:effectStyleLst>
+        <a:effectStyle>
+          <a:effectLst/>
+        </a:effectStyle>
+        <a:effectStyle>
+          <a:effectLst/>
+        </a:effectStyle>
+        <a:effectStyle>
+          <a:effectLst>
+            <a:outerShdw blurRad="57150" dist="19050" dir="5400000" algn="ctr" rotWithShape="0">
+              <a:srgbClr val="000000">
+                <a:alpha val="63000"/>
+              </a:srgbClr>
+            </a:outerShdw>
+          </a:effectLst>
+        </a:effectStyle>
+      </a:effectStyleLst>
+      <a:bgFillStyleLst>
+        <a:solidFill>
+          <a:schemeClr val="phClr"/>
+        </a:solidFill>
+        <a:solidFill>
+          <a:schemeClr val="phClr">
+            <a:tint val="95000"/>
+            <a:satMod val="170000"/>
+          </a:schemeClr>
+        </a:solidFill>
+        <a:gradFill rotWithShape="1">
+          <a:gsLst>
+            <a:gs pos="0">
+              <a:schemeClr val="phClr">
+                <a:tint val="93000"/>
+                <a:satMod val="150000"/>
+                <a:shade val="98000"/>
+                <a:lumMod val="102000"/>
+              </a:schemeClr>
+            </a:gs>
+            <a:gs pos="50000">
+              <a:schemeClr val="phClr">
+                <a:tint val="98000"/>
+                <a:satMod val="130000"/>
+                <a:shade val="90000"/>
+                <a:lumMod val="103000"/>
+              </a:schemeClr>
+            </a:gs>
+            <a:gs pos="100000">
+              <a:schemeClr val="phClr">
+                <a:shade val="63000"/>
+                <a:satMod val="120000"/>
+              </a:schemeClr>
+            </a:gs>
+          </a:gsLst>
+          <a:lin ang="5400000" scaled="0"/>
+        </a:gradFill>
+      </a:bgFillStyleLst>
+    </a:fmtScheme>
+  </a:themeElements>
+  <a:objectDefaults>
+    <a:lnDef>
+      <a:spPr/>
+      <a:bodyPr/>
+      <a:lstStyle/>
+      <a:style>
+        <a:lnRef idx="2">
+          <a:schemeClr val="accent1"/>
+        </a:lnRef>
+        <a:fillRef idx="0">
+          <a:schemeClr val="accent1"/>
+        </a:fillRef>
+        <a:effectRef idx="1">
+          <a:schemeClr val="accent1"/>
+        </a:effectRef>
+        <a:fontRef idx="minor">
+          <a:schemeClr val="tx1"/>
+        </a:fontRef>
+      </a:style>
+    </a:lnDef>
+  </a:objectDefaults>
+  <a:extraClrSchemeLst/>
+  <a:extLst>
+    <a:ext uri="{05A4C25C-085E-4340-85A3-A5531E510DB2}">
+      <thm15:themeFamily xmlns:thm15="http://schemas.microsoft.com/office/thememl/2012/main" name="Office Theme" id="{2E142A2C-CD16-42D6-873A-C26D2A0506FA}" vid="{1BDDFF52-6CD6-40A5-AB3C-68EB2F1E4D0A}"/>
+    </a:ext>
+  </a:extLst>
+</a:theme>
 </file>